--- a/OOP/lectures/100--Java.MultiThreading.pptx
+++ b/OOP/lectures/100--Java.MultiThreading.pptx
@@ -5,7 +5,7 @@
     <p:sldMasterId id="2147483648" r:id="rId1"/>
   </p:sldMasterIdLst>
   <p:notesMasterIdLst>
-    <p:notesMasterId r:id="rId38"/>
+    <p:notesMasterId r:id="rId39"/>
   </p:notesMasterIdLst>
   <p:sldIdLst>
     <p:sldId id="267" r:id="rId2"/>
@@ -43,7 +43,8 @@
     <p:sldId id="303" r:id="rId34"/>
     <p:sldId id="272" r:id="rId35"/>
     <p:sldId id="275" r:id="rId36"/>
-    <p:sldId id="268" r:id="rId37"/>
+    <p:sldId id="308" r:id="rId37"/>
+    <p:sldId id="268" r:id="rId38"/>
   </p:sldIdLst>
   <p:sldSz cx="9144000" cy="6858000" type="screen4x3"/>
   <p:notesSz cx="6858000" cy="9144000"/>
@@ -174,7 +175,7 @@
   </p:defaultTextStyle>
   <p:extLst>
     <p:ext uri="{EFAFB233-063F-42B5-8137-9DF3F51BA10A}">
-      <p15:sldGuideLst xmlns:p15="http://schemas.microsoft.com/office/powerpoint/2012/main" xmlns="">
+      <p15:sldGuideLst xmlns="" xmlns:p15="http://schemas.microsoft.com/office/powerpoint/2012/main">
         <p15:guide id="1" orient="horz" pos="2160">
           <p15:clr>
             <a:srgbClr val="A4A3A4"/>
@@ -241,14 +242,14 @@
           <a:effectLst/>
           <a:extLst>
             <a:ext uri="{909E8E84-426E-40DD-AFC4-6F175D3DCCD1}">
-              <a14:hiddenFill xmlns:a14="http://schemas.microsoft.com/office/drawing/2010/main" xmlns="">
+              <a14:hiddenFill xmlns="" xmlns:a14="http://schemas.microsoft.com/office/drawing/2010/main">
                 <a:solidFill>
                   <a:schemeClr val="accent1"/>
                 </a:solidFill>
               </a14:hiddenFill>
             </a:ext>
             <a:ext uri="{91240B29-F687-4F45-9708-019B960494DF}">
-              <a14:hiddenLine xmlns:a14="http://schemas.microsoft.com/office/drawing/2010/main" xmlns="" w="9525">
+              <a14:hiddenLine xmlns="" xmlns:a14="http://schemas.microsoft.com/office/drawing/2010/main" w="9525">
                 <a:solidFill>
                   <a:schemeClr val="tx1"/>
                 </a:solidFill>
@@ -258,7 +259,7 @@
               </a14:hiddenLine>
             </a:ext>
             <a:ext uri="{AF507438-7753-43E0-B8FC-AC1667EBCBE1}">
-              <a14:hiddenEffects xmlns:a14="http://schemas.microsoft.com/office/drawing/2010/main" xmlns="">
+              <a14:hiddenEffects xmlns="" xmlns:a14="http://schemas.microsoft.com/office/drawing/2010/main">
                 <a:effectLst>
                   <a:outerShdw dist="35921" dir="2700000" algn="ctr" rotWithShape="0">
                     <a:schemeClr val="bg2"/>
@@ -312,14 +313,14 @@
           <a:effectLst/>
           <a:extLst>
             <a:ext uri="{909E8E84-426E-40DD-AFC4-6F175D3DCCD1}">
-              <a14:hiddenFill xmlns:a14="http://schemas.microsoft.com/office/drawing/2010/main" xmlns="">
+              <a14:hiddenFill xmlns="" xmlns:a14="http://schemas.microsoft.com/office/drawing/2010/main">
                 <a:solidFill>
                   <a:schemeClr val="accent1"/>
                 </a:solidFill>
               </a14:hiddenFill>
             </a:ext>
             <a:ext uri="{91240B29-F687-4F45-9708-019B960494DF}">
-              <a14:hiddenLine xmlns:a14="http://schemas.microsoft.com/office/drawing/2010/main" xmlns="" w="9525">
+              <a14:hiddenLine xmlns="" xmlns:a14="http://schemas.microsoft.com/office/drawing/2010/main" w="9525">
                 <a:solidFill>
                   <a:schemeClr val="tx1"/>
                 </a:solidFill>
@@ -329,7 +330,7 @@
               </a14:hiddenLine>
             </a:ext>
             <a:ext uri="{AF507438-7753-43E0-B8FC-AC1667EBCBE1}">
-              <a14:hiddenEffects xmlns:a14="http://schemas.microsoft.com/office/drawing/2010/main" xmlns="">
+              <a14:hiddenEffects xmlns="" xmlns:a14="http://schemas.microsoft.com/office/drawing/2010/main">
                 <a:effectLst>
                   <a:outerShdw dist="35921" dir="2700000" algn="ctr" rotWithShape="0">
                     <a:schemeClr val="bg2"/>
@@ -388,14 +389,14 @@
           <a:effectLst/>
           <a:extLst>
             <a:ext uri="{909E8E84-426E-40DD-AFC4-6F175D3DCCD1}">
-              <a14:hiddenFill xmlns:a14="http://schemas.microsoft.com/office/drawing/2010/main" xmlns="">
+              <a14:hiddenFill xmlns="" xmlns:a14="http://schemas.microsoft.com/office/drawing/2010/main">
                 <a:solidFill>
                   <a:srgbClr val="FFFFFF"/>
                 </a:solidFill>
               </a14:hiddenFill>
             </a:ext>
             <a:ext uri="{AF507438-7753-43E0-B8FC-AC1667EBCBE1}">
-              <a14:hiddenEffects xmlns:a14="http://schemas.microsoft.com/office/drawing/2010/main" xmlns="">
+              <a14:hiddenEffects xmlns="" xmlns:a14="http://schemas.microsoft.com/office/drawing/2010/main">
                 <a:effectLst>
                   <a:outerShdw dist="35921" dir="2700000" algn="ctr" rotWithShape="0">
                     <a:srgbClr val="808080"/>
@@ -404,7 +405,7 @@
               </a14:hiddenEffects>
             </a:ext>
             <a:ext uri="{53640926-AAD7-44D8-BBD7-CCE9431645EC}">
-              <a14:shadowObscured xmlns:a14="http://schemas.microsoft.com/office/drawing/2010/main" xmlns="" val="1"/>
+              <a14:shadowObscured xmlns="" xmlns:a14="http://schemas.microsoft.com/office/drawing/2010/main" val="1"/>
             </a:ext>
           </a:extLst>
         </p:spPr>
@@ -434,14 +435,14 @@
           <a:effectLst/>
           <a:extLst>
             <a:ext uri="{909E8E84-426E-40DD-AFC4-6F175D3DCCD1}">
-              <a14:hiddenFill xmlns:a14="http://schemas.microsoft.com/office/drawing/2010/main" xmlns="">
+              <a14:hiddenFill xmlns="" xmlns:a14="http://schemas.microsoft.com/office/drawing/2010/main">
                 <a:solidFill>
                   <a:schemeClr val="accent1"/>
                 </a:solidFill>
               </a14:hiddenFill>
             </a:ext>
             <a:ext uri="{91240B29-F687-4F45-9708-019B960494DF}">
-              <a14:hiddenLine xmlns:a14="http://schemas.microsoft.com/office/drawing/2010/main" xmlns="" w="9525">
+              <a14:hiddenLine xmlns="" xmlns:a14="http://schemas.microsoft.com/office/drawing/2010/main" w="9525">
                 <a:solidFill>
                   <a:schemeClr val="tx1"/>
                 </a:solidFill>
@@ -451,7 +452,7 @@
               </a14:hiddenLine>
             </a:ext>
             <a:ext uri="{AF507438-7753-43E0-B8FC-AC1667EBCBE1}">
-              <a14:hiddenEffects xmlns:a14="http://schemas.microsoft.com/office/drawing/2010/main" xmlns="">
+              <a14:hiddenEffects xmlns="" xmlns:a14="http://schemas.microsoft.com/office/drawing/2010/main">
                 <a:effectLst>
                   <a:outerShdw dist="35921" dir="2700000" algn="ctr" rotWithShape="0">
                     <a:schemeClr val="bg2"/>
@@ -530,14 +531,14 @@
           <a:effectLst/>
           <a:extLst>
             <a:ext uri="{909E8E84-426E-40DD-AFC4-6F175D3DCCD1}">
-              <a14:hiddenFill xmlns:a14="http://schemas.microsoft.com/office/drawing/2010/main" xmlns="">
+              <a14:hiddenFill xmlns="" xmlns:a14="http://schemas.microsoft.com/office/drawing/2010/main">
                 <a:solidFill>
                   <a:schemeClr val="accent1"/>
                 </a:solidFill>
               </a14:hiddenFill>
             </a:ext>
             <a:ext uri="{91240B29-F687-4F45-9708-019B960494DF}">
-              <a14:hiddenLine xmlns:a14="http://schemas.microsoft.com/office/drawing/2010/main" xmlns="" w="9525">
+              <a14:hiddenLine xmlns="" xmlns:a14="http://schemas.microsoft.com/office/drawing/2010/main" w="9525">
                 <a:solidFill>
                   <a:schemeClr val="tx1"/>
                 </a:solidFill>
@@ -547,7 +548,7 @@
               </a14:hiddenLine>
             </a:ext>
             <a:ext uri="{AF507438-7753-43E0-B8FC-AC1667EBCBE1}">
-              <a14:hiddenEffects xmlns:a14="http://schemas.microsoft.com/office/drawing/2010/main" xmlns="">
+              <a14:hiddenEffects xmlns="" xmlns:a14="http://schemas.microsoft.com/office/drawing/2010/main">
                 <a:effectLst>
                   <a:outerShdw dist="35921" dir="2700000" algn="ctr" rotWithShape="0">
                     <a:schemeClr val="bg2"/>
@@ -601,14 +602,14 @@
           <a:effectLst/>
           <a:extLst>
             <a:ext uri="{909E8E84-426E-40DD-AFC4-6F175D3DCCD1}">
-              <a14:hiddenFill xmlns:a14="http://schemas.microsoft.com/office/drawing/2010/main" xmlns="">
+              <a14:hiddenFill xmlns="" xmlns:a14="http://schemas.microsoft.com/office/drawing/2010/main">
                 <a:solidFill>
                   <a:schemeClr val="accent1"/>
                 </a:solidFill>
               </a14:hiddenFill>
             </a:ext>
             <a:ext uri="{91240B29-F687-4F45-9708-019B960494DF}">
-              <a14:hiddenLine xmlns:a14="http://schemas.microsoft.com/office/drawing/2010/main" xmlns="" w="9525">
+              <a14:hiddenLine xmlns="" xmlns:a14="http://schemas.microsoft.com/office/drawing/2010/main" w="9525">
                 <a:solidFill>
                   <a:schemeClr val="tx1"/>
                 </a:solidFill>
@@ -618,7 +619,7 @@
               </a14:hiddenLine>
             </a:ext>
             <a:ext uri="{AF507438-7753-43E0-B8FC-AC1667EBCBE1}">
-              <a14:hiddenEffects xmlns:a14="http://schemas.microsoft.com/office/drawing/2010/main" xmlns="">
+              <a14:hiddenEffects xmlns="" xmlns:a14="http://schemas.microsoft.com/office/drawing/2010/main">
                 <a:effectLst>
                   <a:outerShdw dist="35921" dir="2700000" algn="ctr" rotWithShape="0">
                     <a:schemeClr val="bg2"/>
@@ -657,7 +658,7 @@
     </p:spTree>
     <p:extLst>
       <p:ext uri="{BB962C8B-B14F-4D97-AF65-F5344CB8AC3E}">
-        <p14:creationId xmlns:p14="http://schemas.microsoft.com/office/powerpoint/2010/main" xmlns="" val="4195862832"/>
+        <p14:creationId xmlns="" xmlns:p14="http://schemas.microsoft.com/office/powerpoint/2010/main" val="4195862832"/>
       </p:ext>
     </p:extLst>
   </p:cSld>
@@ -904,7 +905,7 @@
     </p:spTree>
     <p:extLst>
       <p:ext uri="{BB962C8B-B14F-4D97-AF65-F5344CB8AC3E}">
-        <p14:creationId xmlns:p14="http://schemas.microsoft.com/office/powerpoint/2010/main" xmlns="" val="3974463546"/>
+        <p14:creationId xmlns="" xmlns:p14="http://schemas.microsoft.com/office/powerpoint/2010/main" val="3974463546"/>
       </p:ext>
     </p:extLst>
   </p:cSld>
@@ -1041,7 +1042,7 @@
               <a:pPr>
                 <a:defRPr/>
               </a:pPr>
-              <a:t>12/3/2017</a:t>
+              <a:t>12/4/2017</a:t>
             </a:fld>
             <a:endParaRPr lang="en-US" altLang="en-US"/>
           </a:p>
@@ -1128,7 +1129,7 @@
     </p:spTree>
     <p:extLst>
       <p:ext uri="{BB962C8B-B14F-4D97-AF65-F5344CB8AC3E}">
-        <p14:creationId xmlns:p14="http://schemas.microsoft.com/office/powerpoint/2010/main" xmlns="" val="2709286740"/>
+        <p14:creationId xmlns="" xmlns:p14="http://schemas.microsoft.com/office/powerpoint/2010/main" val="2709286740"/>
       </p:ext>
     </p:extLst>
   </p:cSld>
@@ -1275,7 +1276,7 @@
               <a:pPr>
                 <a:defRPr/>
               </a:pPr>
-              <a:t>12/3/2017</a:t>
+              <a:t>12/4/2017</a:t>
             </a:fld>
             <a:endParaRPr lang="en-US" altLang="en-US"/>
           </a:p>
@@ -1362,7 +1363,7 @@
     </p:spTree>
     <p:extLst>
       <p:ext uri="{BB962C8B-B14F-4D97-AF65-F5344CB8AC3E}">
-        <p14:creationId xmlns:p14="http://schemas.microsoft.com/office/powerpoint/2010/main" xmlns="" val="3680702629"/>
+        <p14:creationId xmlns="" xmlns:p14="http://schemas.microsoft.com/office/powerpoint/2010/main" val="3680702629"/>
       </p:ext>
     </p:extLst>
   </p:cSld>
@@ -1467,7 +1468,7 @@
     </p:spTree>
     <p:extLst>
       <p:ext uri="{BB962C8B-B14F-4D97-AF65-F5344CB8AC3E}">
-        <p14:creationId xmlns:p14="http://schemas.microsoft.com/office/powerpoint/2010/main" xmlns="" val="1653092787"/>
+        <p14:creationId xmlns="" xmlns:p14="http://schemas.microsoft.com/office/powerpoint/2010/main" val="1653092787"/>
       </p:ext>
     </p:extLst>
   </p:cSld>
@@ -1594,7 +1595,7 @@
     </p:spTree>
     <p:extLst>
       <p:ext uri="{BB962C8B-B14F-4D97-AF65-F5344CB8AC3E}">
-        <p14:creationId xmlns:p14="http://schemas.microsoft.com/office/powerpoint/2010/main" xmlns="" val="1819431106"/>
+        <p14:creationId xmlns="" xmlns:p14="http://schemas.microsoft.com/office/powerpoint/2010/main" val="1819431106"/>
       </p:ext>
     </p:extLst>
   </p:cSld>
@@ -1761,7 +1762,7 @@
     </p:spTree>
     <p:extLst>
       <p:ext uri="{BB962C8B-B14F-4D97-AF65-F5344CB8AC3E}">
-        <p14:creationId xmlns:p14="http://schemas.microsoft.com/office/powerpoint/2010/main" xmlns="" val="544011329"/>
+        <p14:creationId xmlns="" xmlns:p14="http://schemas.microsoft.com/office/powerpoint/2010/main" val="544011329"/>
       </p:ext>
     </p:extLst>
   </p:cSld>
@@ -2063,7 +2064,7 @@
     </p:spTree>
     <p:extLst>
       <p:ext uri="{BB962C8B-B14F-4D97-AF65-F5344CB8AC3E}">
-        <p14:creationId xmlns:p14="http://schemas.microsoft.com/office/powerpoint/2010/main" xmlns="" val="2599443737"/>
+        <p14:creationId xmlns="" xmlns:p14="http://schemas.microsoft.com/office/powerpoint/2010/main" val="2599443737"/>
       </p:ext>
     </p:extLst>
   </p:cSld>
@@ -2148,7 +2149,7 @@
               <a:pPr>
                 <a:defRPr/>
               </a:pPr>
-              <a:t>12/3/2017</a:t>
+              <a:t>12/4/2017</a:t>
             </a:fld>
             <a:endParaRPr lang="en-US" altLang="en-US"/>
           </a:p>
@@ -2235,7 +2236,7 @@
     </p:spTree>
     <p:extLst>
       <p:ext uri="{BB962C8B-B14F-4D97-AF65-F5344CB8AC3E}">
-        <p14:creationId xmlns:p14="http://schemas.microsoft.com/office/powerpoint/2010/main" xmlns="" val="2702408219"/>
+        <p14:creationId xmlns="" xmlns:p14="http://schemas.microsoft.com/office/powerpoint/2010/main" val="2702408219"/>
       </p:ext>
     </p:extLst>
   </p:cSld>
@@ -2297,7 +2298,7 @@
               <a:pPr>
                 <a:defRPr/>
               </a:pPr>
-              <a:t>12/3/2017</a:t>
+              <a:t>12/4/2017</a:t>
             </a:fld>
             <a:endParaRPr lang="en-US" altLang="en-US"/>
           </a:p>
@@ -2384,7 +2385,7 @@
     </p:spTree>
     <p:extLst>
       <p:ext uri="{BB962C8B-B14F-4D97-AF65-F5344CB8AC3E}">
-        <p14:creationId xmlns:p14="http://schemas.microsoft.com/office/powerpoint/2010/main" xmlns="" val="442351032"/>
+        <p14:creationId xmlns="" xmlns:p14="http://schemas.microsoft.com/office/powerpoint/2010/main" val="442351032"/>
       </p:ext>
     </p:extLst>
   </p:cSld>
@@ -2628,7 +2629,7 @@
               <a:pPr>
                 <a:defRPr/>
               </a:pPr>
-              <a:t>12/3/2017</a:t>
+              <a:t>12/4/2017</a:t>
             </a:fld>
             <a:endParaRPr lang="en-US" altLang="en-US"/>
           </a:p>
@@ -2715,7 +2716,7 @@
     </p:spTree>
     <p:extLst>
       <p:ext uri="{BB962C8B-B14F-4D97-AF65-F5344CB8AC3E}">
-        <p14:creationId xmlns:p14="http://schemas.microsoft.com/office/powerpoint/2010/main" xmlns="" val="1089144775"/>
+        <p14:creationId xmlns="" xmlns:p14="http://schemas.microsoft.com/office/powerpoint/2010/main" val="1089144775"/>
       </p:ext>
     </p:extLst>
   </p:cSld>
@@ -2936,7 +2937,7 @@
               <a:pPr>
                 <a:defRPr/>
               </a:pPr>
-              <a:t>12/3/2017</a:t>
+              <a:t>12/4/2017</a:t>
             </a:fld>
             <a:endParaRPr lang="en-US" altLang="en-US"/>
           </a:p>
@@ -3023,7 +3024,7 @@
     </p:spTree>
     <p:extLst>
       <p:ext uri="{BB962C8B-B14F-4D97-AF65-F5344CB8AC3E}">
-        <p14:creationId xmlns:p14="http://schemas.microsoft.com/office/powerpoint/2010/main" xmlns="" val="3564170711"/>
+        <p14:creationId xmlns="" xmlns:p14="http://schemas.microsoft.com/office/powerpoint/2010/main" val="3564170711"/>
       </p:ext>
     </p:extLst>
   </p:cSld>
@@ -3083,14 +3084,14 @@
           <a:effectLst/>
           <a:extLst>
             <a:ext uri="{909E8E84-426E-40DD-AFC4-6F175D3DCCD1}">
-              <a14:hiddenFill xmlns:a14="http://schemas.microsoft.com/office/drawing/2010/main" xmlns="">
+              <a14:hiddenFill xmlns="" xmlns:a14="http://schemas.microsoft.com/office/drawing/2010/main">
                 <a:solidFill>
                   <a:schemeClr val="accent1"/>
                 </a:solidFill>
               </a14:hiddenFill>
             </a:ext>
             <a:ext uri="{91240B29-F687-4F45-9708-019B960494DF}">
-              <a14:hiddenLine xmlns:a14="http://schemas.microsoft.com/office/drawing/2010/main" xmlns="" w="9525">
+              <a14:hiddenLine xmlns="" xmlns:a14="http://schemas.microsoft.com/office/drawing/2010/main" w="9525">
                 <a:solidFill>
                   <a:schemeClr val="tx1"/>
                 </a:solidFill>
@@ -3100,7 +3101,7 @@
               </a14:hiddenLine>
             </a:ext>
             <a:ext uri="{AF507438-7753-43E0-B8FC-AC1667EBCBE1}">
-              <a14:hiddenEffects xmlns:a14="http://schemas.microsoft.com/office/drawing/2010/main" xmlns="">
+              <a14:hiddenEffects xmlns="" xmlns:a14="http://schemas.microsoft.com/office/drawing/2010/main">
                 <a:effectLst>
                   <a:outerShdw dist="35921" dir="2700000" algn="ctr" rotWithShape="0">
                     <a:schemeClr val="bg2"/>
@@ -3151,14 +3152,14 @@
           <a:effectLst/>
           <a:extLst>
             <a:ext uri="{909E8E84-426E-40DD-AFC4-6F175D3DCCD1}">
-              <a14:hiddenFill xmlns:a14="http://schemas.microsoft.com/office/drawing/2010/main" xmlns="">
+              <a14:hiddenFill xmlns="" xmlns:a14="http://schemas.microsoft.com/office/drawing/2010/main">
                 <a:solidFill>
                   <a:schemeClr val="accent1"/>
                 </a:solidFill>
               </a14:hiddenFill>
             </a:ext>
             <a:ext uri="{91240B29-F687-4F45-9708-019B960494DF}">
-              <a14:hiddenLine xmlns:a14="http://schemas.microsoft.com/office/drawing/2010/main" xmlns="" w="9525">
+              <a14:hiddenLine xmlns="" xmlns:a14="http://schemas.microsoft.com/office/drawing/2010/main" w="9525">
                 <a:solidFill>
                   <a:schemeClr val="tx1"/>
                 </a:solidFill>
@@ -3168,7 +3169,7 @@
               </a14:hiddenLine>
             </a:ext>
             <a:ext uri="{AF507438-7753-43E0-B8FC-AC1667EBCBE1}">
-              <a14:hiddenEffects xmlns:a14="http://schemas.microsoft.com/office/drawing/2010/main" xmlns="">
+              <a14:hiddenEffects xmlns="" xmlns:a14="http://schemas.microsoft.com/office/drawing/2010/main">
                 <a:effectLst>
                   <a:outerShdw dist="35921" dir="2700000" algn="ctr" rotWithShape="0">
                     <a:schemeClr val="bg2"/>
@@ -3717,14 +3718,14 @@
           </a:ln>
           <a:extLst>
             <a:ext uri="{909E8E84-426E-40DD-AFC4-6F175D3DCCD1}">
-              <a14:hiddenFill xmlns:a14="http://schemas.microsoft.com/office/drawing/2010/main" xmlns="">
+              <a14:hiddenFill xmlns="" xmlns:a14="http://schemas.microsoft.com/office/drawing/2010/main">
                 <a:solidFill>
                   <a:srgbClr val="FFFFFF"/>
                 </a:solidFill>
               </a14:hiddenFill>
             </a:ext>
             <a:ext uri="{91240B29-F687-4F45-9708-019B960494DF}">
-              <a14:hiddenLine xmlns:a14="http://schemas.microsoft.com/office/drawing/2010/main" xmlns="" w="9525">
+              <a14:hiddenLine xmlns="" xmlns:a14="http://schemas.microsoft.com/office/drawing/2010/main" w="9525">
                 <a:solidFill>
                   <a:srgbClr val="000000"/>
                 </a:solidFill>
@@ -4065,7 +4066,19 @@
           <a:p>
             <a:r>
               <a:rPr lang="en-US" dirty="0" smtClean="0"/>
-              <a:t>Thread management done by user-level threads library </a:t>
+              <a:t>Thread management done by </a:t>
+            </a:r>
+            <a:r>
+              <a:rPr lang="en-US" dirty="0" smtClean="0">
+                <a:solidFill>
+                  <a:srgbClr val="FF0000"/>
+                </a:solidFill>
+              </a:rPr>
+              <a:t>user-leve</a:t>
+            </a:r>
+            <a:r>
+              <a:rPr lang="en-US" dirty="0" smtClean="0"/>
+              <a:t>l threads library </a:t>
             </a:r>
             <a:br>
               <a:rPr lang="en-US" dirty="0" smtClean="0"/>
@@ -4222,11 +4235,7 @@
           <a:p>
             <a:r>
               <a:rPr lang="en-US" dirty="0" smtClean="0"/>
-              <a:t>Java threads may be created </a:t>
-            </a:r>
-            <a:r>
-              <a:rPr lang="en-US" dirty="0" smtClean="0"/>
-              <a:t>by</a:t>
+              <a:t>Java threads may be created by</a:t>
             </a:r>
           </a:p>
           <a:p>
@@ -4248,11 +4257,7 @@
             <a:pPr lvl="1"/>
             <a:r>
               <a:rPr lang="en-US" dirty="0" smtClean="0"/>
-              <a:t>Implementing </a:t>
-            </a:r>
-            <a:r>
-              <a:rPr lang="en-US" dirty="0" smtClean="0"/>
-              <a:t>the </a:t>
+              <a:t>Implementing the </a:t>
             </a:r>
             <a:r>
               <a:rPr lang="en-US" b="1" dirty="0" err="1" smtClean="0"/>
@@ -4358,35 +4363,19 @@
           <a:p>
             <a:r>
               <a:rPr lang="en-US" dirty="0" smtClean="0"/>
-              <a:t>The simplest way to make a </a:t>
-            </a:r>
-            <a:r>
-              <a:rPr lang="en-US" dirty="0" smtClean="0"/>
-              <a:t>thread</a:t>
-            </a:r>
-          </a:p>
-          <a:p>
-            <a:r>
-              <a:rPr lang="en-US" dirty="0" smtClean="0"/>
-              <a:t>Treats </a:t>
-            </a:r>
-            <a:r>
-              <a:rPr lang="en-US" dirty="0" smtClean="0"/>
-              <a:t>a thread as an </a:t>
-            </a:r>
-            <a:r>
-              <a:rPr lang="en-US" dirty="0" smtClean="0"/>
-              <a:t>object</a:t>
-            </a:r>
-          </a:p>
-          <a:p>
-            <a:r>
-              <a:rPr lang="en-US" dirty="0" smtClean="0"/>
-              <a:t>Override </a:t>
-            </a:r>
-            <a:r>
-              <a:rPr lang="en-US" dirty="0" smtClean="0"/>
-              <a:t>the </a:t>
+              <a:t>The simplest way to make a thread</a:t>
+            </a:r>
+          </a:p>
+          <a:p>
+            <a:r>
+              <a:rPr lang="en-US" dirty="0" smtClean="0"/>
+              <a:t>Treats a thread as an object</a:t>
+            </a:r>
+          </a:p>
+          <a:p>
+            <a:r>
+              <a:rPr lang="en-US" dirty="0" smtClean="0"/>
+              <a:t>Override the </a:t>
             </a:r>
             <a:r>
               <a:rPr lang="en-US" b="1" dirty="0" smtClean="0"/>
@@ -4394,41 +4383,21 @@
             </a:r>
             <a:r>
               <a:rPr lang="en-US" dirty="0" smtClean="0"/>
-              <a:t>method, i.e., the thread’s “</a:t>
-            </a:r>
-            <a:r>
-              <a:rPr lang="en-US" dirty="0" smtClean="0"/>
-              <a:t>main”</a:t>
+              <a:t>method, i.e., the thread’s “main”</a:t>
             </a:r>
           </a:p>
           <a:p>
             <a:pPr lvl="1"/>
             <a:r>
               <a:rPr lang="en-US" dirty="0" smtClean="0"/>
-              <a:t>Typically </a:t>
-            </a:r>
-            <a:r>
-              <a:rPr lang="en-US" dirty="0" smtClean="0"/>
-              <a:t>a </a:t>
-            </a:r>
-            <a:r>
-              <a:rPr lang="en-US" dirty="0" smtClean="0"/>
-              <a:t>loop</a:t>
+              <a:t>Typically a loop</a:t>
             </a:r>
           </a:p>
           <a:p>
             <a:pPr lvl="1"/>
             <a:r>
               <a:rPr lang="en-US" dirty="0" smtClean="0"/>
-              <a:t>Continues </a:t>
-            </a:r>
-            <a:r>
-              <a:rPr lang="en-US" dirty="0" smtClean="0"/>
-              <a:t>for the life of the </a:t>
-            </a:r>
-            <a:r>
-              <a:rPr lang="en-US" dirty="0" smtClean="0"/>
-              <a:t>thread</a:t>
+              <a:t>Continues for the life of the thread</a:t>
             </a:r>
           </a:p>
           <a:p>
@@ -4446,39 +4415,23 @@
             </a:r>
             <a:r>
               <a:rPr lang="en-US" b="1" dirty="0" smtClean="0"/>
-              <a:t>start</a:t>
+              <a:t>start()</a:t>
+            </a:r>
+          </a:p>
+          <a:p>
+            <a:r>
+              <a:rPr lang="en-US" dirty="0" smtClean="0"/>
+              <a:t>Performs initialization, call method </a:t>
             </a:r>
             <a:r>
               <a:rPr lang="en-US" b="1" dirty="0" smtClean="0"/>
-              <a:t>()</a:t>
-            </a:r>
-          </a:p>
-          <a:p>
-            <a:r>
-              <a:rPr lang="en-US" dirty="0" smtClean="0"/>
-              <a:t>Performs </a:t>
-            </a:r>
-            <a:r>
-              <a:rPr lang="en-US" dirty="0" smtClean="0"/>
-              <a:t>initialization, call method </a:t>
-            </a:r>
-            <a:r>
-              <a:rPr lang="en-US" b="1" dirty="0" smtClean="0"/>
-              <a:t>run</a:t>
-            </a:r>
-            <a:r>
-              <a:rPr lang="en-US" b="1" dirty="0" smtClean="0"/>
-              <a:t>()</a:t>
-            </a:r>
-          </a:p>
-          <a:p>
-            <a:r>
-              <a:rPr lang="en-US" dirty="0" smtClean="0"/>
-              <a:t>Thread </a:t>
-            </a:r>
-            <a:r>
-              <a:rPr lang="en-US" dirty="0" smtClean="0"/>
-              <a:t>terminates when </a:t>
+              <a:t>run()</a:t>
+            </a:r>
+          </a:p>
+          <a:p>
+            <a:r>
+              <a:rPr lang="en-US" dirty="0" smtClean="0"/>
+              <a:t>Thread terminates when </a:t>
             </a:r>
             <a:r>
               <a:rPr lang="en-US" b="1" dirty="0" smtClean="0"/>
@@ -4651,11 +4604,7 @@
           <a:p>
             <a:r>
               <a:rPr lang="en-US" dirty="0" smtClean="0"/>
-              <a:t>Extending </a:t>
-            </a:r>
-            <a:r>
-              <a:rPr lang="en-US" dirty="0" smtClean="0"/>
-              <a:t>the </a:t>
+              <a:t>Extending the </a:t>
             </a:r>
             <a:r>
               <a:rPr lang="en-US" b="1" dirty="0" smtClean="0"/>
@@ -4984,124 +4933,44 @@
             </a:r>
             <a:r>
               <a:rPr lang="en-US" dirty="0" smtClean="0"/>
-              <a:t>: you own everything, </a:t>
-            </a:r>
-            <a:r>
-              <a:rPr lang="en-US" dirty="0" smtClean="0"/>
-              <a:t>no problem </a:t>
-            </a:r>
-            <a:r>
-              <a:rPr lang="en-US" dirty="0" smtClean="0"/>
-              <a:t>with </a:t>
-            </a:r>
-            <a:r>
-              <a:rPr lang="en-US" dirty="0" smtClean="0"/>
-              <a:t>sharing</a:t>
+              <a:t>: you own everything, no problem with sharing</a:t>
             </a:r>
           </a:p>
           <a:p>
             <a:r>
               <a:rPr lang="en-US" i="1" dirty="0" smtClean="0"/>
-              <a:t>Multi-threaded </a:t>
-            </a:r>
-            <a:r>
-              <a:rPr lang="en-US" i="1" dirty="0" smtClean="0"/>
-              <a:t>programming</a:t>
-            </a:r>
-            <a:r>
-              <a:rPr lang="en-US" dirty="0" smtClean="0"/>
-              <a:t>: more than one </a:t>
-            </a:r>
-            <a:r>
-              <a:rPr lang="en-US" dirty="0" smtClean="0"/>
-              <a:t>thread may </a:t>
-            </a:r>
-            <a:r>
-              <a:rPr lang="en-US" dirty="0" smtClean="0"/>
-              <a:t>try to use a shared resource at the same </a:t>
-            </a:r>
-            <a:r>
-              <a:rPr lang="en-US" dirty="0" smtClean="0"/>
-              <a:t>time</a:t>
+              <a:t>Multi-threaded programming</a:t>
+            </a:r>
+            <a:r>
+              <a:rPr lang="en-US" dirty="0" smtClean="0"/>
+              <a:t>: more than one thread may try to use a shared resource at the same time</a:t>
             </a:r>
           </a:p>
           <a:p>
             <a:pPr lvl="1"/>
             <a:r>
               <a:rPr lang="en-US" dirty="0" smtClean="0"/>
-              <a:t>Add </a:t>
-            </a:r>
-            <a:r>
-              <a:rPr lang="en-US" dirty="0" smtClean="0"/>
-              <a:t>and withdraw from a bank </a:t>
-            </a:r>
-            <a:r>
-              <a:rPr lang="en-US" dirty="0" smtClean="0"/>
-              <a:t>account</a:t>
+              <a:t>Add and withdraw from a bank account</a:t>
             </a:r>
           </a:p>
           <a:p>
             <a:pPr lvl="1"/>
             <a:r>
               <a:rPr lang="en-US" dirty="0" smtClean="0"/>
-              <a:t>Using </a:t>
-            </a:r>
-            <a:r>
-              <a:rPr lang="en-US" dirty="0" smtClean="0"/>
-              <a:t>the speakers at the same time, </a:t>
-            </a:r>
-            <a:r>
-              <a:rPr lang="en-US" dirty="0" smtClean="0"/>
-              <a:t>etc.</a:t>
-            </a:r>
-          </a:p>
-          <a:p>
-            <a:r>
-              <a:rPr lang="en-US" dirty="0" smtClean="0"/>
-              <a:t>Java </a:t>
-            </a:r>
-            <a:r>
-              <a:rPr lang="en-US" dirty="0" smtClean="0"/>
-              <a:t>provides locks, i.e., monitors, for objects, so you </a:t>
-            </a:r>
-            <a:r>
-              <a:rPr lang="en-US" dirty="0" smtClean="0"/>
-              <a:t>can wrap </a:t>
-            </a:r>
-            <a:r>
-              <a:rPr lang="en-US" dirty="0" smtClean="0"/>
-              <a:t>an object around a </a:t>
-            </a:r>
-            <a:r>
-              <a:rPr lang="en-US" dirty="0" smtClean="0"/>
-              <a:t>resource</a:t>
+              <a:t>Using the speakers at the same time, etc.</a:t>
+            </a:r>
+          </a:p>
+          <a:p>
+            <a:r>
+              <a:rPr lang="en-US" dirty="0" smtClean="0"/>
+              <a:t>Java provides locks, i.e., monitors, for objects, so you can wrap an object around a resource</a:t>
             </a:r>
           </a:p>
           <a:p>
             <a:pPr lvl="1"/>
             <a:r>
               <a:rPr lang="en-US" dirty="0" smtClean="0"/>
-              <a:t>First </a:t>
-            </a:r>
-            <a:r>
-              <a:rPr lang="en-US" dirty="0" smtClean="0"/>
-              <a:t>thread that acquires the lock gains control of the </a:t>
-            </a:r>
-            <a:r>
-              <a:rPr lang="en-US" dirty="0" smtClean="0"/>
-              <a:t>object, and </a:t>
-            </a:r>
-            <a:r>
-              <a:rPr lang="en-US" dirty="0" smtClean="0"/>
-              <a:t>the other threads cannot call synchronized methods </a:t>
-            </a:r>
-            <a:r>
-              <a:rPr lang="en-US" dirty="0" smtClean="0"/>
-              <a:t>for that </a:t>
-            </a:r>
-            <a:r>
-              <a:rPr lang="en-US" dirty="0" smtClean="0"/>
-              <a:t>object </a:t>
+              <a:t>First thread that acquires the lock gains control of the object, and the other threads cannot call synchronized methods for that object </a:t>
             </a:r>
             <a:endParaRPr lang="en-US" dirty="0"/>
           </a:p>
@@ -5184,25 +5053,13 @@
           <a:p>
             <a:r>
               <a:rPr lang="en-US" dirty="0" smtClean="0"/>
-              <a:t>One lock pr. object for the object’s </a:t>
-            </a:r>
-            <a:r>
-              <a:rPr lang="en-US" dirty="0" smtClean="0"/>
-              <a:t>methods</a:t>
-            </a:r>
-          </a:p>
-          <a:p>
-            <a:r>
-              <a:rPr lang="en-US" dirty="0" smtClean="0"/>
-              <a:t>One </a:t>
-            </a:r>
-            <a:r>
-              <a:rPr lang="en-US" dirty="0" smtClean="0"/>
-              <a:t>lock pr. class for the class’ static </a:t>
-            </a:r>
-            <a:r>
-              <a:rPr lang="en-US" dirty="0" smtClean="0"/>
-              <a:t>methods</a:t>
+              <a:t>One lock pr. object for the object’s methods</a:t>
+            </a:r>
+          </a:p>
+          <a:p>
+            <a:r>
+              <a:rPr lang="en-US" dirty="0" smtClean="0"/>
+              <a:t>One lock pr. class for the class’ static methods</a:t>
             </a:r>
           </a:p>
           <a:p>
@@ -5211,30 +5068,14 @@
           <a:p>
             <a:r>
               <a:rPr lang="en-US" dirty="0" smtClean="0"/>
-              <a:t>Typically </a:t>
-            </a:r>
-            <a:r>
-              <a:rPr lang="en-US" dirty="0" smtClean="0"/>
-              <a:t>data is private, only accessed through </a:t>
-            </a:r>
-            <a:r>
-              <a:rPr lang="en-US" dirty="0" smtClean="0"/>
-              <a:t>methods</a:t>
+              <a:t>Typically data is private, only accessed through methods</a:t>
             </a:r>
           </a:p>
           <a:p>
             <a:pPr lvl="1"/>
             <a:r>
               <a:rPr lang="en-US" dirty="0" smtClean="0"/>
-              <a:t>Must </a:t>
-            </a:r>
-            <a:r>
-              <a:rPr lang="en-US" dirty="0" smtClean="0"/>
-              <a:t>be private to be protected against concurrent </a:t>
-            </a:r>
-            <a:r>
-              <a:rPr lang="en-US" dirty="0" smtClean="0"/>
-              <a:t>access</a:t>
+              <a:t>Must be private to be protected against concurrent access</a:t>
             </a:r>
           </a:p>
           <a:p>
@@ -5252,15 +5093,7 @@
             </a:r>
             <a:r>
               <a:rPr lang="en-US" dirty="0" smtClean="0"/>
-              <a:t>, entering that </a:t>
-            </a:r>
-            <a:r>
-              <a:rPr lang="en-US" dirty="0" smtClean="0"/>
-              <a:t>method acquires </a:t>
-            </a:r>
-            <a:r>
-              <a:rPr lang="en-US" dirty="0" smtClean="0"/>
-              <a:t>the </a:t>
+              <a:t>, entering that method acquires the </a:t>
             </a:r>
             <a:r>
               <a:rPr lang="en-US" b="1" dirty="0" smtClean="0">
@@ -5275,11 +5108,7 @@
             <a:pPr lvl="1"/>
             <a:r>
               <a:rPr lang="en-US" dirty="0" smtClean="0"/>
-              <a:t>No </a:t>
-            </a:r>
-            <a:r>
-              <a:rPr lang="en-US" dirty="0" smtClean="0"/>
-              <a:t>other thread can call </a:t>
+              <a:t>No other thread can call </a:t>
             </a:r>
             <a:r>
               <a:rPr lang="en-US" i="1" dirty="0" smtClean="0"/>
@@ -5287,15 +5116,7 @@
             </a:r>
             <a:r>
               <a:rPr lang="en-US" dirty="0" smtClean="0"/>
-              <a:t>synchronized method for </a:t>
-            </a:r>
-            <a:r>
-              <a:rPr lang="en-US" dirty="0" smtClean="0"/>
-              <a:t>that object </a:t>
-            </a:r>
-            <a:r>
-              <a:rPr lang="en-US" dirty="0" smtClean="0"/>
-              <a:t>until the lock is released </a:t>
+              <a:t>synchronized method for that object until the lock is released </a:t>
             </a:r>
             <a:endParaRPr lang="en-US" dirty="0"/>
           </a:p>
@@ -5338,7 +5159,7 @@
         </p:nvSpPr>
         <p:spPr>
           <a:xfrm>
-            <a:off x="685800" y="0"/>
+            <a:off x="609600" y="304800"/>
             <a:ext cx="7772400" cy="1143000"/>
           </a:xfrm>
         </p:spPr>
@@ -5366,8 +5187,8 @@
         </p:nvSpPr>
         <p:spPr>
           <a:xfrm>
-            <a:off x="685800" y="1371600"/>
-            <a:ext cx="7772400" cy="4953000"/>
+            <a:off x="685800" y="1981200"/>
+            <a:ext cx="7772400" cy="4343400"/>
           </a:xfrm>
         </p:spPr>
         <p:txBody>
@@ -5376,15 +5197,7 @@
           <a:p>
             <a:r>
               <a:rPr lang="en-US" dirty="0" smtClean="0"/>
-              <a:t>Only one synchronized method can be called at any </a:t>
-            </a:r>
-            <a:r>
-              <a:rPr lang="en-US" dirty="0" smtClean="0"/>
-              <a:t>time for </a:t>
-            </a:r>
-            <a:r>
-              <a:rPr lang="en-US" dirty="0" smtClean="0"/>
-              <a:t>a particular object </a:t>
+              <a:t>Only one synchronized method can be called at any time for a particular object </a:t>
             </a:r>
             <a:br>
               <a:rPr lang="en-US" dirty="0" smtClean="0"/>
@@ -5528,11 +5341,7 @@
             <a:pPr eaLnBrk="1" hangingPunct="1"/>
             <a:r>
               <a:rPr lang="en-US" altLang="en-US" dirty="0" smtClean="0"/>
-              <a:t>Essential Java </a:t>
-            </a:r>
-            <a:r>
-              <a:rPr lang="en-US" altLang="en-US" dirty="0" smtClean="0"/>
-              <a:t>Multithreading</a:t>
+              <a:t>Essential Java Multithreading</a:t>
             </a:r>
           </a:p>
           <a:p>
@@ -5541,7 +5350,6 @@
               <a:rPr lang="en-US" altLang="en-US" dirty="0" smtClean="0"/>
               <a:t>Examples</a:t>
             </a:r>
-            <a:endParaRPr lang="en-US" altLang="en-US" dirty="0" smtClean="0"/>
           </a:p>
           <a:p>
             <a:pPr eaLnBrk="1" hangingPunct="1"/>
@@ -5638,11 +5446,7 @@
             <a:pPr lvl="1"/>
             <a:r>
               <a:rPr lang="en-US" dirty="0" smtClean="0"/>
-              <a:t>Memory</a:t>
-            </a:r>
-            <a:r>
-              <a:rPr lang="en-US" dirty="0" smtClean="0"/>
-              <a:t>: Each object has a lock implemented in </a:t>
+              <a:t>Memory: Each object has a lock implemented in </a:t>
             </a:r>
             <a:r>
               <a:rPr lang="en-US" b="1" dirty="0" smtClean="0"/>
@@ -5660,19 +5464,7 @@
             <a:pPr lvl="2"/>
             <a:r>
               <a:rPr lang="en-US" dirty="0" smtClean="0"/>
-              <a:t>Older </a:t>
-            </a:r>
-            <a:r>
-              <a:rPr lang="en-US" dirty="0" smtClean="0"/>
-              <a:t>standard Java libraries used synchronized a lot, did </a:t>
-            </a:r>
-            <a:r>
-              <a:rPr lang="en-US" dirty="0" smtClean="0"/>
-              <a:t>not provide </a:t>
-            </a:r>
-            <a:r>
-              <a:rPr lang="en-US" dirty="0" smtClean="0"/>
-              <a:t>any alternatives </a:t>
+              <a:t>Older standard Java libraries used synchronized a lot, did not provide any alternatives </a:t>
             </a:r>
             <a:br>
               <a:rPr lang="en-US" dirty="0" smtClean="0"/>
@@ -5803,7 +5595,7 @@
         </p:nvSpPr>
         <p:spPr>
           <a:xfrm>
-            <a:off x="685800" y="-76200"/>
+            <a:off x="609600" y="-152400"/>
             <a:ext cx="7772400" cy="1143000"/>
           </a:xfrm>
         </p:spPr>
@@ -5813,11 +5605,7 @@
           <a:p>
             <a:r>
               <a:rPr lang="en-US" dirty="0" smtClean="0"/>
-              <a:t>Sharing Resources, </a:t>
-            </a:r>
-            <a:r>
-              <a:rPr lang="en-US" dirty="0" smtClean="0"/>
-              <a:t>Example</a:t>
+              <a:t>Sharing Resources, Example</a:t>
             </a:r>
             <a:endParaRPr lang="en-US" dirty="0"/>
           </a:p>
@@ -5892,8 +5680,8 @@
         </p:nvSpPr>
         <p:spPr>
           <a:xfrm>
-            <a:off x="685800" y="228600"/>
-            <a:ext cx="7772400" cy="1143000"/>
+            <a:off x="76200" y="0"/>
+            <a:ext cx="8991600" cy="1143000"/>
           </a:xfrm>
         </p:spPr>
         <p:txBody>
@@ -5925,7 +5713,7 @@
         </p:blipFill>
         <p:spPr bwMode="auto">
           <a:xfrm>
-            <a:off x="762000" y="1491666"/>
+            <a:off x="762000" y="1295400"/>
             <a:ext cx="7934325" cy="5366334"/>
           </a:xfrm>
           <a:prstGeom prst="rect">
@@ -5977,8 +5765,8 @@
         </p:nvSpPr>
         <p:spPr>
           <a:xfrm>
-            <a:off x="685800" y="76200"/>
-            <a:ext cx="7772400" cy="1143000"/>
+            <a:off x="152400" y="-76200"/>
+            <a:ext cx="8839200" cy="1143000"/>
           </a:xfrm>
         </p:spPr>
         <p:txBody>
@@ -6010,7 +5798,7 @@
         </p:blipFill>
         <p:spPr bwMode="auto">
           <a:xfrm>
-            <a:off x="457200" y="1219200"/>
+            <a:off x="533400" y="1143000"/>
             <a:ext cx="8384436" cy="5638800"/>
           </a:xfrm>
           <a:prstGeom prst="rect">
@@ -6062,8 +5850,8 @@
         </p:nvSpPr>
         <p:spPr>
           <a:xfrm>
-            <a:off x="609600" y="152400"/>
-            <a:ext cx="7772400" cy="1143000"/>
+            <a:off x="76200" y="76200"/>
+            <a:ext cx="8915400" cy="1143000"/>
           </a:xfrm>
         </p:spPr>
         <p:txBody>
@@ -6190,16 +5978,12 @@
               <a:t>To inherit from an </a:t>
             </a:r>
             <a:r>
-              <a:rPr lang="en-US" dirty="0" err="1" smtClean="0"/>
-              <a:t>exising</a:t>
-            </a:r>
-            <a:r>
-              <a:rPr lang="en-US" dirty="0" smtClean="0"/>
-              <a:t> object and make it a </a:t>
-            </a:r>
-            <a:r>
-              <a:rPr lang="en-US" dirty="0" smtClean="0"/>
-              <a:t>thread, implement </a:t>
+              <a:rPr lang="en-US" dirty="0" smtClean="0"/>
+              <a:t>existing </a:t>
+            </a:r>
+            <a:r>
+              <a:rPr lang="en-US" dirty="0" smtClean="0"/>
+              <a:t>object and make it a thread, implement </a:t>
             </a:r>
             <a:r>
               <a:rPr lang="en-US" dirty="0" smtClean="0"/>
@@ -6221,11 +6005,7 @@
           <a:p>
             <a:r>
               <a:rPr lang="en-US" dirty="0" smtClean="0"/>
-              <a:t>A </a:t>
-            </a:r>
-            <a:r>
-              <a:rPr lang="en-US" dirty="0" smtClean="0"/>
-              <a:t>more classical, function-oriented way to use threads </a:t>
+              <a:t>A more classical, function-oriented way to use threads </a:t>
             </a:r>
             <a:br>
               <a:rPr lang="en-US" dirty="0" smtClean="0"/>
@@ -6325,11 +6105,7 @@
             </a:r>
             <a:r>
               <a:rPr lang="en-US" dirty="0" smtClean="0"/>
-              <a:t>Interface, cont </a:t>
-            </a:r>
-            <a:r>
-              <a:rPr lang="en-US" dirty="0" smtClean="0"/>
-              <a:t>.</a:t>
+              <a:t>Interface, cont .</a:t>
             </a:r>
             <a:endParaRPr lang="en-US" dirty="0"/>
           </a:p>
@@ -6529,7 +6305,7 @@
         </p:nvSpPr>
         <p:spPr>
           <a:xfrm>
-            <a:off x="762000" y="1066800"/>
+            <a:off x="762000" y="1143000"/>
             <a:ext cx="7772400" cy="3276600"/>
           </a:xfrm>
         </p:spPr>
@@ -6545,7 +6321,11 @@
             </a:r>
             <a:r>
               <a:rPr lang="en-US" dirty="0" smtClean="0"/>
-              <a:t>– suspends execution of the currently </a:t>
+              <a:t>– suspends execution of </a:t>
+            </a:r>
+            <a:r>
+              <a:rPr lang="en-US" dirty="0" smtClean="0"/>
+              <a:t>the currently </a:t>
             </a:r>
             <a:r>
               <a:rPr lang="en-US" dirty="0" smtClean="0"/>
@@ -6555,59 +6335,52 @@
           <a:p>
             <a:r>
               <a:rPr lang="en-US" i="1" dirty="0" smtClean="0"/>
-              <a:t>sleep</a:t>
-            </a:r>
+              <a:t>sleep() </a:t>
+            </a:r>
+            <a:r>
+              <a:rPr lang="en-US" dirty="0" smtClean="0"/>
+              <a:t>– puts the currently running thread </a:t>
+            </a:r>
+            <a:r>
+              <a:rPr lang="en-US" dirty="0" smtClean="0"/>
+              <a:t>to sleep </a:t>
+            </a:r>
+            <a:r>
+              <a:rPr lang="en-US" dirty="0" smtClean="0"/>
+              <a:t>for a specified amount of time</a:t>
+            </a:r>
+          </a:p>
+          <a:p>
             <a:r>
               <a:rPr lang="en-US" i="1" dirty="0" smtClean="0"/>
-              <a:t>() </a:t>
-            </a:r>
-            <a:r>
-              <a:rPr lang="en-US" dirty="0" smtClean="0"/>
-              <a:t>– puts the currently running thread to sleep for </a:t>
-            </a:r>
-            <a:r>
-              <a:rPr lang="en-US" dirty="0" smtClean="0"/>
-              <a:t>a specified </a:t>
-            </a:r>
-            <a:r>
-              <a:rPr lang="en-US" dirty="0" smtClean="0"/>
-              <a:t>amount of </a:t>
-            </a:r>
-            <a:r>
-              <a:rPr lang="en-US" dirty="0" smtClean="0"/>
-              <a:t>time</a:t>
-            </a:r>
+              <a:t>resume() </a:t>
+            </a:r>
+            <a:r>
+              <a:rPr lang="en-US" dirty="0" smtClean="0"/>
+              <a:t>– resumes execution of a suspended </a:t>
+            </a:r>
+            <a:r>
+              <a:rPr lang="en-US" dirty="0" smtClean="0"/>
+              <a:t>thread</a:t>
+            </a:r>
+            <a:endParaRPr lang="en-US" dirty="0" smtClean="0"/>
           </a:p>
           <a:p>
             <a:r>
               <a:rPr lang="en-US" i="1" dirty="0" smtClean="0"/>
-              <a:t>resume</a:t>
-            </a:r>
-            <a:r>
-              <a:rPr lang="en-US" i="1" dirty="0" smtClean="0"/>
-              <a:t>() </a:t>
-            </a:r>
-            <a:r>
-              <a:rPr lang="en-US" dirty="0" smtClean="0"/>
-              <a:t>– resumes execution of a suspended </a:t>
-            </a:r>
-            <a:r>
-              <a:rPr lang="en-US" dirty="0" smtClean="0"/>
-              <a:t>thread.</a:t>
-            </a:r>
-          </a:p>
-          <a:p>
-            <a:r>
-              <a:rPr lang="en-US" i="1" dirty="0" smtClean="0"/>
-              <a:t>stop</a:t>
-            </a:r>
-            <a:r>
-              <a:rPr lang="en-US" i="1" dirty="0" smtClean="0"/>
-              <a:t>() </a:t>
-            </a:r>
-            <a:r>
-              <a:rPr lang="en-US" dirty="0" smtClean="0"/>
-              <a:t>– stops execution of a thread. </a:t>
+              <a:t>stop() </a:t>
+            </a:r>
+            <a:r>
+              <a:rPr lang="en-US" dirty="0" smtClean="0"/>
+              <a:t>– stops execution of a </a:t>
+            </a:r>
+            <a:r>
+              <a:rPr lang="en-US" dirty="0" smtClean="0"/>
+              <a:t>thread</a:t>
+            </a:r>
+            <a:r>
+              <a:rPr lang="en-US" dirty="0" smtClean="0"/>
+              <a:t/>
             </a:r>
             <a:br>
               <a:rPr lang="en-US" dirty="0" smtClean="0"/>
@@ -6633,7 +6406,7 @@
         </p:blipFill>
         <p:spPr bwMode="auto">
           <a:xfrm>
-            <a:off x="457200" y="3810000"/>
+            <a:off x="457200" y="3883414"/>
             <a:ext cx="8305800" cy="2822186"/>
           </a:xfrm>
           <a:prstGeom prst="rect">
@@ -6947,7 +6720,12 @@
             <p:ph type="title"/>
           </p:nvPr>
         </p:nvSpPr>
-        <p:spPr/>
+        <p:spPr>
+          <a:xfrm>
+            <a:off x="533400" y="457200"/>
+            <a:ext cx="7772400" cy="1143000"/>
+          </a:xfrm>
+        </p:spPr>
         <p:txBody>
           <a:bodyPr/>
           <a:lstStyle/>
@@ -6982,11 +6760,7 @@
           <a:p>
             <a:r>
               <a:rPr lang="en-US" dirty="0" smtClean="0"/>
-              <a:t>Thread </a:t>
-            </a:r>
-            <a:r>
-              <a:rPr lang="en-US" dirty="0" smtClean="0"/>
-              <a:t>priority</a:t>
+              <a:t>Thread priority</a:t>
             </a:r>
           </a:p>
           <a:p>
@@ -6994,16 +6768,11 @@
               <a:rPr lang="en-US" dirty="0" smtClean="0"/>
               <a:t>Thread groups</a:t>
             </a:r>
-            <a:endParaRPr lang="en-US" dirty="0" smtClean="0"/>
-          </a:p>
-          <a:p>
-            <a:r>
-              <a:rPr lang="en-US" dirty="0" smtClean="0"/>
-              <a:t>Daemon </a:t>
-            </a:r>
-            <a:r>
-              <a:rPr lang="en-US" dirty="0" smtClean="0"/>
-              <a:t>(</a:t>
+          </a:p>
+          <a:p>
+            <a:r>
+              <a:rPr lang="en-US" dirty="0" smtClean="0"/>
+              <a:t>Daemon (</a:t>
             </a:r>
             <a:r>
               <a:rPr lang="en-US" dirty="0" err="1" smtClean="0"/>
@@ -7011,26 +6780,14 @@
             </a:r>
             <a:r>
               <a:rPr lang="en-US" dirty="0" smtClean="0"/>
-              <a:t> </a:t>
-            </a:r>
-            <a:r>
-              <a:rPr lang="en-US" dirty="0" smtClean="0"/>
-              <a:t>term)</a:t>
+              <a:t> term)</a:t>
             </a:r>
           </a:p>
           <a:p>
             <a:pPr lvl="1"/>
             <a:r>
               <a:rPr lang="en-US" dirty="0" smtClean="0"/>
-              <a:t>similar </a:t>
-            </a:r>
-            <a:r>
-              <a:rPr lang="en-US" dirty="0" smtClean="0"/>
-              <a:t>to a service (on </a:t>
-            </a:r>
-            <a:r>
-              <a:rPr lang="en-US" dirty="0" smtClean="0"/>
-              <a:t>Win32)</a:t>
+              <a:t>similar to a service (on Win32)</a:t>
             </a:r>
           </a:p>
           <a:p>
@@ -7043,11 +6800,7 @@
             <a:pPr lvl="1"/>
             <a:r>
               <a:rPr lang="en-US" dirty="0" smtClean="0"/>
-              <a:t>Very </a:t>
-            </a:r>
-            <a:r>
-              <a:rPr lang="en-US" dirty="0" smtClean="0"/>
-              <a:t>hard to detect logical errors in programs </a:t>
+              <a:t>Very hard to detect logical errors in programs </a:t>
             </a:r>
             <a:br>
               <a:rPr lang="en-US" dirty="0" smtClean="0"/>
@@ -7332,11 +7085,7 @@
           <a:p>
             <a:r>
               <a:rPr lang="en-GB" altLang="en-US" dirty="0" smtClean="0"/>
-              <a:t>Overview Multithreading with </a:t>
-            </a:r>
-            <a:r>
-              <a:rPr lang="en-GB" altLang="en-US" dirty="0" smtClean="0"/>
-              <a:t>Java</a:t>
+              <a:t>Overview Multithreading with Java</a:t>
             </a:r>
           </a:p>
           <a:p>
@@ -7346,19 +7095,7 @@
             </a:r>
             <a:r>
               <a:rPr lang="en-US" dirty="0" smtClean="0"/>
-              <a:t>: live by all by your </a:t>
-            </a:r>
-            <a:r>
-              <a:rPr lang="en-US" dirty="0" smtClean="0"/>
-              <a:t>self, own </a:t>
-            </a:r>
-            <a:r>
-              <a:rPr lang="en-US" dirty="0" smtClean="0"/>
-              <a:t>everything, no contention for </a:t>
-            </a:r>
-            <a:r>
-              <a:rPr lang="en-US" dirty="0" smtClean="0"/>
-              <a:t>resources</a:t>
+              <a:t>: live by all by your self, own everything, no contention for resources</a:t>
             </a:r>
           </a:p>
           <a:p>
@@ -7368,67 +7105,26 @@
             </a:r>
             <a:r>
               <a:rPr lang="en-US" dirty="0" smtClean="0"/>
-              <a:t>: suddenly </a:t>
-            </a:r>
-            <a:r>
-              <a:rPr lang="en-US" dirty="0" smtClean="0"/>
-              <a:t>“others</a:t>
-            </a:r>
-            <a:r>
-              <a:rPr lang="en-US" dirty="0" smtClean="0"/>
-              <a:t>” </a:t>
-            </a:r>
-            <a:r>
-              <a:rPr lang="en-US" dirty="0" smtClean="0"/>
-              <a:t>can have </a:t>
-            </a:r>
-            <a:r>
-              <a:rPr lang="en-US" dirty="0" smtClean="0"/>
-              <a:t>collisions and destroy information, get locked </a:t>
-            </a:r>
-            <a:r>
-              <a:rPr lang="en-US" dirty="0" smtClean="0"/>
-              <a:t>up over </a:t>
-            </a:r>
-            <a:r>
-              <a:rPr lang="en-US" dirty="0" smtClean="0"/>
-              <a:t>the use of resources </a:t>
-            </a:r>
-            <a:endParaRPr lang="en-US" dirty="0" smtClean="0"/>
-          </a:p>
-          <a:p>
-            <a:r>
-              <a:rPr lang="en-US" dirty="0" smtClean="0"/>
-              <a:t>Multithreading is built-into the Java </a:t>
-            </a:r>
-            <a:r>
-              <a:rPr lang="en-US" dirty="0" smtClean="0"/>
-              <a:t>programming language </a:t>
-            </a:r>
-          </a:p>
-          <a:p>
-            <a:r>
-              <a:rPr lang="en-US" dirty="0" smtClean="0"/>
-              <a:t>Multithreading </a:t>
-            </a:r>
-            <a:r>
-              <a:rPr lang="en-US" dirty="0" smtClean="0"/>
-              <a:t>makes Java programs </a:t>
-            </a:r>
-            <a:r>
-              <a:rPr lang="en-US" dirty="0" smtClean="0"/>
-              <a:t>complicated</a:t>
+              <a:t>: suddenly “others” can have collisions and destroy information, get locked up over the use of resources </a:t>
+            </a:r>
+          </a:p>
+          <a:p>
+            <a:r>
+              <a:rPr lang="en-US" dirty="0" smtClean="0"/>
+              <a:t>Multithreading is built-into the Java programming language </a:t>
+            </a:r>
+          </a:p>
+          <a:p>
+            <a:r>
+              <a:rPr lang="en-US" dirty="0" smtClean="0"/>
+              <a:t>Multithreading makes Java programs complicated</a:t>
             </a:r>
           </a:p>
           <a:p>
             <a:pPr lvl="1"/>
             <a:r>
               <a:rPr lang="en-US" dirty="0" smtClean="0"/>
-              <a:t>Multithreading </a:t>
-            </a:r>
-            <a:r>
-              <a:rPr lang="en-US" dirty="0" smtClean="0"/>
-              <a:t>is by nature difficult, e.g., deadlocks </a:t>
+              <a:t>Multithreading is by nature difficult, e.g., deadlocks </a:t>
             </a:r>
             <a:endParaRPr lang="en-GB" altLang="en-US" dirty="0" smtClean="0"/>
           </a:p>
@@ -7549,6 +7245,87 @@
       </p:grpSpPr>
       <p:sp>
         <p:nvSpPr>
+          <p:cNvPr id="2" name="Title 1"/>
+          <p:cNvSpPr>
+            <a:spLocks noGrp="1"/>
+          </p:cNvSpPr>
+          <p:nvPr>
+            <p:ph type="title"/>
+          </p:nvPr>
+        </p:nvSpPr>
+        <p:spPr/>
+        <p:txBody>
+          <a:bodyPr/>
+          <a:lstStyle/>
+          <a:p>
+            <a:r>
+              <a:rPr lang="en-US" dirty="0" smtClean="0"/>
+              <a:t>Exercises</a:t>
+            </a:r>
+            <a:endParaRPr lang="en-US" dirty="0"/>
+          </a:p>
+        </p:txBody>
+      </p:sp>
+      <p:sp>
+        <p:nvSpPr>
+          <p:cNvPr id="3" name="Content Placeholder 2"/>
+          <p:cNvSpPr>
+            <a:spLocks noGrp="1"/>
+          </p:cNvSpPr>
+          <p:nvPr>
+            <p:ph idx="1"/>
+          </p:nvPr>
+        </p:nvSpPr>
+        <p:spPr/>
+        <p:txBody>
+          <a:bodyPr/>
+          <a:lstStyle/>
+          <a:p>
+            <a:r>
+              <a:rPr lang="en-US" dirty="0" smtClean="0"/>
+              <a:t>Chapter 29</a:t>
+            </a:r>
+            <a:endParaRPr lang="en-US" dirty="0" smtClean="0"/>
+          </a:p>
+          <a:p>
+            <a:pPr>
+              <a:buNone/>
+            </a:pPr>
+            <a:r>
+              <a:rPr lang="en-US" dirty="0" smtClean="0"/>
+              <a:t>Exercises 29.1 to 29.4</a:t>
+            </a:r>
+            <a:endParaRPr lang="en-US" dirty="0"/>
+          </a:p>
+        </p:txBody>
+      </p:sp>
+    </p:spTree>
+  </p:cSld>
+  <p:clrMapOvr>
+    <a:masterClrMapping/>
+  </p:clrMapOvr>
+</p:sld>
+</file>
+
+<file path=ppt/slides/slide37.xml><?xml version="1.0" encoding="utf-8"?>
+<p:sld xmlns:a="http://schemas.openxmlformats.org/drawingml/2006/main" xmlns:r="http://schemas.openxmlformats.org/officeDocument/2006/relationships" xmlns:p="http://schemas.openxmlformats.org/presentationml/2006/main">
+  <p:cSld>
+    <p:spTree>
+      <p:nvGrpSpPr>
+        <p:cNvPr id="1" name=""/>
+        <p:cNvGrpSpPr/>
+        <p:nvPr/>
+      </p:nvGrpSpPr>
+      <p:grpSpPr>
+        <a:xfrm>
+          <a:off x="0" y="0"/>
+          <a:ext cx="0" cy="0"/>
+          <a:chOff x="0" y="0"/>
+          <a:chExt cx="0" cy="0"/>
+        </a:xfrm>
+      </p:grpSpPr>
+      <p:sp>
+        <p:nvSpPr>
           <p:cNvPr id="13314" name="Title 1"/>
           <p:cNvSpPr>
             <a:spLocks noGrp="1"/>
@@ -7857,7 +7634,7 @@
         <p:spPr>
           <a:xfrm>
             <a:off x="685800" y="1524000"/>
-            <a:ext cx="7772400" cy="4114800"/>
+            <a:ext cx="8077200" cy="4114800"/>
           </a:xfrm>
         </p:spPr>
         <p:txBody>
@@ -7943,7 +7720,7 @@
     </p:spTree>
     <p:extLst>
       <p:ext uri="{BB962C8B-B14F-4D97-AF65-F5344CB8AC3E}">
-        <p14:creationId xmlns:p14="http://schemas.microsoft.com/office/powerpoint/2010/main" xmlns="" val="2919942950"/>
+        <p14:creationId xmlns="" xmlns:p14="http://schemas.microsoft.com/office/powerpoint/2010/main" val="2919942950"/>
       </p:ext>
     </p:extLst>
   </p:cSld>
@@ -8019,34 +7796,11 @@
             </a:r>
             <a:r>
               <a:rPr lang="en-US" dirty="0" smtClean="0"/>
-              <a:t>: A thread is a </a:t>
-            </a:r>
-            <a:r>
-              <a:rPr lang="en-US" dirty="0" smtClean="0"/>
-              <a:t>single sequential </a:t>
-            </a:r>
-            <a:r>
-              <a:rPr lang="en-US" dirty="0" smtClean="0"/>
-              <a:t>flow </a:t>
-            </a:r>
-            <a:r>
-              <a:rPr lang="en-US" dirty="0" smtClean="0"/>
-              <a:t>of control </a:t>
-            </a:r>
-            <a:r>
-              <a:rPr lang="en-US" dirty="0" smtClean="0"/>
-              <a:t>within a program (also called </a:t>
+              <a:t>: A thread is a single sequential flow of control within a program (also called </a:t>
             </a:r>
             <a:r>
               <a:rPr lang="en-US" i="1" dirty="0" smtClean="0"/>
-              <a:t>lightweight</a:t>
-            </a:r>
-            <a:br>
-              <a:rPr lang="en-US" i="1" dirty="0" smtClean="0"/>
-            </a:br>
-            <a:r>
-              <a:rPr lang="en-US" i="1" dirty="0" smtClean="0"/>
-              <a:t>process</a:t>
+              <a:t>lightweight process</a:t>
             </a:r>
             <a:r>
               <a:rPr lang="en-US" dirty="0" smtClean="0"/>
@@ -8136,82 +7890,58 @@
           <a:p>
             <a:r>
               <a:rPr lang="en-US" dirty="0" smtClean="0"/>
-              <a:t>Each thread acts like its own sequential </a:t>
-            </a:r>
-            <a:r>
-              <a:rPr lang="en-US" dirty="0" smtClean="0"/>
-              <a:t>program</a:t>
+              <a:t>Each thread acts like its own sequential program</a:t>
             </a:r>
           </a:p>
           <a:p>
             <a:pPr lvl="1"/>
             <a:r>
               <a:rPr lang="en-US" dirty="0" smtClean="0"/>
-              <a:t>Underlying </a:t>
-            </a:r>
-            <a:r>
-              <a:rPr lang="en-US" dirty="0" smtClean="0"/>
-              <a:t>mechanism divides up CPU between </a:t>
-            </a:r>
-            <a:r>
-              <a:rPr lang="en-US" dirty="0" smtClean="0"/>
-              <a:t>multiple threads</a:t>
-            </a:r>
-          </a:p>
-          <a:p>
-            <a:r>
-              <a:rPr lang="en-US" dirty="0" smtClean="0"/>
-              <a:t>Two </a:t>
-            </a:r>
-            <a:r>
-              <a:rPr lang="en-US" dirty="0" smtClean="0"/>
-              <a:t>types of multithreaded </a:t>
-            </a:r>
-            <a:r>
-              <a:rPr lang="en-US" dirty="0" smtClean="0"/>
-              <a:t>applications</a:t>
+              <a:t>Underlying mechanism divides up CPU between multiple threads</a:t>
+            </a:r>
+          </a:p>
+          <a:p>
+            <a:r>
+              <a:rPr lang="en-US" dirty="0" smtClean="0"/>
+              <a:t>Two types of multithreaded applications</a:t>
             </a:r>
           </a:p>
           <a:p>
             <a:pPr lvl="1"/>
             <a:r>
               <a:rPr lang="en-US" dirty="0" smtClean="0"/>
-              <a:t>Make </a:t>
-            </a:r>
-            <a:r>
-              <a:rPr lang="en-US" dirty="0" smtClean="0"/>
-              <a:t>many threads that do many tasks in parallel, i.e., </a:t>
-            </a:r>
-            <a:r>
-              <a:rPr lang="en-US" dirty="0" smtClean="0"/>
+              <a:t>Make many threads that do many tasks in parallel, i.e., </a:t>
+            </a:r>
+            <a:r>
+              <a:rPr lang="en-US" dirty="0" smtClean="0">
+                <a:solidFill>
+                  <a:srgbClr val="FF0000"/>
+                </a:solidFill>
+              </a:rPr>
               <a:t>no communication </a:t>
             </a:r>
             <a:r>
               <a:rPr lang="en-US" dirty="0" smtClean="0"/>
-              <a:t>between the threads (</a:t>
-            </a:r>
-            <a:r>
-              <a:rPr lang="en-US" dirty="0" smtClean="0"/>
-              <a:t>GUI)</a:t>
+              <a:t>between the threads (GUI)</a:t>
             </a:r>
           </a:p>
           <a:p>
             <a:pPr lvl="1"/>
             <a:r>
               <a:rPr lang="en-US" dirty="0" smtClean="0"/>
-              <a:t>Make </a:t>
-            </a:r>
-            <a:r>
-              <a:rPr lang="en-US" dirty="0" smtClean="0"/>
-              <a:t>many threads that do many tasks concurrently, i.e</a:t>
-            </a:r>
-            <a:r>
-              <a:rPr lang="en-US" dirty="0" smtClean="0"/>
-              <a:t>., communication </a:t>
-            </a:r>
-            <a:r>
-              <a:rPr lang="en-US" dirty="0" smtClean="0"/>
-              <a:t>between the threads (data access) </a:t>
+              <a:t>Make many threads that do many tasks </a:t>
+            </a:r>
+            <a:r>
+              <a:rPr lang="en-US" dirty="0" smtClean="0">
+                <a:solidFill>
+                  <a:srgbClr val="FF0000"/>
+                </a:solidFill>
+              </a:rPr>
+              <a:t>concurrently</a:t>
+            </a:r>
+            <a:r>
+              <a:rPr lang="en-US" dirty="0" smtClean="0"/>
+              <a:t>, i.e., communication between the threads (data access) </a:t>
             </a:r>
             <a:endParaRPr lang="en-US" dirty="0"/>
           </a:p>
@@ -8301,15 +8031,7 @@
             <a:pPr lvl="1"/>
             <a:r>
               <a:rPr lang="en-US" dirty="0" smtClean="0"/>
-              <a:t>Responsiveness</a:t>
-            </a:r>
-            <a:r>
-              <a:rPr lang="en-US" dirty="0" smtClean="0"/>
-              <a:t>, e.g., of user </a:t>
-            </a:r>
-            <a:r>
-              <a:rPr lang="en-US" dirty="0" smtClean="0"/>
-              <a:t>interfaces</a:t>
+              <a:t>Responsiveness, e.g., of user interfaces</a:t>
             </a:r>
           </a:p>
           <a:p>
@@ -8330,15 +8052,7 @@
             <a:pPr lvl="1"/>
             <a:r>
               <a:rPr lang="en-US" dirty="0" smtClean="0"/>
-              <a:t>Utilization </a:t>
-            </a:r>
-            <a:r>
-              <a:rPr lang="en-US" dirty="0" smtClean="0"/>
-              <a:t>of multiprocessor hardware </a:t>
-            </a:r>
-            <a:r>
-              <a:rPr lang="en-US" dirty="0" smtClean="0"/>
-              <a:t>architectures</a:t>
+              <a:t>Utilization of multiprocessor hardware architectures</a:t>
             </a:r>
           </a:p>
           <a:p>
@@ -8351,26 +8065,14 @@
             <a:pPr lvl="1"/>
             <a:r>
               <a:rPr lang="en-US" dirty="0" smtClean="0"/>
-              <a:t>More </a:t>
-            </a:r>
-            <a:r>
-              <a:rPr lang="en-US" dirty="0" smtClean="0"/>
-              <a:t>complicated </a:t>
-            </a:r>
-            <a:r>
-              <a:rPr lang="en-US" dirty="0" smtClean="0"/>
-              <a:t>code</a:t>
+              <a:t>More complicated code</a:t>
             </a:r>
           </a:p>
           <a:p>
             <a:pPr lvl="1"/>
             <a:r>
               <a:rPr lang="en-US" dirty="0" smtClean="0"/>
-              <a:t>Deadlocks </a:t>
-            </a:r>
-            <a:r>
-              <a:rPr lang="en-US" dirty="0" smtClean="0"/>
-              <a:t>(very hard to debug logical program errors) </a:t>
+              <a:t>Deadlocks (very hard to debug logical program errors) </a:t>
             </a:r>
             <a:endParaRPr lang="en-US" dirty="0"/>
           </a:p>
@@ -8867,7 +8569,7 @@
   </a:extraClrSchemeLst>
   <a:extLst>
     <a:ext uri="{05A4C25C-085E-4340-85A3-A5531E510DB2}">
-      <thm15:themeFamily xmlns:thm15="http://schemas.microsoft.com/office/thememl/2012/main" xmlns="" name="Office Theme" id="{62F939B6-93AF-4DB8-9C6B-D6C7DFDC589F}" vid="{4A3C46E8-61CC-4603-A589-7422A47A8E4A}"/>
+      <thm15:themeFamily xmlns="" xmlns:thm15="http://schemas.microsoft.com/office/thememl/2012/main" name="Office Theme" id="{62F939B6-93AF-4DB8-9C6B-D6C7DFDC589F}" vid="{4A3C46E8-61CC-4603-A589-7422A47A8E4A}"/>
     </a:ext>
   </a:extLst>
 </a:theme>
@@ -9128,7 +8830,7 @@
   <a:extraClrSchemeLst/>
   <a:extLst>
     <a:ext uri="{05A4C25C-085E-4340-85A3-A5531E510DB2}">
-      <thm15:themeFamily xmlns:thm15="http://schemas.microsoft.com/office/thememl/2012/main" xmlns="" name="Office Theme" id="{62F939B6-93AF-4DB8-9C6B-D6C7DFDC589F}" vid="{4A3C46E8-61CC-4603-A589-7422A47A8E4A}"/>
+      <thm15:themeFamily xmlns="" xmlns:thm15="http://schemas.microsoft.com/office/thememl/2012/main" name="Office Theme" id="{62F939B6-93AF-4DB8-9C6B-D6C7DFDC589F}" vid="{4A3C46E8-61CC-4603-A589-7422A47A8E4A}"/>
     </a:ext>
   </a:extLst>
 </a:theme>

--- a/OOP/lectures/100--Java.MultiThreading.pptx
+++ b/OOP/lectures/100--Java.MultiThreading.pptx
@@ -5,46 +5,56 @@
     <p:sldMasterId id="2147483648" r:id="rId1"/>
   </p:sldMasterIdLst>
   <p:notesMasterIdLst>
-    <p:notesMasterId r:id="rId39"/>
+    <p:notesMasterId r:id="rId49"/>
   </p:notesMasterIdLst>
   <p:sldIdLst>
     <p:sldId id="267" r:id="rId2"/>
     <p:sldId id="274" r:id="rId3"/>
-    <p:sldId id="305" r:id="rId4"/>
-    <p:sldId id="306" r:id="rId5"/>
-    <p:sldId id="307" r:id="rId6"/>
-    <p:sldId id="276" r:id="rId7"/>
-    <p:sldId id="277" r:id="rId8"/>
-    <p:sldId id="279" r:id="rId9"/>
-    <p:sldId id="280" r:id="rId10"/>
-    <p:sldId id="281" r:id="rId11"/>
-    <p:sldId id="282" r:id="rId12"/>
-    <p:sldId id="283" r:id="rId13"/>
-    <p:sldId id="284" r:id="rId14"/>
-    <p:sldId id="285" r:id="rId15"/>
-    <p:sldId id="286" r:id="rId16"/>
-    <p:sldId id="304" r:id="rId17"/>
-    <p:sldId id="287" r:id="rId18"/>
-    <p:sldId id="288" r:id="rId19"/>
-    <p:sldId id="289" r:id="rId20"/>
-    <p:sldId id="290" r:id="rId21"/>
-    <p:sldId id="291" r:id="rId22"/>
-    <p:sldId id="292" r:id="rId23"/>
-    <p:sldId id="294" r:id="rId24"/>
-    <p:sldId id="295" r:id="rId25"/>
-    <p:sldId id="296" r:id="rId26"/>
-    <p:sldId id="297" r:id="rId27"/>
-    <p:sldId id="298" r:id="rId28"/>
-    <p:sldId id="299" r:id="rId29"/>
-    <p:sldId id="300" r:id="rId30"/>
-    <p:sldId id="301" r:id="rId31"/>
-    <p:sldId id="293" r:id="rId32"/>
-    <p:sldId id="302" r:id="rId33"/>
-    <p:sldId id="303" r:id="rId34"/>
-    <p:sldId id="272" r:id="rId35"/>
-    <p:sldId id="275" r:id="rId36"/>
-    <p:sldId id="308" r:id="rId37"/>
-    <p:sldId id="268" r:id="rId38"/>
+    <p:sldId id="309" r:id="rId4"/>
+    <p:sldId id="310" r:id="rId5"/>
+    <p:sldId id="311" r:id="rId6"/>
+    <p:sldId id="312" r:id="rId7"/>
+    <p:sldId id="313" r:id="rId8"/>
+    <p:sldId id="314" r:id="rId9"/>
+    <p:sldId id="315" r:id="rId10"/>
+    <p:sldId id="316" r:id="rId11"/>
+    <p:sldId id="317" r:id="rId12"/>
+    <p:sldId id="318" r:id="rId13"/>
+    <p:sldId id="305" r:id="rId14"/>
+    <p:sldId id="306" r:id="rId15"/>
+    <p:sldId id="307" r:id="rId16"/>
+    <p:sldId id="276" r:id="rId17"/>
+    <p:sldId id="277" r:id="rId18"/>
+    <p:sldId id="279" r:id="rId19"/>
+    <p:sldId id="280" r:id="rId20"/>
+    <p:sldId id="281" r:id="rId21"/>
+    <p:sldId id="282" r:id="rId22"/>
+    <p:sldId id="283" r:id="rId23"/>
+    <p:sldId id="284" r:id="rId24"/>
+    <p:sldId id="285" r:id="rId25"/>
+    <p:sldId id="286" r:id="rId26"/>
+    <p:sldId id="304" r:id="rId27"/>
+    <p:sldId id="287" r:id="rId28"/>
+    <p:sldId id="288" r:id="rId29"/>
+    <p:sldId id="289" r:id="rId30"/>
+    <p:sldId id="290" r:id="rId31"/>
+    <p:sldId id="291" r:id="rId32"/>
+    <p:sldId id="292" r:id="rId33"/>
+    <p:sldId id="294" r:id="rId34"/>
+    <p:sldId id="295" r:id="rId35"/>
+    <p:sldId id="296" r:id="rId36"/>
+    <p:sldId id="297" r:id="rId37"/>
+    <p:sldId id="298" r:id="rId38"/>
+    <p:sldId id="299" r:id="rId39"/>
+    <p:sldId id="300" r:id="rId40"/>
+    <p:sldId id="301" r:id="rId41"/>
+    <p:sldId id="293" r:id="rId42"/>
+    <p:sldId id="302" r:id="rId43"/>
+    <p:sldId id="303" r:id="rId44"/>
+    <p:sldId id="272" r:id="rId45"/>
+    <p:sldId id="275" r:id="rId46"/>
+    <p:sldId id="308" r:id="rId47"/>
+    <p:sldId id="268" r:id="rId48"/>
   </p:sldIdLst>
   <p:sldSz cx="9144000" cy="6858000" type="screen4x3"/>
   <p:notesSz cx="6858000" cy="9144000"/>
@@ -175,7 +185,7 @@
   </p:defaultTextStyle>
   <p:extLst>
     <p:ext uri="{EFAFB233-063F-42B5-8137-9DF3F51BA10A}">
-      <p15:sldGuideLst xmlns="" xmlns:p15="http://schemas.microsoft.com/office/powerpoint/2012/main">
+      <p15:sldGuideLst xmlns:p15="http://schemas.microsoft.com/office/powerpoint/2012/main">
         <p15:guide id="1" orient="horz" pos="2160">
           <p15:clr>
             <a:srgbClr val="A4A3A4"/>
@@ -242,14 +252,14 @@
           <a:effectLst/>
           <a:extLst>
             <a:ext uri="{909E8E84-426E-40DD-AFC4-6F175D3DCCD1}">
-              <a14:hiddenFill xmlns="" xmlns:a14="http://schemas.microsoft.com/office/drawing/2010/main">
+              <a14:hiddenFill xmlns:a14="http://schemas.microsoft.com/office/drawing/2010/main">
                 <a:solidFill>
                   <a:schemeClr val="accent1"/>
                 </a:solidFill>
               </a14:hiddenFill>
             </a:ext>
             <a:ext uri="{91240B29-F687-4F45-9708-019B960494DF}">
-              <a14:hiddenLine xmlns="" xmlns:a14="http://schemas.microsoft.com/office/drawing/2010/main" w="9525">
+              <a14:hiddenLine xmlns:a14="http://schemas.microsoft.com/office/drawing/2010/main" w="9525">
                 <a:solidFill>
                   <a:schemeClr val="tx1"/>
                 </a:solidFill>
@@ -259,7 +269,7 @@
               </a14:hiddenLine>
             </a:ext>
             <a:ext uri="{AF507438-7753-43E0-B8FC-AC1667EBCBE1}">
-              <a14:hiddenEffects xmlns="" xmlns:a14="http://schemas.microsoft.com/office/drawing/2010/main">
+              <a14:hiddenEffects xmlns:a14="http://schemas.microsoft.com/office/drawing/2010/main">
                 <a:effectLst>
                   <a:outerShdw dist="35921" dir="2700000" algn="ctr" rotWithShape="0">
                     <a:schemeClr val="bg2"/>
@@ -313,14 +323,14 @@
           <a:effectLst/>
           <a:extLst>
             <a:ext uri="{909E8E84-426E-40DD-AFC4-6F175D3DCCD1}">
-              <a14:hiddenFill xmlns="" xmlns:a14="http://schemas.microsoft.com/office/drawing/2010/main">
+              <a14:hiddenFill xmlns:a14="http://schemas.microsoft.com/office/drawing/2010/main">
                 <a:solidFill>
                   <a:schemeClr val="accent1"/>
                 </a:solidFill>
               </a14:hiddenFill>
             </a:ext>
             <a:ext uri="{91240B29-F687-4F45-9708-019B960494DF}">
-              <a14:hiddenLine xmlns="" xmlns:a14="http://schemas.microsoft.com/office/drawing/2010/main" w="9525">
+              <a14:hiddenLine xmlns:a14="http://schemas.microsoft.com/office/drawing/2010/main" w="9525">
                 <a:solidFill>
                   <a:schemeClr val="tx1"/>
                 </a:solidFill>
@@ -330,7 +340,7 @@
               </a14:hiddenLine>
             </a:ext>
             <a:ext uri="{AF507438-7753-43E0-B8FC-AC1667EBCBE1}">
-              <a14:hiddenEffects xmlns="" xmlns:a14="http://schemas.microsoft.com/office/drawing/2010/main">
+              <a14:hiddenEffects xmlns:a14="http://schemas.microsoft.com/office/drawing/2010/main">
                 <a:effectLst>
                   <a:outerShdw dist="35921" dir="2700000" algn="ctr" rotWithShape="0">
                     <a:schemeClr val="bg2"/>
@@ -389,14 +399,14 @@
           <a:effectLst/>
           <a:extLst>
             <a:ext uri="{909E8E84-426E-40DD-AFC4-6F175D3DCCD1}">
-              <a14:hiddenFill xmlns="" xmlns:a14="http://schemas.microsoft.com/office/drawing/2010/main">
+              <a14:hiddenFill xmlns:a14="http://schemas.microsoft.com/office/drawing/2010/main">
                 <a:solidFill>
                   <a:srgbClr val="FFFFFF"/>
                 </a:solidFill>
               </a14:hiddenFill>
             </a:ext>
             <a:ext uri="{AF507438-7753-43E0-B8FC-AC1667EBCBE1}">
-              <a14:hiddenEffects xmlns="" xmlns:a14="http://schemas.microsoft.com/office/drawing/2010/main">
+              <a14:hiddenEffects xmlns:a14="http://schemas.microsoft.com/office/drawing/2010/main">
                 <a:effectLst>
                   <a:outerShdw dist="35921" dir="2700000" algn="ctr" rotWithShape="0">
                     <a:srgbClr val="808080"/>
@@ -405,7 +415,7 @@
               </a14:hiddenEffects>
             </a:ext>
             <a:ext uri="{53640926-AAD7-44D8-BBD7-CCE9431645EC}">
-              <a14:shadowObscured xmlns="" xmlns:a14="http://schemas.microsoft.com/office/drawing/2010/main" val="1"/>
+              <a14:shadowObscured xmlns:a14="http://schemas.microsoft.com/office/drawing/2010/main" val="1"/>
             </a:ext>
           </a:extLst>
         </p:spPr>
@@ -435,14 +445,14 @@
           <a:effectLst/>
           <a:extLst>
             <a:ext uri="{909E8E84-426E-40DD-AFC4-6F175D3DCCD1}">
-              <a14:hiddenFill xmlns="" xmlns:a14="http://schemas.microsoft.com/office/drawing/2010/main">
+              <a14:hiddenFill xmlns:a14="http://schemas.microsoft.com/office/drawing/2010/main">
                 <a:solidFill>
                   <a:schemeClr val="accent1"/>
                 </a:solidFill>
               </a14:hiddenFill>
             </a:ext>
             <a:ext uri="{91240B29-F687-4F45-9708-019B960494DF}">
-              <a14:hiddenLine xmlns="" xmlns:a14="http://schemas.microsoft.com/office/drawing/2010/main" w="9525">
+              <a14:hiddenLine xmlns:a14="http://schemas.microsoft.com/office/drawing/2010/main" w="9525">
                 <a:solidFill>
                   <a:schemeClr val="tx1"/>
                 </a:solidFill>
@@ -452,7 +462,7 @@
               </a14:hiddenLine>
             </a:ext>
             <a:ext uri="{AF507438-7753-43E0-B8FC-AC1667EBCBE1}">
-              <a14:hiddenEffects xmlns="" xmlns:a14="http://schemas.microsoft.com/office/drawing/2010/main">
+              <a14:hiddenEffects xmlns:a14="http://schemas.microsoft.com/office/drawing/2010/main">
                 <a:effectLst>
                   <a:outerShdw dist="35921" dir="2700000" algn="ctr" rotWithShape="0">
                     <a:schemeClr val="bg2"/>
@@ -531,14 +541,14 @@
           <a:effectLst/>
           <a:extLst>
             <a:ext uri="{909E8E84-426E-40DD-AFC4-6F175D3DCCD1}">
-              <a14:hiddenFill xmlns="" xmlns:a14="http://schemas.microsoft.com/office/drawing/2010/main">
+              <a14:hiddenFill xmlns:a14="http://schemas.microsoft.com/office/drawing/2010/main">
                 <a:solidFill>
                   <a:schemeClr val="accent1"/>
                 </a:solidFill>
               </a14:hiddenFill>
             </a:ext>
             <a:ext uri="{91240B29-F687-4F45-9708-019B960494DF}">
-              <a14:hiddenLine xmlns="" xmlns:a14="http://schemas.microsoft.com/office/drawing/2010/main" w="9525">
+              <a14:hiddenLine xmlns:a14="http://schemas.microsoft.com/office/drawing/2010/main" w="9525">
                 <a:solidFill>
                   <a:schemeClr val="tx1"/>
                 </a:solidFill>
@@ -548,7 +558,7 @@
               </a14:hiddenLine>
             </a:ext>
             <a:ext uri="{AF507438-7753-43E0-B8FC-AC1667EBCBE1}">
-              <a14:hiddenEffects xmlns="" xmlns:a14="http://schemas.microsoft.com/office/drawing/2010/main">
+              <a14:hiddenEffects xmlns:a14="http://schemas.microsoft.com/office/drawing/2010/main">
                 <a:effectLst>
                   <a:outerShdw dist="35921" dir="2700000" algn="ctr" rotWithShape="0">
                     <a:schemeClr val="bg2"/>
@@ -602,14 +612,14 @@
           <a:effectLst/>
           <a:extLst>
             <a:ext uri="{909E8E84-426E-40DD-AFC4-6F175D3DCCD1}">
-              <a14:hiddenFill xmlns="" xmlns:a14="http://schemas.microsoft.com/office/drawing/2010/main">
+              <a14:hiddenFill xmlns:a14="http://schemas.microsoft.com/office/drawing/2010/main">
                 <a:solidFill>
                   <a:schemeClr val="accent1"/>
                 </a:solidFill>
               </a14:hiddenFill>
             </a:ext>
             <a:ext uri="{91240B29-F687-4F45-9708-019B960494DF}">
-              <a14:hiddenLine xmlns="" xmlns:a14="http://schemas.microsoft.com/office/drawing/2010/main" w="9525">
+              <a14:hiddenLine xmlns:a14="http://schemas.microsoft.com/office/drawing/2010/main" w="9525">
                 <a:solidFill>
                   <a:schemeClr val="tx1"/>
                 </a:solidFill>
@@ -619,7 +629,7 @@
               </a14:hiddenLine>
             </a:ext>
             <a:ext uri="{AF507438-7753-43E0-B8FC-AC1667EBCBE1}">
-              <a14:hiddenEffects xmlns="" xmlns:a14="http://schemas.microsoft.com/office/drawing/2010/main">
+              <a14:hiddenEffects xmlns:a14="http://schemas.microsoft.com/office/drawing/2010/main">
                 <a:effectLst>
                   <a:outerShdw dist="35921" dir="2700000" algn="ctr" rotWithShape="0">
                     <a:schemeClr val="bg2"/>
@@ -658,7 +668,7 @@
     </p:spTree>
     <p:extLst>
       <p:ext uri="{BB962C8B-B14F-4D97-AF65-F5344CB8AC3E}">
-        <p14:creationId xmlns="" xmlns:p14="http://schemas.microsoft.com/office/powerpoint/2010/main" val="4195862832"/>
+        <p14:creationId xmlns:p14="http://schemas.microsoft.com/office/powerpoint/2010/main" val="4195862832"/>
       </p:ext>
     </p:extLst>
   </p:cSld>
@@ -905,7 +915,7 @@
     </p:spTree>
     <p:extLst>
       <p:ext uri="{BB962C8B-B14F-4D97-AF65-F5344CB8AC3E}">
-        <p14:creationId xmlns="" xmlns:p14="http://schemas.microsoft.com/office/powerpoint/2010/main" val="3974463546"/>
+        <p14:creationId xmlns:p14="http://schemas.microsoft.com/office/powerpoint/2010/main" val="3974463546"/>
       </p:ext>
     </p:extLst>
   </p:cSld>
@@ -1129,7 +1139,7 @@
     </p:spTree>
     <p:extLst>
       <p:ext uri="{BB962C8B-B14F-4D97-AF65-F5344CB8AC3E}">
-        <p14:creationId xmlns="" xmlns:p14="http://schemas.microsoft.com/office/powerpoint/2010/main" val="2709286740"/>
+        <p14:creationId xmlns:p14="http://schemas.microsoft.com/office/powerpoint/2010/main" val="2709286740"/>
       </p:ext>
     </p:extLst>
   </p:cSld>
@@ -1363,7 +1373,7 @@
     </p:spTree>
     <p:extLst>
       <p:ext uri="{BB962C8B-B14F-4D97-AF65-F5344CB8AC3E}">
-        <p14:creationId xmlns="" xmlns:p14="http://schemas.microsoft.com/office/powerpoint/2010/main" val="3680702629"/>
+        <p14:creationId xmlns:p14="http://schemas.microsoft.com/office/powerpoint/2010/main" val="3680702629"/>
       </p:ext>
     </p:extLst>
   </p:cSld>
@@ -1468,7 +1478,7 @@
     </p:spTree>
     <p:extLst>
       <p:ext uri="{BB962C8B-B14F-4D97-AF65-F5344CB8AC3E}">
-        <p14:creationId xmlns="" xmlns:p14="http://schemas.microsoft.com/office/powerpoint/2010/main" val="1653092787"/>
+        <p14:creationId xmlns:p14="http://schemas.microsoft.com/office/powerpoint/2010/main" val="1653092787"/>
       </p:ext>
     </p:extLst>
   </p:cSld>
@@ -1595,7 +1605,7 @@
     </p:spTree>
     <p:extLst>
       <p:ext uri="{BB962C8B-B14F-4D97-AF65-F5344CB8AC3E}">
-        <p14:creationId xmlns="" xmlns:p14="http://schemas.microsoft.com/office/powerpoint/2010/main" val="1819431106"/>
+        <p14:creationId xmlns:p14="http://schemas.microsoft.com/office/powerpoint/2010/main" val="1819431106"/>
       </p:ext>
     </p:extLst>
   </p:cSld>
@@ -1762,7 +1772,7 @@
     </p:spTree>
     <p:extLst>
       <p:ext uri="{BB962C8B-B14F-4D97-AF65-F5344CB8AC3E}">
-        <p14:creationId xmlns="" xmlns:p14="http://schemas.microsoft.com/office/powerpoint/2010/main" val="544011329"/>
+        <p14:creationId xmlns:p14="http://schemas.microsoft.com/office/powerpoint/2010/main" val="544011329"/>
       </p:ext>
     </p:extLst>
   </p:cSld>
@@ -2064,7 +2074,7 @@
     </p:spTree>
     <p:extLst>
       <p:ext uri="{BB962C8B-B14F-4D97-AF65-F5344CB8AC3E}">
-        <p14:creationId xmlns="" xmlns:p14="http://schemas.microsoft.com/office/powerpoint/2010/main" val="2599443737"/>
+        <p14:creationId xmlns:p14="http://schemas.microsoft.com/office/powerpoint/2010/main" val="2599443737"/>
       </p:ext>
     </p:extLst>
   </p:cSld>
@@ -2236,7 +2246,7 @@
     </p:spTree>
     <p:extLst>
       <p:ext uri="{BB962C8B-B14F-4D97-AF65-F5344CB8AC3E}">
-        <p14:creationId xmlns="" xmlns:p14="http://schemas.microsoft.com/office/powerpoint/2010/main" val="2702408219"/>
+        <p14:creationId xmlns:p14="http://schemas.microsoft.com/office/powerpoint/2010/main" val="2702408219"/>
       </p:ext>
     </p:extLst>
   </p:cSld>
@@ -2385,7 +2395,7 @@
     </p:spTree>
     <p:extLst>
       <p:ext uri="{BB962C8B-B14F-4D97-AF65-F5344CB8AC3E}">
-        <p14:creationId xmlns="" xmlns:p14="http://schemas.microsoft.com/office/powerpoint/2010/main" val="442351032"/>
+        <p14:creationId xmlns:p14="http://schemas.microsoft.com/office/powerpoint/2010/main" val="442351032"/>
       </p:ext>
     </p:extLst>
   </p:cSld>
@@ -2716,7 +2726,7 @@
     </p:spTree>
     <p:extLst>
       <p:ext uri="{BB962C8B-B14F-4D97-AF65-F5344CB8AC3E}">
-        <p14:creationId xmlns="" xmlns:p14="http://schemas.microsoft.com/office/powerpoint/2010/main" val="1089144775"/>
+        <p14:creationId xmlns:p14="http://schemas.microsoft.com/office/powerpoint/2010/main" val="1089144775"/>
       </p:ext>
     </p:extLst>
   </p:cSld>
@@ -3024,7 +3034,7 @@
     </p:spTree>
     <p:extLst>
       <p:ext uri="{BB962C8B-B14F-4D97-AF65-F5344CB8AC3E}">
-        <p14:creationId xmlns="" xmlns:p14="http://schemas.microsoft.com/office/powerpoint/2010/main" val="3564170711"/>
+        <p14:creationId xmlns:p14="http://schemas.microsoft.com/office/powerpoint/2010/main" val="3564170711"/>
       </p:ext>
     </p:extLst>
   </p:cSld>
@@ -3084,14 +3094,14 @@
           <a:effectLst/>
           <a:extLst>
             <a:ext uri="{909E8E84-426E-40DD-AFC4-6F175D3DCCD1}">
-              <a14:hiddenFill xmlns="" xmlns:a14="http://schemas.microsoft.com/office/drawing/2010/main">
+              <a14:hiddenFill xmlns:a14="http://schemas.microsoft.com/office/drawing/2010/main">
                 <a:solidFill>
                   <a:schemeClr val="accent1"/>
                 </a:solidFill>
               </a14:hiddenFill>
             </a:ext>
             <a:ext uri="{91240B29-F687-4F45-9708-019B960494DF}">
-              <a14:hiddenLine xmlns="" xmlns:a14="http://schemas.microsoft.com/office/drawing/2010/main" w="9525">
+              <a14:hiddenLine xmlns:a14="http://schemas.microsoft.com/office/drawing/2010/main" w="9525">
                 <a:solidFill>
                   <a:schemeClr val="tx1"/>
                 </a:solidFill>
@@ -3101,7 +3111,7 @@
               </a14:hiddenLine>
             </a:ext>
             <a:ext uri="{AF507438-7753-43E0-B8FC-AC1667EBCBE1}">
-              <a14:hiddenEffects xmlns="" xmlns:a14="http://schemas.microsoft.com/office/drawing/2010/main">
+              <a14:hiddenEffects xmlns:a14="http://schemas.microsoft.com/office/drawing/2010/main">
                 <a:effectLst>
                   <a:outerShdw dist="35921" dir="2700000" algn="ctr" rotWithShape="0">
                     <a:schemeClr val="bg2"/>
@@ -3152,14 +3162,14 @@
           <a:effectLst/>
           <a:extLst>
             <a:ext uri="{909E8E84-426E-40DD-AFC4-6F175D3DCCD1}">
-              <a14:hiddenFill xmlns="" xmlns:a14="http://schemas.microsoft.com/office/drawing/2010/main">
+              <a14:hiddenFill xmlns:a14="http://schemas.microsoft.com/office/drawing/2010/main">
                 <a:solidFill>
                   <a:schemeClr val="accent1"/>
                 </a:solidFill>
               </a14:hiddenFill>
             </a:ext>
             <a:ext uri="{91240B29-F687-4F45-9708-019B960494DF}">
-              <a14:hiddenLine xmlns="" xmlns:a14="http://schemas.microsoft.com/office/drawing/2010/main" w="9525">
+              <a14:hiddenLine xmlns:a14="http://schemas.microsoft.com/office/drawing/2010/main" w="9525">
                 <a:solidFill>
                   <a:schemeClr val="tx1"/>
                 </a:solidFill>
@@ -3169,7 +3179,7 @@
               </a14:hiddenLine>
             </a:ext>
             <a:ext uri="{AF507438-7753-43E0-B8FC-AC1667EBCBE1}">
-              <a14:hiddenEffects xmlns="" xmlns:a14="http://schemas.microsoft.com/office/drawing/2010/main">
+              <a14:hiddenEffects xmlns:a14="http://schemas.microsoft.com/office/drawing/2010/main">
                 <a:effectLst>
                   <a:outerShdw dist="35921" dir="2700000" algn="ctr" rotWithShape="0">
                     <a:schemeClr val="bg2"/>
@@ -3718,14 +3728,14 @@
           </a:ln>
           <a:extLst>
             <a:ext uri="{909E8E84-426E-40DD-AFC4-6F175D3DCCD1}">
-              <a14:hiddenFill xmlns="" xmlns:a14="http://schemas.microsoft.com/office/drawing/2010/main">
+              <a14:hiddenFill xmlns:a14="http://schemas.microsoft.com/office/drawing/2010/main">
                 <a:solidFill>
                   <a:srgbClr val="FFFFFF"/>
                 </a:solidFill>
               </a14:hiddenFill>
             </a:ext>
             <a:ext uri="{91240B29-F687-4F45-9708-019B960494DF}">
-              <a14:hiddenLine xmlns="" xmlns:a14="http://schemas.microsoft.com/office/drawing/2010/main" w="9525">
+              <a14:hiddenLine xmlns:a14="http://schemas.microsoft.com/office/drawing/2010/main" w="9525">
                 <a:solidFill>
                   <a:srgbClr val="000000"/>
                 </a:solidFill>
@@ -3933,10 +3943,10 @@
           <a:lstStyle/>
           <a:p>
             <a:r>
-              <a:rPr lang="en-US" dirty="0" smtClean="0"/>
-              <a:t>Single &amp; Multithreaded Processes</a:t>
-            </a:r>
-            <a:endParaRPr lang="en-US" dirty="0"/>
+              <a:rPr lang="en-GB" dirty="0" smtClean="0"/>
+              <a:t>Answer</a:t>
+            </a:r>
+            <a:endParaRPr lang="en-GB" dirty="0"/>
           </a:p>
         </p:txBody>
       </p:sp>
@@ -3955,43 +3965,40 @@
           <a:bodyPr/>
           <a:lstStyle/>
           <a:p>
-            <a:endParaRPr lang="en-US"/>
+            <a:endParaRPr lang="en-GB"/>
           </a:p>
         </p:txBody>
       </p:sp>
       <p:pic>
         <p:nvPicPr>
-          <p:cNvPr id="2050" name="Picture 2"/>
+          <p:cNvPr id="4" name="Picture 3"/>
           <p:cNvPicPr>
-            <a:picLocks noChangeAspect="1" noChangeArrowheads="1"/>
+            <a:picLocks noChangeAspect="1"/>
           </p:cNvPicPr>
           <p:nvPr/>
         </p:nvPicPr>
         <p:blipFill>
-          <a:blip r:embed="rId2" cstate="print"/>
-          <a:srcRect/>
+          <a:blip r:embed="rId2"/>
           <a:stretch>
             <a:fillRect/>
           </a:stretch>
         </p:blipFill>
-        <p:spPr bwMode="auto">
-          <a:xfrm>
-            <a:off x="1143000" y="2514600"/>
-            <a:ext cx="6791325" cy="3248025"/>
+        <p:spPr>
+          <a:xfrm>
+            <a:off x="1371600" y="3124200"/>
+            <a:ext cx="6534150" cy="800100"/>
           </a:xfrm>
           <a:prstGeom prst="rect">
             <a:avLst/>
           </a:prstGeom>
-          <a:noFill/>
-          <a:ln w="9525">
-            <a:noFill/>
-            <a:miter lim="800000"/>
-            <a:headEnd/>
-            <a:tailEnd/>
-          </a:ln>
         </p:spPr>
       </p:pic>
     </p:spTree>
+    <p:extLst>
+      <p:ext uri="{BB962C8B-B14F-4D97-AF65-F5344CB8AC3E}">
+        <p14:creationId xmlns:p14="http://schemas.microsoft.com/office/powerpoint/2010/main" val="1479367082"/>
+      </p:ext>
+    </p:extLst>
   </p:cSld>
   <p:clrMapOvr>
     <a:masterClrMapping/>
@@ -4028,7 +4035,7 @@
         </p:nvSpPr>
         <p:spPr>
           <a:xfrm>
-            <a:off x="685800" y="304800"/>
+            <a:off x="685800" y="152400"/>
             <a:ext cx="7772400" cy="1143000"/>
           </a:xfrm>
         </p:spPr>
@@ -4037,10 +4044,10 @@
           <a:lstStyle/>
           <a:p>
             <a:r>
-              <a:rPr lang="en-US" dirty="0" smtClean="0"/>
-              <a:t>User and Kernel Threads </a:t>
-            </a:r>
-            <a:endParaRPr lang="en-US" dirty="0"/>
+              <a:rPr lang="en-GB" dirty="0" smtClean="0"/>
+              <a:t>Question</a:t>
+            </a:r>
+            <a:endParaRPr lang="en-GB" dirty="0"/>
           </a:p>
         </p:txBody>
       </p:sp>
@@ -4056,7 +4063,7 @@
         </p:nvSpPr>
         <p:spPr>
           <a:xfrm>
-            <a:off x="685800" y="1676400"/>
+            <a:off x="685800" y="1524000"/>
             <a:ext cx="7772400" cy="4114800"/>
           </a:xfrm>
         </p:spPr>
@@ -4065,112 +4072,43 @@
           <a:lstStyle/>
           <a:p>
             <a:r>
-              <a:rPr lang="en-US" dirty="0" smtClean="0"/>
-              <a:t>Thread management done by </a:t>
-            </a:r>
-            <a:r>
-              <a:rPr lang="en-US" dirty="0" smtClean="0">
-                <a:solidFill>
-                  <a:srgbClr val="FF0000"/>
-                </a:solidFill>
-              </a:rPr>
-              <a:t>user-leve</a:t>
-            </a:r>
-            <a:r>
-              <a:rPr lang="en-US" dirty="0" smtClean="0"/>
-              <a:t>l threads library </a:t>
-            </a:r>
-            <a:br>
-              <a:rPr lang="en-US" dirty="0" smtClean="0"/>
-            </a:br>
-            <a:endParaRPr lang="en-US" dirty="0" smtClean="0"/>
-          </a:p>
-          <a:p>
-            <a:endParaRPr lang="en-US" dirty="0" smtClean="0"/>
-          </a:p>
-          <a:p>
-            <a:endParaRPr lang="en-US" dirty="0" smtClean="0"/>
-          </a:p>
-          <a:p>
-            <a:r>
-              <a:rPr lang="en-US" dirty="0" smtClean="0"/>
-              <a:t>Supported by the kernel </a:t>
-            </a:r>
-            <a:br>
-              <a:rPr lang="en-US" dirty="0" smtClean="0"/>
-            </a:br>
-            <a:endParaRPr lang="en-US" dirty="0" smtClean="0"/>
-          </a:p>
-          <a:p>
-            <a:endParaRPr lang="en-US" dirty="0"/>
+              <a:rPr lang="en-GB" dirty="0" smtClean="0"/>
+              <a:t>Does the following code compile?  What would the output be?</a:t>
+            </a:r>
+            <a:endParaRPr lang="en-GB" dirty="0"/>
           </a:p>
         </p:txBody>
       </p:sp>
       <p:pic>
         <p:nvPicPr>
-          <p:cNvPr id="3074" name="Picture 2"/>
+          <p:cNvPr id="4" name="Picture 3"/>
           <p:cNvPicPr>
-            <a:picLocks noChangeAspect="1" noChangeArrowheads="1"/>
+            <a:picLocks noChangeAspect="1"/>
           </p:cNvPicPr>
           <p:nvPr/>
         </p:nvPicPr>
         <p:blipFill>
-          <a:blip r:embed="rId2" cstate="print"/>
-          <a:srcRect/>
+          <a:blip r:embed="rId2"/>
           <a:stretch>
             <a:fillRect/>
           </a:stretch>
         </p:blipFill>
-        <p:spPr bwMode="auto">
-          <a:xfrm>
-            <a:off x="2514600" y="2895600"/>
-            <a:ext cx="4248150" cy="1276350"/>
+        <p:spPr>
+          <a:xfrm>
+            <a:off x="762000" y="2895600"/>
+            <a:ext cx="7620000" cy="3696963"/>
           </a:xfrm>
           <a:prstGeom prst="rect">
             <a:avLst/>
           </a:prstGeom>
-          <a:noFill/>
-          <a:ln w="9525">
-            <a:noFill/>
-            <a:miter lim="800000"/>
-            <a:headEnd/>
-            <a:tailEnd/>
-          </a:ln>
-        </p:spPr>
-      </p:pic>
-      <p:pic>
-        <p:nvPicPr>
-          <p:cNvPr id="3075" name="Picture 3"/>
-          <p:cNvPicPr>
-            <a:picLocks noChangeAspect="1" noChangeArrowheads="1"/>
-          </p:cNvPicPr>
-          <p:nvPr/>
-        </p:nvPicPr>
-        <p:blipFill>
-          <a:blip r:embed="rId3" cstate="print"/>
-          <a:srcRect/>
-          <a:stretch>
-            <a:fillRect/>
-          </a:stretch>
-        </p:blipFill>
-        <p:spPr bwMode="auto">
-          <a:xfrm>
-            <a:off x="2667000" y="5105400"/>
-            <a:ext cx="3267075" cy="1257300"/>
-          </a:xfrm>
-          <a:prstGeom prst="rect">
-            <a:avLst/>
-          </a:prstGeom>
-          <a:noFill/>
-          <a:ln w="9525">
-            <a:noFill/>
-            <a:miter lim="800000"/>
-            <a:headEnd/>
-            <a:tailEnd/>
-          </a:ln>
         </p:spPr>
       </p:pic>
     </p:spTree>
+    <p:extLst>
+      <p:ext uri="{BB962C8B-B14F-4D97-AF65-F5344CB8AC3E}">
+        <p14:creationId xmlns:p14="http://schemas.microsoft.com/office/powerpoint/2010/main" val="19310246"/>
+      </p:ext>
+    </p:extLst>
   </p:cSld>
   <p:clrMapOvr>
     <a:masterClrMapping/>
@@ -4211,10 +4149,10 @@
           <a:lstStyle/>
           <a:p>
             <a:r>
-              <a:rPr lang="en-US" dirty="0" smtClean="0"/>
-              <a:t>Java Threads</a:t>
-            </a:r>
-            <a:endParaRPr lang="en-US" dirty="0"/>
+              <a:rPr lang="en-GB" dirty="0" smtClean="0"/>
+              <a:t>Answer</a:t>
+            </a:r>
+            <a:endParaRPr lang="en-GB" dirty="0"/>
           </a:p>
         </p:txBody>
       </p:sp>
@@ -4234,51 +4172,69 @@
           <a:lstStyle/>
           <a:p>
             <a:r>
-              <a:rPr lang="en-US" dirty="0" smtClean="0"/>
-              <a:t>Java threads may be created by</a:t>
-            </a:r>
-          </a:p>
-          <a:p>
-            <a:pPr lvl="1"/>
-            <a:r>
-              <a:rPr lang="en-US" dirty="0" smtClean="0"/>
-              <a:t>Extending </a:t>
-            </a:r>
-            <a:r>
-              <a:rPr lang="en-US" b="1" dirty="0" smtClean="0"/>
-              <a:t>Thread </a:t>
-            </a:r>
-            <a:r>
-              <a:rPr lang="en-US" dirty="0" smtClean="0"/>
-              <a:t>class</a:t>
-            </a:r>
-          </a:p>
-          <a:p>
-            <a:pPr lvl="1"/>
-            <a:r>
-              <a:rPr lang="en-US" dirty="0" smtClean="0"/>
-              <a:t>Implementing the </a:t>
-            </a:r>
-            <a:r>
-              <a:rPr lang="en-US" b="1" dirty="0" err="1" smtClean="0"/>
-              <a:t>Runnable</a:t>
-            </a:r>
-            <a:r>
-              <a:rPr lang="en-US" b="1" dirty="0" smtClean="0"/>
+              <a:rPr lang="en-GB" dirty="0" smtClean="0"/>
+              <a:t>Yes</a:t>
+            </a:r>
+          </a:p>
+          <a:p>
+            <a:endParaRPr lang="en-GB" dirty="0"/>
+          </a:p>
+          <a:p>
+            <a:pPr marL="0" indent="0">
+              <a:buNone/>
+            </a:pPr>
+            <a:r>
+              <a:rPr lang="en-GB" dirty="0" err="1"/>
+              <a:t>abcd</a:t>
+            </a:r>
+            <a:r>
+              <a:rPr lang="en-GB" dirty="0"/>
               <a:t> </a:t>
             </a:r>
             <a:r>
-              <a:rPr lang="en-US" dirty="0" smtClean="0"/>
-              <a:t>interface </a:t>
-            </a:r>
-            <a:br>
-              <a:rPr lang="en-US" dirty="0" smtClean="0"/>
-            </a:br>
-            <a:endParaRPr lang="en-US" dirty="0"/>
+              <a:rPr lang="en-GB" dirty="0" err="1"/>
+              <a:t>abc</a:t>
+            </a:r>
+            <a:r>
+              <a:rPr lang="en-GB" dirty="0"/>
+              <a:t> false</a:t>
+            </a:r>
+          </a:p>
+          <a:p>
+            <a:pPr marL="0" indent="0">
+              <a:buNone/>
+            </a:pPr>
+            <a:r>
+              <a:rPr lang="en-GB" dirty="0" err="1"/>
+              <a:t>abcd</a:t>
+            </a:r>
+            <a:r>
+              <a:rPr lang="en-GB" dirty="0"/>
+              <a:t> </a:t>
+            </a:r>
+            <a:r>
+              <a:rPr lang="en-GB" dirty="0" err="1"/>
+              <a:t>abcd</a:t>
+            </a:r>
+            <a:r>
+              <a:rPr lang="en-GB" dirty="0"/>
+              <a:t> true</a:t>
+            </a:r>
+          </a:p>
+          <a:p>
+            <a:pPr marL="0" indent="0">
+              <a:buNone/>
+            </a:pPr>
+            <a:endParaRPr lang="en-GB" dirty="0"/>
           </a:p>
         </p:txBody>
       </p:sp>
     </p:spTree>
+    <p:extLst>
+      <p:ext uri="{BB962C8B-B14F-4D97-AF65-F5344CB8AC3E}">
+        <p14:creationId xmlns:p14="http://schemas.microsoft.com/office/powerpoint/2010/main" val="1955355513"/>
+      </p:ext>
+    </p:extLst>
   </p:cSld>
   <p:clrMapOvr>
     <a:masterClrMapping/>
@@ -4313,27 +4269,14 @@
             <p:ph type="title"/>
           </p:nvPr>
         </p:nvSpPr>
-        <p:spPr>
-          <a:xfrm>
-            <a:off x="685800" y="457200"/>
-            <a:ext cx="7772400" cy="1143000"/>
-          </a:xfrm>
-        </p:spPr>
-        <p:txBody>
-          <a:bodyPr/>
-          <a:lstStyle/>
-          <a:p>
-            <a:r>
-              <a:rPr lang="en-US" dirty="0" smtClean="0"/>
-              <a:t>Class </a:t>
-            </a:r>
-            <a:r>
-              <a:rPr lang="en-US" b="1" dirty="0" smtClean="0"/>
-              <a:t>Thread</a:t>
-            </a:r>
-            <a:r>
-              <a:rPr lang="en-US" dirty="0" smtClean="0"/>
-              <a:t> </a:t>
+        <p:spPr/>
+        <p:txBody>
+          <a:bodyPr/>
+          <a:lstStyle/>
+          <a:p>
+            <a:r>
+              <a:rPr lang="en-US" dirty="0" smtClean="0"/>
+              <a:t>Why Multithreading?</a:t>
             </a:r>
             <a:endParaRPr lang="en-US" dirty="0"/>
           </a:p>
@@ -4349,99 +4292,27 @@
             <p:ph idx="1"/>
           </p:nvPr>
         </p:nvSpPr>
-        <p:spPr>
-          <a:xfrm>
-            <a:off x="685800" y="1828800"/>
-            <a:ext cx="7772400" cy="4343400"/>
-          </a:xfrm>
-        </p:spPr>
-        <p:txBody>
-          <a:bodyPr>
-            <a:normAutofit fontScale="92500" lnSpcReduction="10000"/>
-          </a:bodyPr>
-          <a:lstStyle/>
-          <a:p>
-            <a:r>
-              <a:rPr lang="en-US" dirty="0" smtClean="0"/>
-              <a:t>The simplest way to make a thread</a:t>
-            </a:r>
-          </a:p>
-          <a:p>
-            <a:r>
-              <a:rPr lang="en-US" dirty="0" smtClean="0"/>
-              <a:t>Treats a thread as an object</a:t>
-            </a:r>
-          </a:p>
-          <a:p>
-            <a:r>
-              <a:rPr lang="en-US" dirty="0" smtClean="0"/>
-              <a:t>Override the </a:t>
-            </a:r>
-            <a:r>
-              <a:rPr lang="en-US" b="1" dirty="0" smtClean="0"/>
-              <a:t>run() </a:t>
-            </a:r>
-            <a:r>
-              <a:rPr lang="en-US" dirty="0" smtClean="0"/>
-              <a:t>method, i.e., the thread’s “main”</a:t>
-            </a:r>
-          </a:p>
-          <a:p>
-            <a:pPr lvl="1"/>
-            <a:r>
-              <a:rPr lang="en-US" dirty="0" smtClean="0"/>
-              <a:t>Typically a loop</a:t>
-            </a:r>
-          </a:p>
-          <a:p>
-            <a:pPr lvl="1"/>
-            <a:r>
-              <a:rPr lang="en-US" dirty="0" smtClean="0"/>
-              <a:t>Continues for the life of the thread</a:t>
-            </a:r>
-          </a:p>
-          <a:p>
-            <a:r>
-              <a:rPr lang="en-US" dirty="0" smtClean="0"/>
-              <a:t>Create </a:t>
-            </a:r>
-            <a:r>
-              <a:rPr lang="en-US" b="1" dirty="0" smtClean="0"/>
-              <a:t>Thread </a:t>
-            </a:r>
-            <a:r>
-              <a:rPr lang="en-US" dirty="0" smtClean="0"/>
-              <a:t>object, call method </a:t>
-            </a:r>
-            <a:r>
-              <a:rPr lang="en-US" b="1" dirty="0" smtClean="0"/>
-              <a:t>start()</a:t>
-            </a:r>
-          </a:p>
-          <a:p>
-            <a:r>
-              <a:rPr lang="en-US" dirty="0" smtClean="0"/>
-              <a:t>Performs initialization, call method </a:t>
-            </a:r>
-            <a:r>
-              <a:rPr lang="en-US" b="1" dirty="0" smtClean="0"/>
-              <a:t>run()</a:t>
-            </a:r>
-          </a:p>
-          <a:p>
-            <a:r>
-              <a:rPr lang="en-US" dirty="0" smtClean="0"/>
-              <a:t>Thread terminates when </a:t>
-            </a:r>
-            <a:r>
-              <a:rPr lang="en-US" b="1" dirty="0" smtClean="0"/>
-              <a:t>run() </a:t>
-            </a:r>
-            <a:r>
-              <a:rPr lang="en-US" dirty="0" smtClean="0"/>
-              <a:t>exits </a:t>
-            </a:r>
-            <a:endParaRPr lang="en-US" dirty="0"/>
+        <p:spPr/>
+        <p:txBody>
+          <a:bodyPr/>
+          <a:lstStyle/>
+          <a:p>
+            <a:r>
+              <a:rPr lang="en-US" dirty="0" smtClean="0"/>
+              <a:t>What is the rational?</a:t>
+            </a:r>
+          </a:p>
+          <a:p>
+            <a:r>
+              <a:rPr lang="en-US" dirty="0" smtClean="0"/>
+              <a:t>Why make things complicated?</a:t>
+            </a:r>
+          </a:p>
+          <a:p>
+            <a:r>
+              <a:rPr lang="en-US" dirty="0" smtClean="0"/>
+              <a:t>What would happen if we didn’t have multithreading?</a:t>
+            </a:r>
           </a:p>
         </p:txBody>
       </p:sp>
@@ -4480,29 +4351,12 @@
             <p:ph type="title"/>
           </p:nvPr>
         </p:nvSpPr>
-        <p:spPr>
-          <a:xfrm>
-            <a:off x="609600" y="457200"/>
-            <a:ext cx="7772400" cy="1143000"/>
-          </a:xfrm>
-        </p:spPr>
-        <p:txBody>
-          <a:bodyPr/>
-          <a:lstStyle/>
-          <a:p>
-            <a:r>
-              <a:rPr lang="en-US" dirty="0" smtClean="0"/>
-              <a:t>Extending the </a:t>
-            </a:r>
-            <a:r>
-              <a:rPr lang="en-US" b="1" dirty="0" smtClean="0"/>
-              <a:t>Thread </a:t>
-            </a:r>
-            <a:r>
-              <a:rPr lang="en-US" dirty="0" smtClean="0"/>
-              <a:t>Class </a:t>
-            </a:r>
-            <a:endParaRPr lang="en-US" dirty="0"/>
+        <p:spPr/>
+        <p:txBody>
+          <a:bodyPr/>
+          <a:lstStyle/>
+          <a:p>
+            <a:endParaRPr lang="en-US"/>
           </a:p>
         </p:txBody>
       </p:sp>
@@ -4527,7 +4381,7 @@
       </p:sp>
       <p:pic>
         <p:nvPicPr>
-          <p:cNvPr id="4098" name="Picture 2"/>
+          <p:cNvPr id="48130" name="Picture 2"/>
           <p:cNvPicPr>
             <a:picLocks noChangeAspect="1" noChangeArrowheads="1"/>
           </p:cNvPicPr>
@@ -4535,15 +4389,15 @@
         </p:nvPicPr>
         <p:blipFill>
           <a:blip r:embed="rId2" cstate="print"/>
-          <a:srcRect/>
+          <a:srcRect t="3689" b="8993"/>
           <a:stretch>
             <a:fillRect/>
           </a:stretch>
         </p:blipFill>
         <p:spPr bwMode="auto">
           <a:xfrm>
-            <a:off x="762000" y="1752600"/>
-            <a:ext cx="7467600" cy="4758556"/>
+            <a:off x="990600" y="381000"/>
+            <a:ext cx="6888856" cy="6019800"/>
           </a:xfrm>
           <a:prstGeom prst="rect">
             <a:avLst/>
@@ -4592,42 +4446,41 @@
             <p:ph type="title"/>
           </p:nvPr>
         </p:nvSpPr>
-        <p:spPr>
-          <a:xfrm>
-            <a:off x="304800" y="228600"/>
-            <a:ext cx="8686800" cy="1143000"/>
-          </a:xfrm>
-        </p:spPr>
-        <p:txBody>
-          <a:bodyPr/>
-          <a:lstStyle/>
-          <a:p>
-            <a:r>
-              <a:rPr lang="en-US" dirty="0" smtClean="0"/>
-              <a:t>Extending the </a:t>
-            </a:r>
-            <a:r>
-              <a:rPr lang="en-US" b="1" dirty="0" smtClean="0"/>
-              <a:t>Thread </a:t>
-            </a:r>
-            <a:r>
-              <a:rPr lang="en-US" dirty="0" smtClean="0"/>
-              <a:t>Class</a:t>
-            </a:r>
-            <a:br>
-              <a:rPr lang="en-US" dirty="0" smtClean="0"/>
-            </a:br>
-            <a:r>
-              <a:rPr lang="en-US" dirty="0" smtClean="0"/>
-              <a:t>Example</a:t>
+        <p:spPr/>
+        <p:txBody>
+          <a:bodyPr/>
+          <a:lstStyle/>
+          <a:p>
+            <a:r>
+              <a:rPr lang="en-US" dirty="0" smtClean="0"/>
+              <a:t>Concurrency &amp; Parallelism</a:t>
             </a:r>
             <a:endParaRPr lang="en-US" dirty="0"/>
+          </a:p>
+        </p:txBody>
+      </p:sp>
+      <p:sp>
+        <p:nvSpPr>
+          <p:cNvPr id="3" name="Content Placeholder 2"/>
+          <p:cNvSpPr>
+            <a:spLocks noGrp="1"/>
+          </p:cNvSpPr>
+          <p:nvPr>
+            <p:ph idx="1"/>
+          </p:nvPr>
+        </p:nvSpPr>
+        <p:spPr/>
+        <p:txBody>
+          <a:bodyPr/>
+          <a:lstStyle/>
+          <a:p>
+            <a:endParaRPr lang="en-US"/>
           </a:p>
         </p:txBody>
       </p:sp>
       <p:pic>
         <p:nvPicPr>
-          <p:cNvPr id="5123" name="Picture 3"/>
+          <p:cNvPr id="49154" name="Picture 2"/>
           <p:cNvPicPr>
             <a:picLocks noChangeAspect="1" noChangeArrowheads="1"/>
           </p:cNvPicPr>
@@ -4642,104 +4495,8 @@
         </p:blipFill>
         <p:spPr bwMode="auto">
           <a:xfrm>
-            <a:off x="533400" y="1752600"/>
-            <a:ext cx="5791200" cy="4692140"/>
-          </a:xfrm>
-          <a:prstGeom prst="rect">
-            <a:avLst/>
-          </a:prstGeom>
-          <a:noFill/>
-          <a:ln w="9525">
-            <a:noFill/>
-            <a:miter lim="800000"/>
-            <a:headEnd/>
-            <a:tailEnd/>
-          </a:ln>
-        </p:spPr>
-      </p:pic>
-      <p:sp>
-        <p:nvSpPr>
-          <p:cNvPr id="6" name="TextBox 5"/>
-          <p:cNvSpPr txBox="1"/>
-          <p:nvPr/>
-        </p:nvSpPr>
-        <p:spPr>
-          <a:xfrm>
-            <a:off x="6781800" y="6019800"/>
-            <a:ext cx="1982851" cy="584775"/>
-          </a:xfrm>
-          <a:prstGeom prst="rect">
-            <a:avLst/>
-          </a:prstGeom>
-          <a:noFill/>
-        </p:spPr>
-        <p:txBody>
-          <a:bodyPr wrap="none" rtlCol="0">
-            <a:spAutoFit/>
-          </a:bodyPr>
-          <a:lstStyle/>
-          <a:p>
-            <a:r>
-              <a:rPr lang="en-US" sz="1600" dirty="0" err="1" smtClean="0">
-                <a:solidFill>
-                  <a:schemeClr val="bg2"/>
-                </a:solidFill>
-              </a:rPr>
-              <a:t>javac</a:t>
-            </a:r>
-            <a:r>
-              <a:rPr lang="en-US" sz="1600" dirty="0" smtClean="0">
-                <a:solidFill>
-                  <a:schemeClr val="bg2"/>
-                </a:solidFill>
-              </a:rPr>
-              <a:t> ThreadTest.java</a:t>
-            </a:r>
-          </a:p>
-          <a:p>
-            <a:r>
-              <a:rPr lang="en-US" sz="1600" dirty="0" smtClean="0">
-                <a:solidFill>
-                  <a:schemeClr val="bg2"/>
-                </a:solidFill>
-              </a:rPr>
-              <a:t>java -cp . </a:t>
-            </a:r>
-            <a:r>
-              <a:rPr lang="en-US" sz="1600" dirty="0" err="1" smtClean="0">
-                <a:solidFill>
-                  <a:schemeClr val="bg2"/>
-                </a:solidFill>
-              </a:rPr>
-              <a:t>ThreadTest</a:t>
-            </a:r>
-            <a:endParaRPr lang="en-US" sz="1600" dirty="0">
-              <a:solidFill>
-                <a:schemeClr val="bg2"/>
-              </a:solidFill>
-            </a:endParaRPr>
-          </a:p>
-        </p:txBody>
-      </p:sp>
-      <p:pic>
-        <p:nvPicPr>
-          <p:cNvPr id="7" name="Picture 2"/>
-          <p:cNvPicPr>
-            <a:picLocks noChangeAspect="1" noChangeArrowheads="1"/>
-          </p:cNvPicPr>
-          <p:nvPr/>
-        </p:nvPicPr>
-        <p:blipFill>
-          <a:blip r:embed="rId3" cstate="print"/>
-          <a:srcRect/>
-          <a:stretch>
-            <a:fillRect/>
-          </a:stretch>
-        </p:blipFill>
-        <p:spPr bwMode="auto">
-          <a:xfrm>
-            <a:off x="6248400" y="1371600"/>
-            <a:ext cx="2514600" cy="4521444"/>
+            <a:off x="685800" y="2057400"/>
+            <a:ext cx="7126941" cy="4038600"/>
           </a:xfrm>
           <a:prstGeom prst="rect">
             <a:avLst/>
@@ -4788,41 +4545,91 @@
             <p:ph type="title"/>
           </p:nvPr>
         </p:nvSpPr>
-        <p:spPr/>
-        <p:txBody>
-          <a:bodyPr/>
-          <a:lstStyle/>
-          <a:p>
-            <a:r>
-              <a:rPr lang="en-US" dirty="0" smtClean="0"/>
+        <p:spPr>
+          <a:xfrm>
+            <a:off x="685800" y="152400"/>
+            <a:ext cx="7772400" cy="1143000"/>
+          </a:xfrm>
+        </p:spPr>
+        <p:txBody>
+          <a:bodyPr/>
+          <a:lstStyle/>
+          <a:p>
+            <a:r>
+              <a:rPr lang="en-GB" dirty="0" smtClean="0"/>
+              <a:t>Threading</a:t>
+            </a:r>
+            <a:endParaRPr lang="en-GB" dirty="0"/>
+          </a:p>
+        </p:txBody>
+      </p:sp>
+      <p:sp>
+        <p:nvSpPr>
+          <p:cNvPr id="3" name="Content Placeholder 2"/>
+          <p:cNvSpPr>
+            <a:spLocks noGrp="1"/>
+          </p:cNvSpPr>
+          <p:nvPr>
+            <p:ph idx="1"/>
+          </p:nvPr>
+        </p:nvSpPr>
+        <p:spPr>
+          <a:xfrm>
+            <a:off x="685800" y="1524000"/>
+            <a:ext cx="8077200" cy="4114800"/>
+          </a:xfrm>
+        </p:spPr>
+        <p:txBody>
+          <a:bodyPr/>
+          <a:lstStyle/>
+          <a:p>
+            <a:r>
+              <a:rPr lang="en-GB" dirty="0" smtClean="0"/>
+              <a:t>Advantages &amp; Disadvantages of Threads</a:t>
+            </a:r>
+          </a:p>
+          <a:p>
+            <a:r>
+              <a:rPr lang="en-GB" dirty="0" smtClean="0"/>
+              <a:t>Java Threads</a:t>
+            </a:r>
+          </a:p>
+          <a:p>
+            <a:pPr lvl="1"/>
+            <a:r>
+              <a:rPr lang="en-GB" dirty="0" smtClean="0"/>
+              <a:t>Class:       </a:t>
+            </a:r>
+            <a:r>
+              <a:rPr lang="en-GB" dirty="0" err="1" smtClean="0"/>
+              <a:t>java.lang.Thread</a:t>
+            </a:r>
+            <a:endParaRPr lang="en-GB" dirty="0" smtClean="0"/>
+          </a:p>
+          <a:p>
+            <a:pPr lvl="1"/>
+            <a:r>
+              <a:rPr lang="en-GB" dirty="0" smtClean="0"/>
+              <a:t>Interface:  </a:t>
+            </a:r>
+            <a:r>
+              <a:rPr lang="en-GB" dirty="0" err="1" smtClean="0"/>
+              <a:t>java.lang.Runnable</a:t>
+            </a:r>
+            <a:endParaRPr lang="en-GB" dirty="0" smtClean="0"/>
+          </a:p>
+          <a:p>
+            <a:r>
+              <a:rPr lang="en-GB" dirty="0" smtClean="0"/>
               <a:t>Multithreaded Programming</a:t>
             </a:r>
-            <a:endParaRPr lang="en-US" dirty="0"/>
-          </a:p>
-        </p:txBody>
-      </p:sp>
-      <p:sp>
-        <p:nvSpPr>
-          <p:cNvPr id="3" name="Content Placeholder 2"/>
-          <p:cNvSpPr>
-            <a:spLocks noGrp="1"/>
-          </p:cNvSpPr>
-          <p:nvPr>
-            <p:ph idx="1"/>
-          </p:nvPr>
-        </p:nvSpPr>
-        <p:spPr/>
-        <p:txBody>
-          <a:bodyPr/>
-          <a:lstStyle/>
-          <a:p>
-            <a:endParaRPr lang="en-US"/>
+            <a:endParaRPr lang="en-GB" dirty="0"/>
           </a:p>
         </p:txBody>
       </p:sp>
       <p:pic>
         <p:nvPicPr>
-          <p:cNvPr id="47106" name="Picture 2"/>
+          <p:cNvPr id="1026" name="Picture 2"/>
           <p:cNvPicPr>
             <a:picLocks noChangeAspect="1" noChangeArrowheads="1"/>
           </p:cNvPicPr>
@@ -4830,15 +4637,15 @@
         </p:nvPicPr>
         <p:blipFill>
           <a:blip r:embed="rId2" cstate="print"/>
-          <a:srcRect t="12417"/>
+          <a:srcRect/>
           <a:stretch>
             <a:fillRect/>
           </a:stretch>
         </p:blipFill>
         <p:spPr bwMode="auto">
           <a:xfrm>
-            <a:off x="381000" y="2057400"/>
-            <a:ext cx="8324850" cy="3762375"/>
+            <a:off x="2362200" y="4800600"/>
+            <a:ext cx="4295775" cy="1657350"/>
           </a:xfrm>
           <a:prstGeom prst="rect">
             <a:avLst/>
@@ -4853,6 +4660,11 @@
         </p:spPr>
       </p:pic>
     </p:spTree>
+    <p:extLst>
+      <p:ext uri="{BB962C8B-B14F-4D97-AF65-F5344CB8AC3E}">
+        <p14:creationId xmlns:p14="http://schemas.microsoft.com/office/powerpoint/2010/main" val="2919942950"/>
+      </p:ext>
+    </p:extLst>
   </p:cSld>
   <p:clrMapOvr>
     <a:masterClrMapping/>
@@ -4887,91 +4699,58 @@
             <p:ph type="title"/>
           </p:nvPr>
         </p:nvSpPr>
+        <p:spPr/>
+        <p:txBody>
+          <a:bodyPr/>
+          <a:lstStyle/>
+          <a:p>
+            <a:r>
+              <a:rPr lang="en-US" dirty="0" smtClean="0"/>
+              <a:t>Thread Definition</a:t>
+            </a:r>
+            <a:endParaRPr lang="en-US" dirty="0"/>
+          </a:p>
+        </p:txBody>
+      </p:sp>
+      <p:sp>
+        <p:nvSpPr>
+          <p:cNvPr id="3" name="Content Placeholder 2"/>
+          <p:cNvSpPr>
+            <a:spLocks noGrp="1"/>
+          </p:cNvSpPr>
+          <p:nvPr>
+            <p:ph idx="1"/>
+          </p:nvPr>
+        </p:nvSpPr>
         <p:spPr>
           <a:xfrm>
-            <a:off x="609600" y="152400"/>
-            <a:ext cx="7772400" cy="1143000"/>
-          </a:xfrm>
-        </p:spPr>
-        <p:txBody>
-          <a:bodyPr/>
-          <a:lstStyle/>
-          <a:p>
-            <a:r>
-              <a:rPr lang="en-US" dirty="0" smtClean="0"/>
-              <a:t>Sharing Resources </a:t>
-            </a:r>
-            <a:endParaRPr lang="en-US" dirty="0"/>
-          </a:p>
-        </p:txBody>
-      </p:sp>
-      <p:sp>
-        <p:nvSpPr>
-          <p:cNvPr id="3" name="Content Placeholder 2"/>
-          <p:cNvSpPr>
-            <a:spLocks noGrp="1"/>
-          </p:cNvSpPr>
-          <p:nvPr>
-            <p:ph idx="1"/>
-          </p:nvPr>
-        </p:nvSpPr>
-        <p:spPr>
-          <a:xfrm>
-            <a:off x="457200" y="1371600"/>
-            <a:ext cx="8153400" cy="5105400"/>
-          </a:xfrm>
-        </p:spPr>
-        <p:txBody>
-          <a:bodyPr>
-            <a:normAutofit fontScale="92500" lnSpcReduction="20000"/>
-          </a:bodyPr>
+            <a:off x="533400" y="1981200"/>
+            <a:ext cx="8305800" cy="4114800"/>
+          </a:xfrm>
+        </p:spPr>
+        <p:txBody>
+          <a:bodyPr/>
           <a:lstStyle/>
           <a:p>
             <a:r>
               <a:rPr lang="en-US" i="1" dirty="0" smtClean="0"/>
-              <a:t>Single threaded programming</a:t>
-            </a:r>
-            <a:r>
-              <a:rPr lang="en-US" dirty="0" smtClean="0"/>
-              <a:t>: you own everything, no problem with sharing</a:t>
-            </a:r>
-          </a:p>
-          <a:p>
+              <a:t>Definition</a:t>
+            </a:r>
+            <a:r>
+              <a:rPr lang="en-US" dirty="0" smtClean="0"/>
+              <a:t>: A thread is a single sequential flow of control within a program (also called </a:t>
+            </a:r>
             <a:r>
               <a:rPr lang="en-US" i="1" dirty="0" smtClean="0"/>
-              <a:t>Multi-threaded programming</a:t>
-            </a:r>
-            <a:r>
-              <a:rPr lang="en-US" dirty="0" smtClean="0"/>
-              <a:t>: more than one thread may try to use a shared resource at the same time</a:t>
-            </a:r>
-          </a:p>
-          <a:p>
-            <a:pPr lvl="1"/>
-            <a:r>
-              <a:rPr lang="en-US" dirty="0" smtClean="0"/>
-              <a:t>Add and withdraw from a bank account</a:t>
-            </a:r>
-          </a:p>
-          <a:p>
-            <a:pPr lvl="1"/>
-            <a:r>
-              <a:rPr lang="en-US" dirty="0" smtClean="0"/>
-              <a:t>Using the speakers at the same time, etc.</a:t>
-            </a:r>
-          </a:p>
-          <a:p>
-            <a:r>
-              <a:rPr lang="en-US" dirty="0" smtClean="0"/>
-              <a:t>Java provides locks, i.e., monitors, for objects, so you can wrap an object around a resource</a:t>
-            </a:r>
-          </a:p>
-          <a:p>
-            <a:pPr lvl="1"/>
-            <a:r>
-              <a:rPr lang="en-US" dirty="0" smtClean="0"/>
-              <a:t>First thread that acquires the lock gains control of the object, and the other threads cannot call synchronized methods for that object </a:t>
-            </a:r>
+              <a:t>lightweight process</a:t>
+            </a:r>
+            <a:r>
+              <a:rPr lang="en-US" dirty="0" smtClean="0"/>
+              <a:t>) </a:t>
+            </a:r>
+            <a:br>
+              <a:rPr lang="en-US" dirty="0" smtClean="0"/>
+            </a:br>
             <a:endParaRPr lang="en-US" dirty="0"/>
           </a:p>
         </p:txBody>
@@ -5013,7 +4792,7 @@
         </p:nvSpPr>
         <p:spPr>
           <a:xfrm>
-            <a:off x="685800" y="0"/>
+            <a:off x="685800" y="76200"/>
             <a:ext cx="7772400" cy="1143000"/>
           </a:xfrm>
         </p:spPr>
@@ -5023,7 +4802,7 @@
           <a:p>
             <a:r>
               <a:rPr lang="en-US" dirty="0" smtClean="0"/>
-              <a:t>Locks </a:t>
+              <a:t>Thread</a:t>
             </a:r>
             <a:endParaRPr lang="en-US" dirty="0"/>
           </a:p>
@@ -5041,82 +4820,70 @@
         </p:nvSpPr>
         <p:spPr>
           <a:xfrm>
-            <a:off x="685800" y="1371600"/>
-            <a:ext cx="7848600" cy="4953000"/>
+            <a:off x="685800" y="1447800"/>
+            <a:ext cx="7772400" cy="4724400"/>
           </a:xfrm>
         </p:spPr>
         <p:txBody>
           <a:bodyPr>
-            <a:normAutofit fontScale="92500" lnSpcReduction="20000"/>
+            <a:normAutofit fontScale="92500" lnSpcReduction="10000"/>
           </a:bodyPr>
           <a:lstStyle/>
           <a:p>
             <a:r>
               <a:rPr lang="en-US" dirty="0" smtClean="0"/>
-              <a:t>One lock pr. object for the object’s methods</a:t>
-            </a:r>
-          </a:p>
-          <a:p>
-            <a:r>
-              <a:rPr lang="en-US" dirty="0" smtClean="0"/>
-              <a:t>One lock pr. class for the class’ static methods</a:t>
-            </a:r>
-          </a:p>
-          <a:p>
-            <a:endParaRPr lang="en-US" dirty="0" smtClean="0"/>
-          </a:p>
-          <a:p>
-            <a:r>
-              <a:rPr lang="en-US" dirty="0" smtClean="0"/>
-              <a:t>Typically data is private, only accessed through methods</a:t>
+              <a:t>Each thread acts like its own sequential program</a:t>
             </a:r>
           </a:p>
           <a:p>
             <a:pPr lvl="1"/>
             <a:r>
               <a:rPr lang="en-US" dirty="0" smtClean="0"/>
-              <a:t>Must be private to be protected against concurrent access</a:t>
-            </a:r>
-          </a:p>
-          <a:p>
-            <a:r>
-              <a:rPr lang="en-US" dirty="0" smtClean="0"/>
-              <a:t>If </a:t>
-            </a:r>
-            <a:r>
-              <a:rPr lang="en-US" b="1" dirty="0" smtClean="0">
+              <a:t>Underlying mechanism divides up CPU between multiple threads</a:t>
+            </a:r>
+          </a:p>
+          <a:p>
+            <a:r>
+              <a:rPr lang="en-US" dirty="0" smtClean="0"/>
+              <a:t>Two types of multithreaded applications</a:t>
+            </a:r>
+          </a:p>
+          <a:p>
+            <a:pPr lvl="1"/>
+            <a:r>
+              <a:rPr lang="en-US" dirty="0" smtClean="0"/>
+              <a:t>Make many threads that do many tasks in parallel, i.e., </a:t>
+            </a:r>
+            <a:r>
+              <a:rPr lang="en-US" dirty="0" smtClean="0">
                 <a:solidFill>
                   <a:srgbClr val="FF0000"/>
                 </a:solidFill>
               </a:rPr>
-              <a:t>a method is synchronized</a:t>
-            </a:r>
-            <a:r>
-              <a:rPr lang="en-US" dirty="0" smtClean="0"/>
-              <a:t>, entering that method acquires the </a:t>
-            </a:r>
-            <a:r>
-              <a:rPr lang="en-US" b="1" dirty="0" smtClean="0">
+              <a:t>no communication </a:t>
+            </a:r>
+            <a:r>
+              <a:rPr lang="en-US" dirty="0" smtClean="0"/>
+              <a:t>between the threads (GUI)</a:t>
+            </a:r>
+          </a:p>
+          <a:p>
+            <a:pPr lvl="1"/>
+            <a:r>
+              <a:rPr lang="en-US" dirty="0" smtClean="0"/>
+              <a:t>Make many threads that do many tasks </a:t>
+            </a:r>
+            <a:r>
+              <a:rPr lang="en-US" dirty="0" smtClean="0">
                 <a:solidFill>
                   <a:srgbClr val="FF0000"/>
                 </a:solidFill>
               </a:rPr>
-              <a:t>lock</a:t>
-            </a:r>
-          </a:p>
-          <a:p>
-            <a:pPr lvl="1"/>
-            <a:r>
-              <a:rPr lang="en-US" dirty="0" smtClean="0"/>
-              <a:t>No other thread can call </a:t>
-            </a:r>
-            <a:r>
-              <a:rPr lang="en-US" i="1" dirty="0" smtClean="0"/>
-              <a:t>any </a:t>
-            </a:r>
-            <a:r>
-              <a:rPr lang="en-US" dirty="0" smtClean="0"/>
-              <a:t>synchronized method for that object until the lock is released </a:t>
+              <a:t>concurrently</a:t>
+            </a:r>
+            <a:r>
+              <a:rPr lang="en-US" dirty="0" smtClean="0"/>
+              <a:t>, i.e., communication between the threads (data access) </a:t>
             </a:r>
             <a:endParaRPr lang="en-US" dirty="0"/>
           </a:p>
@@ -5159,7 +4926,7 @@
         </p:nvSpPr>
         <p:spPr>
           <a:xfrm>
-            <a:off x="609600" y="304800"/>
+            <a:off x="685800" y="152400"/>
             <a:ext cx="7772400" cy="1143000"/>
           </a:xfrm>
         </p:spPr>
@@ -5169,7 +4936,7 @@
           <a:p>
             <a:r>
               <a:rPr lang="en-US" dirty="0" smtClean="0"/>
-              <a:t>Sharing Resources, cont. </a:t>
+              <a:t>Advantages/Disadvantages</a:t>
             </a:r>
             <a:endParaRPr lang="en-US" dirty="0"/>
           </a:p>
@@ -5187,57 +4954,72 @@
         </p:nvSpPr>
         <p:spPr>
           <a:xfrm>
-            <a:off x="685800" y="1981200"/>
-            <a:ext cx="7772400" cy="4343400"/>
-          </a:xfrm>
-        </p:spPr>
-        <p:txBody>
-          <a:bodyPr/>
-          <a:lstStyle/>
-          <a:p>
-            <a:r>
-              <a:rPr lang="en-US" dirty="0" smtClean="0"/>
-              <a:t>Only one synchronized method can be called at any time for a particular object </a:t>
-            </a:r>
-            <a:br>
-              <a:rPr lang="en-US" dirty="0" smtClean="0"/>
-            </a:br>
+            <a:off x="685800" y="1524000"/>
+            <a:ext cx="7772400" cy="4800600"/>
+          </a:xfrm>
+        </p:spPr>
+        <p:txBody>
+          <a:bodyPr>
+            <a:normAutofit lnSpcReduction="10000"/>
+          </a:bodyPr>
+          <a:lstStyle/>
+          <a:p>
+            <a:r>
+              <a:rPr lang="en-US" dirty="0" smtClean="0"/>
+              <a:t>Advantages</a:t>
+            </a:r>
+          </a:p>
+          <a:p>
+            <a:pPr lvl="1"/>
+            <a:r>
+              <a:rPr lang="en-US" dirty="0" smtClean="0"/>
+              <a:t>Responsiveness, e.g., of user interfaces</a:t>
+            </a:r>
+          </a:p>
+          <a:p>
+            <a:pPr lvl="1"/>
+            <a:r>
+              <a:rPr lang="en-US" dirty="0" smtClean="0"/>
+              <a:t>Resource sharing</a:t>
+            </a:r>
+          </a:p>
+          <a:p>
+            <a:pPr lvl="1"/>
+            <a:r>
+              <a:rPr lang="en-US" dirty="0" smtClean="0"/>
+              <a:t>Economy</a:t>
+            </a:r>
+          </a:p>
+          <a:p>
+            <a:pPr lvl="1"/>
+            <a:r>
+              <a:rPr lang="en-US" dirty="0" smtClean="0"/>
+              <a:t>Utilization of multiprocessor hardware architectures</a:t>
+            </a:r>
+          </a:p>
+          <a:p>
+            <a:r>
+              <a:rPr lang="en-US" dirty="0" smtClean="0"/>
+              <a:t>Disadvantages</a:t>
+            </a:r>
+          </a:p>
+          <a:p>
+            <a:pPr lvl="1"/>
+            <a:r>
+              <a:rPr lang="en-US" dirty="0" smtClean="0"/>
+              <a:t>More complicated code</a:t>
+            </a:r>
+          </a:p>
+          <a:p>
+            <a:pPr lvl="1"/>
+            <a:r>
+              <a:rPr lang="en-US" dirty="0" smtClean="0"/>
+              <a:t>Deadlocks (very hard to debug logical program errors) </a:t>
+            </a:r>
             <a:endParaRPr lang="en-US" dirty="0"/>
           </a:p>
         </p:txBody>
       </p:sp>
-      <p:pic>
-        <p:nvPicPr>
-          <p:cNvPr id="6146" name="Picture 2"/>
-          <p:cNvPicPr>
-            <a:picLocks noChangeAspect="1" noChangeArrowheads="1"/>
-          </p:cNvPicPr>
-          <p:nvPr/>
-        </p:nvPicPr>
-        <p:blipFill>
-          <a:blip r:embed="rId2" cstate="print"/>
-          <a:srcRect/>
-          <a:stretch>
-            <a:fillRect/>
-          </a:stretch>
-        </p:blipFill>
-        <p:spPr bwMode="auto">
-          <a:xfrm>
-            <a:off x="1219200" y="2590800"/>
-            <a:ext cx="7029450" cy="1028700"/>
-          </a:xfrm>
-          <a:prstGeom prst="rect">
-            <a:avLst/>
-          </a:prstGeom>
-          <a:noFill/>
-          <a:ln w="9525">
-            <a:noFill/>
-            <a:miter lim="800000"/>
-            <a:headEnd/>
-            <a:tailEnd/>
-          </a:ln>
-        </p:spPr>
-      </p:pic>
     </p:spTree>
   </p:cSld>
   <p:clrMapOvr>
@@ -5341,7 +5123,18 @@
             <a:pPr eaLnBrk="1" hangingPunct="1"/>
             <a:r>
               <a:rPr lang="en-US" altLang="en-US" dirty="0" smtClean="0"/>
-              <a:t>Essential Java Multithreading</a:t>
+              <a:t>Review</a:t>
+            </a:r>
+          </a:p>
+          <a:p>
+            <a:pPr eaLnBrk="1" hangingPunct="1"/>
+            <a:r>
+              <a:rPr lang="en-US" altLang="en-US" dirty="0" smtClean="0"/>
+              <a:t>Essential </a:t>
+            </a:r>
+            <a:r>
+              <a:rPr lang="en-US" altLang="en-US" dirty="0" smtClean="0"/>
+              <a:t>Java Multithreading</a:t>
             </a:r>
           </a:p>
           <a:p>
@@ -5416,7 +5209,7 @@
           <a:p>
             <a:r>
               <a:rPr lang="en-US" dirty="0" smtClean="0"/>
-              <a:t>Sharing Resources, cont.</a:t>
+              <a:t>Single &amp; Multithreaded Processes</a:t>
             </a:r>
             <a:endParaRPr lang="en-US" dirty="0"/>
           </a:p>
@@ -5437,42 +5230,42 @@
           <a:bodyPr/>
           <a:lstStyle/>
           <a:p>
-            <a:r>
-              <a:rPr lang="en-US" dirty="0" smtClean="0"/>
-              <a:t>Efficiency</a:t>
-            </a:r>
-          </a:p>
-          <a:p>
-            <a:pPr lvl="1"/>
-            <a:r>
-              <a:rPr lang="en-US" dirty="0" smtClean="0"/>
-              <a:t>Memory: Each object has a lock implemented in </a:t>
-            </a:r>
-            <a:r>
-              <a:rPr lang="en-US" b="1" dirty="0" smtClean="0"/>
-              <a:t>Object</a:t>
-            </a:r>
-          </a:p>
-          <a:p>
-            <a:pPr lvl="1"/>
-            <a:r>
-              <a:rPr lang="en-US" dirty="0" smtClean="0"/>
-              <a:t>Speed and Overhead (e.g., calling)</a:t>
-            </a:r>
-          </a:p>
-          <a:p>
-            <a:pPr lvl="2"/>
-            <a:r>
-              <a:rPr lang="en-US" dirty="0" smtClean="0"/>
-              <a:t>Older standard Java libraries used synchronized a lot, did not provide any alternatives </a:t>
-            </a:r>
-            <a:br>
-              <a:rPr lang="en-US" dirty="0" smtClean="0"/>
-            </a:br>
-            <a:endParaRPr lang="en-US" dirty="0"/>
-          </a:p>
-        </p:txBody>
-      </p:sp>
+            <a:endParaRPr lang="en-US"/>
+          </a:p>
+        </p:txBody>
+      </p:sp>
+      <p:pic>
+        <p:nvPicPr>
+          <p:cNvPr id="2050" name="Picture 2"/>
+          <p:cNvPicPr>
+            <a:picLocks noChangeAspect="1" noChangeArrowheads="1"/>
+          </p:cNvPicPr>
+          <p:nvPr/>
+        </p:nvPicPr>
+        <p:blipFill>
+          <a:blip r:embed="rId2" cstate="print"/>
+          <a:srcRect/>
+          <a:stretch>
+            <a:fillRect/>
+          </a:stretch>
+        </p:blipFill>
+        <p:spPr bwMode="auto">
+          <a:xfrm>
+            <a:off x="1143000" y="2514600"/>
+            <a:ext cx="6791325" cy="3248025"/>
+          </a:xfrm>
+          <a:prstGeom prst="rect">
+            <a:avLst/>
+          </a:prstGeom>
+          <a:noFill/>
+          <a:ln w="9525">
+            <a:noFill/>
+            <a:miter lim="800000"/>
+            <a:headEnd/>
+            <a:tailEnd/>
+          </a:ln>
+        </p:spPr>
+      </p:pic>
     </p:spTree>
   </p:cSld>
   <p:clrMapOvr>
@@ -5510,7 +5303,7 @@
         </p:nvSpPr>
         <p:spPr>
           <a:xfrm>
-            <a:off x="685800" y="228600"/>
+            <a:off x="685800" y="304800"/>
             <a:ext cx="7772400" cy="1143000"/>
           </a:xfrm>
         </p:spPr>
@@ -5520,15 +5313,77 @@
           <a:p>
             <a:r>
               <a:rPr lang="en-US" dirty="0" smtClean="0"/>
-              <a:t>Sharing Resources, Example </a:t>
-            </a:r>
+              <a:t>User and Kernel Threads </a:t>
+            </a:r>
+            <a:endParaRPr lang="en-US" dirty="0"/>
+          </a:p>
+        </p:txBody>
+      </p:sp>
+      <p:sp>
+        <p:nvSpPr>
+          <p:cNvPr id="3" name="Content Placeholder 2"/>
+          <p:cNvSpPr>
+            <a:spLocks noGrp="1"/>
+          </p:cNvSpPr>
+          <p:nvPr>
+            <p:ph idx="1"/>
+          </p:nvPr>
+        </p:nvSpPr>
+        <p:spPr>
+          <a:xfrm>
+            <a:off x="685800" y="1676400"/>
+            <a:ext cx="7772400" cy="4114800"/>
+          </a:xfrm>
+        </p:spPr>
+        <p:txBody>
+          <a:bodyPr/>
+          <a:lstStyle/>
+          <a:p>
+            <a:r>
+              <a:rPr lang="en-US" dirty="0" smtClean="0"/>
+              <a:t>Thread management done by </a:t>
+            </a:r>
+            <a:r>
+              <a:rPr lang="en-US" dirty="0" smtClean="0">
+                <a:solidFill>
+                  <a:srgbClr val="FF0000"/>
+                </a:solidFill>
+              </a:rPr>
+              <a:t>user-leve</a:t>
+            </a:r>
+            <a:r>
+              <a:rPr lang="en-US" dirty="0" smtClean="0"/>
+              <a:t>l threads library </a:t>
+            </a:r>
+            <a:br>
+              <a:rPr lang="en-US" dirty="0" smtClean="0"/>
+            </a:br>
+            <a:endParaRPr lang="en-US" dirty="0" smtClean="0"/>
+          </a:p>
+          <a:p>
+            <a:endParaRPr lang="en-US" dirty="0" smtClean="0"/>
+          </a:p>
+          <a:p>
+            <a:endParaRPr lang="en-US" dirty="0" smtClean="0"/>
+          </a:p>
+          <a:p>
+            <a:r>
+              <a:rPr lang="en-US" dirty="0" smtClean="0"/>
+              <a:t>Supported by the kernel </a:t>
+            </a:r>
+            <a:br>
+              <a:rPr lang="en-US" dirty="0" smtClean="0"/>
+            </a:br>
+            <a:endParaRPr lang="en-US" dirty="0" smtClean="0"/>
+          </a:p>
+          <a:p>
             <a:endParaRPr lang="en-US" dirty="0"/>
           </a:p>
         </p:txBody>
       </p:sp>
       <p:pic>
         <p:nvPicPr>
-          <p:cNvPr id="7170" name="Picture 2"/>
+          <p:cNvPr id="3074" name="Picture 2"/>
           <p:cNvPicPr>
             <a:picLocks noChangeAspect="1" noChangeArrowheads="1"/>
           </p:cNvPicPr>
@@ -5543,8 +5398,40 @@
         </p:blipFill>
         <p:spPr bwMode="auto">
           <a:xfrm>
-            <a:off x="1295400" y="1371600"/>
-            <a:ext cx="6691312" cy="5114870"/>
+            <a:off x="2514600" y="2895600"/>
+            <a:ext cx="4248150" cy="1276350"/>
+          </a:xfrm>
+          <a:prstGeom prst="rect">
+            <a:avLst/>
+          </a:prstGeom>
+          <a:noFill/>
+          <a:ln w="9525">
+            <a:noFill/>
+            <a:miter lim="800000"/>
+            <a:headEnd/>
+            <a:tailEnd/>
+          </a:ln>
+        </p:spPr>
+      </p:pic>
+      <p:pic>
+        <p:nvPicPr>
+          <p:cNvPr id="3075" name="Picture 3"/>
+          <p:cNvPicPr>
+            <a:picLocks noChangeAspect="1" noChangeArrowheads="1"/>
+          </p:cNvPicPr>
+          <p:nvPr/>
+        </p:nvPicPr>
+        <p:blipFill>
+          <a:blip r:embed="rId3" cstate="print"/>
+          <a:srcRect/>
+          <a:stretch>
+            <a:fillRect/>
+          </a:stretch>
+        </p:blipFill>
+        <p:spPr bwMode="auto">
+          <a:xfrm>
+            <a:off x="2667000" y="5105400"/>
+            <a:ext cx="3267075" cy="1257300"/>
           </a:xfrm>
           <a:prstGeom prst="rect">
             <a:avLst/>
@@ -5593,56 +5480,79 @@
             <p:ph type="title"/>
           </p:nvPr>
         </p:nvSpPr>
-        <p:spPr>
-          <a:xfrm>
-            <a:off x="609600" y="-152400"/>
-            <a:ext cx="7772400" cy="1143000"/>
-          </a:xfrm>
-        </p:spPr>
-        <p:txBody>
-          <a:bodyPr/>
-          <a:lstStyle/>
-          <a:p>
-            <a:r>
-              <a:rPr lang="en-US" dirty="0" smtClean="0"/>
-              <a:t>Sharing Resources, Example</a:t>
+        <p:spPr/>
+        <p:txBody>
+          <a:bodyPr/>
+          <a:lstStyle/>
+          <a:p>
+            <a:r>
+              <a:rPr lang="en-US" dirty="0" smtClean="0"/>
+              <a:t>Java Threads</a:t>
             </a:r>
             <a:endParaRPr lang="en-US" dirty="0"/>
           </a:p>
         </p:txBody>
       </p:sp>
-      <p:pic>
-        <p:nvPicPr>
-          <p:cNvPr id="8194" name="Picture 2"/>
-          <p:cNvPicPr>
-            <a:picLocks noChangeAspect="1" noChangeArrowheads="1"/>
-          </p:cNvPicPr>
-          <p:nvPr/>
-        </p:nvPicPr>
-        <p:blipFill>
-          <a:blip r:embed="rId2" cstate="print"/>
-          <a:srcRect/>
-          <a:stretch>
-            <a:fillRect/>
-          </a:stretch>
-        </p:blipFill>
-        <p:spPr bwMode="auto">
-          <a:xfrm>
-            <a:off x="1219200" y="869142"/>
-            <a:ext cx="7072312" cy="5988858"/>
-          </a:xfrm>
-          <a:prstGeom prst="rect">
-            <a:avLst/>
-          </a:prstGeom>
-          <a:noFill/>
-          <a:ln w="9525">
-            <a:noFill/>
-            <a:miter lim="800000"/>
-            <a:headEnd/>
-            <a:tailEnd/>
-          </a:ln>
-        </p:spPr>
-      </p:pic>
+      <p:sp>
+        <p:nvSpPr>
+          <p:cNvPr id="3" name="Content Placeholder 2"/>
+          <p:cNvSpPr>
+            <a:spLocks noGrp="1"/>
+          </p:cNvSpPr>
+          <p:nvPr>
+            <p:ph idx="1"/>
+          </p:nvPr>
+        </p:nvSpPr>
+        <p:spPr/>
+        <p:txBody>
+          <a:bodyPr/>
+          <a:lstStyle/>
+          <a:p>
+            <a:r>
+              <a:rPr lang="en-US" dirty="0" smtClean="0"/>
+              <a:t>Java threads may be created by</a:t>
+            </a:r>
+          </a:p>
+          <a:p>
+            <a:pPr lvl="1"/>
+            <a:r>
+              <a:rPr lang="en-US" dirty="0" smtClean="0"/>
+              <a:t>Extending </a:t>
+            </a:r>
+            <a:r>
+              <a:rPr lang="en-US" b="1" dirty="0" smtClean="0"/>
+              <a:t>Thread </a:t>
+            </a:r>
+            <a:r>
+              <a:rPr lang="en-US" dirty="0" smtClean="0"/>
+              <a:t>class</a:t>
+            </a:r>
+          </a:p>
+          <a:p>
+            <a:pPr lvl="1"/>
+            <a:r>
+              <a:rPr lang="en-US" dirty="0" smtClean="0"/>
+              <a:t>Implementing the </a:t>
+            </a:r>
+            <a:r>
+              <a:rPr lang="en-US" b="1" dirty="0" err="1" smtClean="0"/>
+              <a:t>Runnable</a:t>
+            </a:r>
+            <a:r>
+              <a:rPr lang="en-US" b="1" dirty="0" smtClean="0"/>
+              <a:t> </a:t>
+            </a:r>
+            <a:r>
+              <a:rPr lang="en-US" dirty="0" smtClean="0"/>
+              <a:t>interface </a:t>
+            </a:r>
+            <a:br>
+              <a:rPr lang="en-US" dirty="0" smtClean="0"/>
+            </a:br>
+            <a:endParaRPr lang="en-US" dirty="0"/>
+          </a:p>
+        </p:txBody>
+      </p:sp>
     </p:spTree>
   </p:cSld>
   <p:clrMapOvr>
@@ -5680,54 +5590,136 @@
         </p:nvSpPr>
         <p:spPr>
           <a:xfrm>
-            <a:off x="76200" y="0"/>
-            <a:ext cx="8991600" cy="1143000"/>
-          </a:xfrm>
-        </p:spPr>
-        <p:txBody>
-          <a:bodyPr/>
-          <a:lstStyle/>
-          <a:p>
-            <a:r>
-              <a:rPr lang="en-US" dirty="0" smtClean="0"/>
-              <a:t>Sharing Resources, Example cont. </a:t>
+            <a:off x="685800" y="457200"/>
+            <a:ext cx="7772400" cy="1143000"/>
+          </a:xfrm>
+        </p:spPr>
+        <p:txBody>
+          <a:bodyPr/>
+          <a:lstStyle/>
+          <a:p>
+            <a:r>
+              <a:rPr lang="en-US" dirty="0" smtClean="0"/>
+              <a:t>Class </a:t>
+            </a:r>
+            <a:r>
+              <a:rPr lang="en-US" b="1" dirty="0" smtClean="0"/>
+              <a:t>Thread</a:t>
+            </a:r>
+            <a:r>
+              <a:rPr lang="en-US" dirty="0" smtClean="0"/>
+              <a:t> </a:t>
             </a:r>
             <a:endParaRPr lang="en-US" dirty="0"/>
           </a:p>
         </p:txBody>
       </p:sp>
-      <p:pic>
-        <p:nvPicPr>
-          <p:cNvPr id="9218" name="Picture 2"/>
-          <p:cNvPicPr>
-            <a:picLocks noChangeAspect="1" noChangeArrowheads="1"/>
-          </p:cNvPicPr>
-          <p:nvPr/>
-        </p:nvPicPr>
-        <p:blipFill>
-          <a:blip r:embed="rId2" cstate="print"/>
-          <a:srcRect/>
-          <a:stretch>
-            <a:fillRect/>
-          </a:stretch>
-        </p:blipFill>
-        <p:spPr bwMode="auto">
-          <a:xfrm>
-            <a:off x="762000" y="1295400"/>
-            <a:ext cx="7934325" cy="5366334"/>
-          </a:xfrm>
-          <a:prstGeom prst="rect">
-            <a:avLst/>
-          </a:prstGeom>
-          <a:noFill/>
-          <a:ln w="9525">
-            <a:noFill/>
-            <a:miter lim="800000"/>
-            <a:headEnd/>
-            <a:tailEnd/>
-          </a:ln>
-        </p:spPr>
-      </p:pic>
+      <p:sp>
+        <p:nvSpPr>
+          <p:cNvPr id="3" name="Content Placeholder 2"/>
+          <p:cNvSpPr>
+            <a:spLocks noGrp="1"/>
+          </p:cNvSpPr>
+          <p:nvPr>
+            <p:ph idx="1"/>
+          </p:nvPr>
+        </p:nvSpPr>
+        <p:spPr>
+          <a:xfrm>
+            <a:off x="685800" y="1828800"/>
+            <a:ext cx="7772400" cy="4343400"/>
+          </a:xfrm>
+        </p:spPr>
+        <p:txBody>
+          <a:bodyPr>
+            <a:normAutofit fontScale="92500" lnSpcReduction="10000"/>
+          </a:bodyPr>
+          <a:lstStyle/>
+          <a:p>
+            <a:r>
+              <a:rPr lang="en-US" dirty="0" smtClean="0"/>
+              <a:t>The simplest way to make a thread</a:t>
+            </a:r>
+          </a:p>
+          <a:p>
+            <a:r>
+              <a:rPr lang="en-US" dirty="0" smtClean="0"/>
+              <a:t>Treats a thread as an object</a:t>
+            </a:r>
+          </a:p>
+          <a:p>
+            <a:r>
+              <a:rPr lang="en-US" dirty="0" smtClean="0"/>
+              <a:t>Override the </a:t>
+            </a:r>
+            <a:r>
+              <a:rPr lang="en-US" b="1" dirty="0" smtClean="0"/>
+              <a:t>run() </a:t>
+            </a:r>
+            <a:r>
+              <a:rPr lang="en-US" dirty="0" smtClean="0"/>
+              <a:t>method, i.e., the thread’s “main”</a:t>
+            </a:r>
+          </a:p>
+          <a:p>
+            <a:pPr lvl="1"/>
+            <a:r>
+              <a:rPr lang="en-US" dirty="0" smtClean="0"/>
+              <a:t>Typically a loop</a:t>
+            </a:r>
+          </a:p>
+          <a:p>
+            <a:pPr lvl="1"/>
+            <a:r>
+              <a:rPr lang="en-US" dirty="0" smtClean="0"/>
+              <a:t>Continues for the life of the thread</a:t>
+            </a:r>
+          </a:p>
+          <a:p>
+            <a:r>
+              <a:rPr lang="en-US" dirty="0" smtClean="0"/>
+              <a:t>Create </a:t>
+            </a:r>
+            <a:r>
+              <a:rPr lang="en-US" b="1" dirty="0" smtClean="0"/>
+              <a:t>Thread </a:t>
+            </a:r>
+            <a:r>
+              <a:rPr lang="en-US" dirty="0" smtClean="0"/>
+              <a:t>object, call method </a:t>
+            </a:r>
+            <a:r>
+              <a:rPr lang="en-US" b="1" dirty="0" smtClean="0"/>
+              <a:t>start()</a:t>
+            </a:r>
+          </a:p>
+          <a:p>
+            <a:r>
+              <a:rPr lang="en-US" dirty="0" smtClean="0"/>
+              <a:t>Performs initialization, call method </a:t>
+            </a:r>
+            <a:r>
+              <a:rPr lang="en-US" b="1" dirty="0" smtClean="0"/>
+              <a:t>run()</a:t>
+            </a:r>
+          </a:p>
+          <a:p>
+            <a:r>
+              <a:rPr lang="en-US" dirty="0" smtClean="0"/>
+              <a:t>Thread terminates when </a:t>
+            </a:r>
+            <a:r>
+              <a:rPr lang="en-US" b="1" dirty="0" smtClean="0"/>
+              <a:t>run() </a:t>
+            </a:r>
+            <a:r>
+              <a:rPr lang="en-US" dirty="0" smtClean="0"/>
+              <a:t>exits </a:t>
+            </a:r>
+            <a:endParaRPr lang="en-US" dirty="0"/>
+          </a:p>
+        </p:txBody>
+      </p:sp>
     </p:spTree>
   </p:cSld>
   <p:clrMapOvr>
@@ -5765,25 +5757,52 @@
         </p:nvSpPr>
         <p:spPr>
           <a:xfrm>
-            <a:off x="152400" y="-76200"/>
-            <a:ext cx="8839200" cy="1143000"/>
-          </a:xfrm>
-        </p:spPr>
-        <p:txBody>
-          <a:bodyPr/>
-          <a:lstStyle/>
-          <a:p>
-            <a:r>
-              <a:rPr lang="en-US" dirty="0" smtClean="0"/>
-              <a:t>Sharing Resources, Example cont. </a:t>
+            <a:off x="609600" y="457200"/>
+            <a:ext cx="7772400" cy="1143000"/>
+          </a:xfrm>
+        </p:spPr>
+        <p:txBody>
+          <a:bodyPr/>
+          <a:lstStyle/>
+          <a:p>
+            <a:r>
+              <a:rPr lang="en-US" dirty="0" smtClean="0"/>
+              <a:t>Extending the </a:t>
+            </a:r>
+            <a:r>
+              <a:rPr lang="en-US" b="1" dirty="0" smtClean="0"/>
+              <a:t>Thread </a:t>
+            </a:r>
+            <a:r>
+              <a:rPr lang="en-US" dirty="0" smtClean="0"/>
+              <a:t>Class </a:t>
             </a:r>
             <a:endParaRPr lang="en-US" dirty="0"/>
+          </a:p>
+        </p:txBody>
+      </p:sp>
+      <p:sp>
+        <p:nvSpPr>
+          <p:cNvPr id="3" name="Content Placeholder 2"/>
+          <p:cNvSpPr>
+            <a:spLocks noGrp="1"/>
+          </p:cNvSpPr>
+          <p:nvPr>
+            <p:ph idx="1"/>
+          </p:nvPr>
+        </p:nvSpPr>
+        <p:spPr/>
+        <p:txBody>
+          <a:bodyPr/>
+          <a:lstStyle/>
+          <a:p>
+            <a:endParaRPr lang="en-US"/>
           </a:p>
         </p:txBody>
       </p:sp>
       <p:pic>
         <p:nvPicPr>
-          <p:cNvPr id="10242" name="Picture 2"/>
+          <p:cNvPr id="4098" name="Picture 2"/>
           <p:cNvPicPr>
             <a:picLocks noChangeAspect="1" noChangeArrowheads="1"/>
           </p:cNvPicPr>
@@ -5798,8 +5817,8 @@
         </p:blipFill>
         <p:spPr bwMode="auto">
           <a:xfrm>
-            <a:off x="533400" y="1143000"/>
-            <a:ext cx="8384436" cy="5638800"/>
+            <a:off x="762000" y="1752600"/>
+            <a:ext cx="7467600" cy="4758556"/>
           </a:xfrm>
           <a:prstGeom prst="rect">
             <a:avLst/>
@@ -5850,17 +5869,32 @@
         </p:nvSpPr>
         <p:spPr>
           <a:xfrm>
-            <a:off x="76200" y="76200"/>
-            <a:ext cx="8915400" cy="1143000"/>
-          </a:xfrm>
-        </p:spPr>
-        <p:txBody>
-          <a:bodyPr/>
-          <a:lstStyle/>
-          <a:p>
-            <a:r>
-              <a:rPr lang="en-US" dirty="0" smtClean="0"/>
-              <a:t>Sharing Resources, Example cont. </a:t>
+            <a:off x="304800" y="228600"/>
+            <a:ext cx="8686800" cy="1143000"/>
+          </a:xfrm>
+        </p:spPr>
+        <p:txBody>
+          <a:bodyPr/>
+          <a:lstStyle/>
+          <a:p>
+            <a:r>
+              <a:rPr lang="en-US" dirty="0" smtClean="0"/>
+              <a:t>Extending the </a:t>
+            </a:r>
+            <a:r>
+              <a:rPr lang="en-US" b="1" dirty="0" smtClean="0"/>
+              <a:t>Thread </a:t>
+            </a:r>
+            <a:r>
+              <a:rPr lang="en-US" dirty="0" smtClean="0"/>
+              <a:t>Class</a:t>
+            </a:r>
+            <a:br>
+              <a:rPr lang="en-US" dirty="0" smtClean="0"/>
+            </a:br>
+            <a:r>
+              <a:rPr lang="en-US" dirty="0" smtClean="0"/>
+              <a:t>Example</a:t>
             </a:r>
             <a:endParaRPr lang="en-US" dirty="0"/>
           </a:p>
@@ -5868,7 +5902,7 @@
       </p:sp>
       <p:pic>
         <p:nvPicPr>
-          <p:cNvPr id="11266" name="Picture 2"/>
+          <p:cNvPr id="5123" name="Picture 3"/>
           <p:cNvPicPr>
             <a:picLocks noChangeAspect="1" noChangeArrowheads="1"/>
           </p:cNvPicPr>
@@ -5883,8 +5917,104 @@
         </p:blipFill>
         <p:spPr bwMode="auto">
           <a:xfrm>
-            <a:off x="685800" y="1828800"/>
-            <a:ext cx="7781925" cy="3514725"/>
+            <a:off x="533400" y="1752600"/>
+            <a:ext cx="5791200" cy="4692140"/>
+          </a:xfrm>
+          <a:prstGeom prst="rect">
+            <a:avLst/>
+          </a:prstGeom>
+          <a:noFill/>
+          <a:ln w="9525">
+            <a:noFill/>
+            <a:miter lim="800000"/>
+            <a:headEnd/>
+            <a:tailEnd/>
+          </a:ln>
+        </p:spPr>
+      </p:pic>
+      <p:sp>
+        <p:nvSpPr>
+          <p:cNvPr id="6" name="TextBox 5"/>
+          <p:cNvSpPr txBox="1"/>
+          <p:nvPr/>
+        </p:nvSpPr>
+        <p:spPr>
+          <a:xfrm>
+            <a:off x="6781800" y="6019800"/>
+            <a:ext cx="1982851" cy="584775"/>
+          </a:xfrm>
+          <a:prstGeom prst="rect">
+            <a:avLst/>
+          </a:prstGeom>
+          <a:noFill/>
+        </p:spPr>
+        <p:txBody>
+          <a:bodyPr wrap="none" rtlCol="0">
+            <a:spAutoFit/>
+          </a:bodyPr>
+          <a:lstStyle/>
+          <a:p>
+            <a:r>
+              <a:rPr lang="en-US" sz="1600" dirty="0" err="1" smtClean="0">
+                <a:solidFill>
+                  <a:schemeClr val="bg2"/>
+                </a:solidFill>
+              </a:rPr>
+              <a:t>javac</a:t>
+            </a:r>
+            <a:r>
+              <a:rPr lang="en-US" sz="1600" dirty="0" smtClean="0">
+                <a:solidFill>
+                  <a:schemeClr val="bg2"/>
+                </a:solidFill>
+              </a:rPr>
+              <a:t> ThreadTest.java</a:t>
+            </a:r>
+          </a:p>
+          <a:p>
+            <a:r>
+              <a:rPr lang="en-US" sz="1600" dirty="0" smtClean="0">
+                <a:solidFill>
+                  <a:schemeClr val="bg2"/>
+                </a:solidFill>
+              </a:rPr>
+              <a:t>java -cp . </a:t>
+            </a:r>
+            <a:r>
+              <a:rPr lang="en-US" sz="1600" dirty="0" err="1" smtClean="0">
+                <a:solidFill>
+                  <a:schemeClr val="bg2"/>
+                </a:solidFill>
+              </a:rPr>
+              <a:t>ThreadTest</a:t>
+            </a:r>
+            <a:endParaRPr lang="en-US" sz="1600" dirty="0">
+              <a:solidFill>
+                <a:schemeClr val="bg2"/>
+              </a:solidFill>
+            </a:endParaRPr>
+          </a:p>
+        </p:txBody>
+      </p:sp>
+      <p:pic>
+        <p:nvPicPr>
+          <p:cNvPr id="7" name="Picture 2"/>
+          <p:cNvPicPr>
+            <a:picLocks noChangeAspect="1" noChangeArrowheads="1"/>
+          </p:cNvPicPr>
+          <p:nvPr/>
+        </p:nvPicPr>
+        <p:blipFill>
+          <a:blip r:embed="rId3" cstate="print"/>
+          <a:srcRect/>
+          <a:stretch>
+            <a:fillRect/>
+          </a:stretch>
+        </p:blipFill>
+        <p:spPr bwMode="auto">
+          <a:xfrm>
+            <a:off x="6248400" y="1371600"/>
+            <a:ext cx="2514600" cy="4521444"/>
           </a:xfrm>
           <a:prstGeom prst="rect">
             <a:avLst/>
@@ -5940,19 +6070,7 @@
           <a:p>
             <a:r>
               <a:rPr lang="en-US" dirty="0" smtClean="0"/>
-              <a:t>The </a:t>
-            </a:r>
-            <a:r>
-              <a:rPr lang="en-US" b="1" dirty="0" err="1" smtClean="0"/>
-              <a:t>Runnable</a:t>
-            </a:r>
-            <a:r>
-              <a:rPr lang="en-US" b="1" dirty="0" smtClean="0"/>
-              <a:t> </a:t>
-            </a:r>
-            <a:r>
-              <a:rPr lang="en-US" dirty="0" smtClean="0"/>
-              <a:t>Interface </a:t>
+              <a:t>Multithreaded Programming</a:t>
             </a:r>
             <a:endParaRPr lang="en-US" dirty="0"/>
           </a:p>
@@ -5973,50 +6091,13 @@
           <a:bodyPr/>
           <a:lstStyle/>
           <a:p>
-            <a:r>
-              <a:rPr lang="en-US" dirty="0" smtClean="0"/>
-              <a:t>To inherit from an </a:t>
-            </a:r>
-            <a:r>
-              <a:rPr lang="en-US" dirty="0" smtClean="0"/>
-              <a:t>existing </a:t>
-            </a:r>
-            <a:r>
-              <a:rPr lang="en-US" dirty="0" smtClean="0"/>
-              <a:t>object and make it a thread, implement </a:t>
-            </a:r>
-            <a:r>
-              <a:rPr lang="en-US" dirty="0" smtClean="0"/>
-              <a:t>the </a:t>
-            </a:r>
-            <a:r>
-              <a:rPr lang="en-US" b="1" dirty="0" err="1" smtClean="0"/>
-              <a:t>Runnable</a:t>
-            </a:r>
-            <a:r>
-              <a:rPr lang="en-US" b="1" dirty="0" smtClean="0"/>
-              <a:t> </a:t>
-            </a:r>
-            <a:r>
-              <a:rPr lang="en-US" dirty="0" smtClean="0"/>
-              <a:t>interface</a:t>
-            </a:r>
-          </a:p>
-          <a:p>
-            <a:r>
-              <a:rPr lang="en-US" dirty="0" smtClean="0"/>
-              <a:t>A more classical, function-oriented way to use threads </a:t>
-            </a:r>
-            <a:br>
-              <a:rPr lang="en-US" dirty="0" smtClean="0"/>
-            </a:br>
-            <a:endParaRPr lang="en-US" dirty="0"/>
+            <a:endParaRPr lang="en-US"/>
           </a:p>
         </p:txBody>
       </p:sp>
       <p:pic>
         <p:nvPicPr>
-          <p:cNvPr id="12290" name="Picture 2"/>
+          <p:cNvPr id="47106" name="Picture 2"/>
           <p:cNvPicPr>
             <a:picLocks noChangeAspect="1" noChangeArrowheads="1"/>
           </p:cNvPicPr>
@@ -6024,15 +6105,15 @@
         </p:nvPicPr>
         <p:blipFill>
           <a:blip r:embed="rId2" cstate="print"/>
-          <a:srcRect/>
+          <a:srcRect t="12417"/>
           <a:stretch>
             <a:fillRect/>
           </a:stretch>
         </p:blipFill>
         <p:spPr bwMode="auto">
           <a:xfrm>
-            <a:off x="1905000" y="4800600"/>
-            <a:ext cx="5334000" cy="1438275"/>
+            <a:off x="381000" y="2057400"/>
+            <a:ext cx="8324850" cy="3762375"/>
           </a:xfrm>
           <a:prstGeom prst="rect">
             <a:avLst/>
@@ -6083,66 +6164,93 @@
         </p:nvSpPr>
         <p:spPr>
           <a:xfrm>
-            <a:off x="685800" y="152400"/>
-            <a:ext cx="7924800" cy="1143000"/>
-          </a:xfrm>
-        </p:spPr>
-        <p:txBody>
-          <a:bodyPr/>
-          <a:lstStyle/>
-          <a:p>
-            <a:r>
-              <a:rPr lang="en-US" dirty="0" smtClean="0"/>
-              <a:t>The </a:t>
-            </a:r>
-            <a:r>
-              <a:rPr lang="en-US" b="1" dirty="0" err="1" smtClean="0"/>
-              <a:t>Runnable</a:t>
-            </a:r>
-            <a:r>
-              <a:rPr lang="en-US" b="1" dirty="0" smtClean="0"/>
-              <a:t> </a:t>
-            </a:r>
-            <a:r>
-              <a:rPr lang="en-US" dirty="0" smtClean="0"/>
-              <a:t>Interface, cont .</a:t>
+            <a:off x="609600" y="152400"/>
+            <a:ext cx="7772400" cy="1143000"/>
+          </a:xfrm>
+        </p:spPr>
+        <p:txBody>
+          <a:bodyPr/>
+          <a:lstStyle/>
+          <a:p>
+            <a:r>
+              <a:rPr lang="en-US" dirty="0" smtClean="0"/>
+              <a:t>Sharing Resources </a:t>
             </a:r>
             <a:endParaRPr lang="en-US" dirty="0"/>
           </a:p>
         </p:txBody>
       </p:sp>
-      <p:pic>
-        <p:nvPicPr>
-          <p:cNvPr id="13314" name="Picture 2"/>
-          <p:cNvPicPr>
-            <a:picLocks noChangeAspect="1" noChangeArrowheads="1"/>
-          </p:cNvPicPr>
-          <p:nvPr/>
-        </p:nvPicPr>
-        <p:blipFill>
-          <a:blip r:embed="rId2" cstate="print"/>
-          <a:srcRect/>
-          <a:stretch>
-            <a:fillRect/>
-          </a:stretch>
-        </p:blipFill>
-        <p:spPr bwMode="auto">
-          <a:xfrm>
-            <a:off x="762000" y="1447800"/>
-            <a:ext cx="7467600" cy="5017872"/>
-          </a:xfrm>
-          <a:prstGeom prst="rect">
-            <a:avLst/>
-          </a:prstGeom>
-          <a:noFill/>
-          <a:ln w="9525">
-            <a:noFill/>
-            <a:miter lim="800000"/>
-            <a:headEnd/>
-            <a:tailEnd/>
-          </a:ln>
-        </p:spPr>
-      </p:pic>
+      <p:sp>
+        <p:nvSpPr>
+          <p:cNvPr id="3" name="Content Placeholder 2"/>
+          <p:cNvSpPr>
+            <a:spLocks noGrp="1"/>
+          </p:cNvSpPr>
+          <p:nvPr>
+            <p:ph idx="1"/>
+          </p:nvPr>
+        </p:nvSpPr>
+        <p:spPr>
+          <a:xfrm>
+            <a:off x="457200" y="1371600"/>
+            <a:ext cx="8153400" cy="5105400"/>
+          </a:xfrm>
+        </p:spPr>
+        <p:txBody>
+          <a:bodyPr>
+            <a:normAutofit fontScale="92500" lnSpcReduction="20000"/>
+          </a:bodyPr>
+          <a:lstStyle/>
+          <a:p>
+            <a:r>
+              <a:rPr lang="en-US" i="1" dirty="0" smtClean="0"/>
+              <a:t>Single threaded programming</a:t>
+            </a:r>
+            <a:r>
+              <a:rPr lang="en-US" dirty="0" smtClean="0"/>
+              <a:t>: you own everything, no problem with sharing</a:t>
+            </a:r>
+          </a:p>
+          <a:p>
+            <a:r>
+              <a:rPr lang="en-US" i="1" dirty="0" smtClean="0"/>
+              <a:t>Multi-threaded programming</a:t>
+            </a:r>
+            <a:r>
+              <a:rPr lang="en-US" dirty="0" smtClean="0"/>
+              <a:t>: more than one thread may try to use a shared resource at the same time</a:t>
+            </a:r>
+          </a:p>
+          <a:p>
+            <a:pPr lvl="1"/>
+            <a:r>
+              <a:rPr lang="en-US" dirty="0" smtClean="0"/>
+              <a:t>Add and withdraw from a bank account</a:t>
+            </a:r>
+          </a:p>
+          <a:p>
+            <a:pPr lvl="1"/>
+            <a:r>
+              <a:rPr lang="en-US" dirty="0" smtClean="0"/>
+              <a:t>Using the speakers at the same time, etc.</a:t>
+            </a:r>
+          </a:p>
+          <a:p>
+            <a:r>
+              <a:rPr lang="en-US" dirty="0" smtClean="0"/>
+              <a:t>Java provides locks, i.e., monitors, for objects, so you can wrap an object around a resource</a:t>
+            </a:r>
+          </a:p>
+          <a:p>
+            <a:pPr lvl="1"/>
+            <a:r>
+              <a:rPr lang="en-US" dirty="0" smtClean="0"/>
+              <a:t>First thread that acquires the lock gains control of the object, and the other threads cannot call synchronized methods for that object </a:t>
+            </a:r>
+            <a:endParaRPr lang="en-US" dirty="0"/>
+          </a:p>
+        </p:txBody>
+      </p:sp>
     </p:spTree>
   </p:cSld>
   <p:clrMapOvr>
@@ -6190,56 +6298,105 @@
           <a:p>
             <a:r>
               <a:rPr lang="en-US" dirty="0" smtClean="0"/>
-              <a:t>The </a:t>
-            </a:r>
-            <a:r>
-              <a:rPr lang="en-US" b="1" dirty="0" err="1" smtClean="0"/>
-              <a:t>Runnable</a:t>
-            </a:r>
-            <a:r>
-              <a:rPr lang="en-US" b="1" dirty="0" smtClean="0"/>
-              <a:t> </a:t>
-            </a:r>
-            <a:r>
-              <a:rPr lang="en-US" dirty="0" smtClean="0"/>
-              <a:t>Interface, cont. </a:t>
+              <a:t>Locks </a:t>
             </a:r>
             <a:endParaRPr lang="en-US" dirty="0"/>
           </a:p>
         </p:txBody>
       </p:sp>
-      <p:pic>
-        <p:nvPicPr>
-          <p:cNvPr id="14338" name="Picture 2"/>
-          <p:cNvPicPr>
-            <a:picLocks noChangeAspect="1" noChangeArrowheads="1"/>
-          </p:cNvPicPr>
-          <p:nvPr/>
-        </p:nvPicPr>
-        <p:blipFill>
-          <a:blip r:embed="rId2" cstate="print"/>
-          <a:srcRect/>
-          <a:stretch>
-            <a:fillRect/>
-          </a:stretch>
-        </p:blipFill>
-        <p:spPr bwMode="auto">
-          <a:xfrm>
-            <a:off x="762000" y="990600"/>
-            <a:ext cx="7319962" cy="5676378"/>
-          </a:xfrm>
-          <a:prstGeom prst="rect">
-            <a:avLst/>
-          </a:prstGeom>
-          <a:noFill/>
-          <a:ln w="9525">
-            <a:noFill/>
-            <a:miter lim="800000"/>
-            <a:headEnd/>
-            <a:tailEnd/>
-          </a:ln>
-        </p:spPr>
-      </p:pic>
+      <p:sp>
+        <p:nvSpPr>
+          <p:cNvPr id="3" name="Content Placeholder 2"/>
+          <p:cNvSpPr>
+            <a:spLocks noGrp="1"/>
+          </p:cNvSpPr>
+          <p:nvPr>
+            <p:ph idx="1"/>
+          </p:nvPr>
+        </p:nvSpPr>
+        <p:spPr>
+          <a:xfrm>
+            <a:off x="685800" y="1371600"/>
+            <a:ext cx="7848600" cy="4953000"/>
+          </a:xfrm>
+        </p:spPr>
+        <p:txBody>
+          <a:bodyPr>
+            <a:normAutofit fontScale="92500" lnSpcReduction="20000"/>
+          </a:bodyPr>
+          <a:lstStyle/>
+          <a:p>
+            <a:r>
+              <a:rPr lang="en-US" dirty="0" smtClean="0"/>
+              <a:t>One lock pr. object for the object’s methods</a:t>
+            </a:r>
+          </a:p>
+          <a:p>
+            <a:r>
+              <a:rPr lang="en-US" dirty="0" smtClean="0"/>
+              <a:t>One lock pr. class for the class’ static methods</a:t>
+            </a:r>
+          </a:p>
+          <a:p>
+            <a:endParaRPr lang="en-US" dirty="0" smtClean="0"/>
+          </a:p>
+          <a:p>
+            <a:r>
+              <a:rPr lang="en-US" dirty="0" smtClean="0"/>
+              <a:t>Typically data is private, only accessed through methods</a:t>
+            </a:r>
+          </a:p>
+          <a:p>
+            <a:pPr lvl="1"/>
+            <a:r>
+              <a:rPr lang="en-US" dirty="0" smtClean="0"/>
+              <a:t>Must be private to be protected against concurrent access</a:t>
+            </a:r>
+          </a:p>
+          <a:p>
+            <a:r>
+              <a:rPr lang="en-US" dirty="0" smtClean="0"/>
+              <a:t>If </a:t>
+            </a:r>
+            <a:r>
+              <a:rPr lang="en-US" b="1" dirty="0" smtClean="0">
+                <a:solidFill>
+                  <a:srgbClr val="FF0000"/>
+                </a:solidFill>
+              </a:rPr>
+              <a:t>a method is synchronized</a:t>
+            </a:r>
+            <a:r>
+              <a:rPr lang="en-US" dirty="0" smtClean="0"/>
+              <a:t>, entering that method acquires the </a:t>
+            </a:r>
+            <a:r>
+              <a:rPr lang="en-US" b="1" dirty="0" smtClean="0">
+                <a:solidFill>
+                  <a:srgbClr val="FF0000"/>
+                </a:solidFill>
+              </a:rPr>
+              <a:t>lock</a:t>
+            </a:r>
+          </a:p>
+          <a:p>
+            <a:pPr lvl="1"/>
+            <a:r>
+              <a:rPr lang="en-US" dirty="0" smtClean="0"/>
+              <a:t>No other thread can call </a:t>
+            </a:r>
+            <a:r>
+              <a:rPr lang="en-US" i="1" dirty="0" smtClean="0"/>
+              <a:t>any </a:t>
+            </a:r>
+            <a:r>
+              <a:rPr lang="en-US" dirty="0" smtClean="0"/>
+              <a:t>synchronized method for that object until the lock is released </a:t>
+            </a:r>
+            <a:endParaRPr lang="en-US" dirty="0"/>
+          </a:p>
+        </p:txBody>
+      </p:sp>
     </p:spTree>
   </p:cSld>
   <p:clrMapOvr>
@@ -6277,7 +6434,7 @@
         </p:nvSpPr>
         <p:spPr>
           <a:xfrm>
-            <a:off x="685800" y="0"/>
+            <a:off x="609600" y="304800"/>
             <a:ext cx="7772400" cy="1143000"/>
           </a:xfrm>
         </p:spPr>
@@ -6287,7 +6444,7 @@
           <a:p>
             <a:r>
               <a:rPr lang="en-US" dirty="0" smtClean="0"/>
-              <a:t>Java Thread Management </a:t>
+              <a:t>Sharing Resources, cont. </a:t>
             </a:r>
             <a:endParaRPr lang="en-US" dirty="0"/>
           </a:p>
@@ -6305,82 +6462,17 @@
         </p:nvSpPr>
         <p:spPr>
           <a:xfrm>
-            <a:off x="762000" y="1143000"/>
-            <a:ext cx="7772400" cy="3276600"/>
-          </a:xfrm>
-        </p:spPr>
-        <p:txBody>
-          <a:bodyPr>
-            <a:normAutofit fontScale="85000" lnSpcReduction="20000"/>
-          </a:bodyPr>
-          <a:lstStyle/>
-          <a:p>
-            <a:r>
-              <a:rPr lang="en-US" i="1" dirty="0" smtClean="0"/>
-              <a:t>suspend() </a:t>
-            </a:r>
-            <a:r>
-              <a:rPr lang="en-US" dirty="0" smtClean="0"/>
-              <a:t>– suspends execution of </a:t>
-            </a:r>
-            <a:r>
-              <a:rPr lang="en-US" dirty="0" smtClean="0"/>
-              <a:t>the currently </a:t>
-            </a:r>
-            <a:r>
-              <a:rPr lang="en-US" dirty="0" smtClean="0"/>
-              <a:t>running thread</a:t>
-            </a:r>
-          </a:p>
-          <a:p>
-            <a:r>
-              <a:rPr lang="en-US" i="1" dirty="0" smtClean="0"/>
-              <a:t>sleep() </a:t>
-            </a:r>
-            <a:r>
-              <a:rPr lang="en-US" dirty="0" smtClean="0"/>
-              <a:t>– puts the currently running thread </a:t>
-            </a:r>
-            <a:r>
-              <a:rPr lang="en-US" dirty="0" smtClean="0"/>
-              <a:t>to sleep </a:t>
-            </a:r>
-            <a:r>
-              <a:rPr lang="en-US" dirty="0" smtClean="0"/>
-              <a:t>for a specified amount of time</a:t>
-            </a:r>
-          </a:p>
-          <a:p>
-            <a:r>
-              <a:rPr lang="en-US" i="1" dirty="0" smtClean="0"/>
-              <a:t>resume() </a:t>
-            </a:r>
-            <a:r>
-              <a:rPr lang="en-US" dirty="0" smtClean="0"/>
-              <a:t>– resumes execution of a suspended </a:t>
-            </a:r>
-            <a:r>
-              <a:rPr lang="en-US" dirty="0" smtClean="0"/>
-              <a:t>thread</a:t>
-            </a:r>
-            <a:endParaRPr lang="en-US" dirty="0" smtClean="0"/>
-          </a:p>
-          <a:p>
-            <a:r>
-              <a:rPr lang="en-US" i="1" dirty="0" smtClean="0"/>
-              <a:t>stop() </a:t>
-            </a:r>
-            <a:r>
-              <a:rPr lang="en-US" dirty="0" smtClean="0"/>
-              <a:t>– stops execution of a </a:t>
-            </a:r>
-            <a:r>
-              <a:rPr lang="en-US" dirty="0" smtClean="0"/>
-              <a:t>thread</a:t>
-            </a:r>
-            <a:r>
-              <a:rPr lang="en-US" dirty="0" smtClean="0"/>
-              <a:t/>
+            <a:off x="685800" y="1981200"/>
+            <a:ext cx="7772400" cy="4343400"/>
+          </a:xfrm>
+        </p:spPr>
+        <p:txBody>
+          <a:bodyPr/>
+          <a:lstStyle/>
+          <a:p>
+            <a:r>
+              <a:rPr lang="en-US" dirty="0" smtClean="0"/>
+              <a:t>Only one synchronized method can be called at any time for a particular object </a:t>
             </a:r>
             <a:br>
               <a:rPr lang="en-US" dirty="0" smtClean="0"/>
@@ -6391,7 +6483,7 @@
       </p:sp>
       <p:pic>
         <p:nvPicPr>
-          <p:cNvPr id="15362" name="Picture 2"/>
+          <p:cNvPr id="6146" name="Picture 2"/>
           <p:cNvPicPr>
             <a:picLocks noChangeAspect="1" noChangeArrowheads="1"/>
           </p:cNvPicPr>
@@ -6406,8 +6498,8 @@
         </p:blipFill>
         <p:spPr bwMode="auto">
           <a:xfrm>
-            <a:off x="457200" y="3883414"/>
-            <a:ext cx="8305800" cy="2822186"/>
+            <a:off x="1219200" y="2590800"/>
+            <a:ext cx="7029450" cy="1028700"/>
           </a:xfrm>
           <a:prstGeom prst="rect">
             <a:avLst/>
@@ -6462,10 +6554,10 @@
           <a:lstStyle/>
           <a:p>
             <a:r>
-              <a:rPr lang="en-US" dirty="0" smtClean="0"/>
-              <a:t>Why Multithreading?</a:t>
-            </a:r>
-            <a:endParaRPr lang="en-US" dirty="0"/>
+              <a:rPr lang="en-GB" dirty="0" smtClean="0"/>
+              <a:t>Question</a:t>
+            </a:r>
+            <a:endParaRPr lang="en-GB" dirty="0"/>
           </a:p>
         </p:txBody>
       </p:sp>
@@ -6485,25 +6577,43 @@
           <a:lstStyle/>
           <a:p>
             <a:r>
-              <a:rPr lang="en-US" dirty="0" smtClean="0"/>
-              <a:t>What is the rational?</a:t>
-            </a:r>
-          </a:p>
-          <a:p>
-            <a:r>
-              <a:rPr lang="en-US" dirty="0" smtClean="0"/>
-              <a:t>Why make things complicated?</a:t>
-            </a:r>
-          </a:p>
-          <a:p>
-            <a:r>
-              <a:rPr lang="en-US" dirty="0" smtClean="0"/>
-              <a:t>What would happen if we didn’t have multithreading?</a:t>
-            </a:r>
-          </a:p>
-        </p:txBody>
-      </p:sp>
+              <a:rPr lang="en-GB" dirty="0" smtClean="0"/>
+              <a:t>Does the following code compile?  What would the output be?</a:t>
+            </a:r>
+            <a:endParaRPr lang="en-GB" dirty="0"/>
+          </a:p>
+        </p:txBody>
+      </p:sp>
+      <p:pic>
+        <p:nvPicPr>
+          <p:cNvPr id="4" name="Picture 3"/>
+          <p:cNvPicPr>
+            <a:picLocks noChangeAspect="1"/>
+          </p:cNvPicPr>
+          <p:nvPr/>
+        </p:nvPicPr>
+        <p:blipFill>
+          <a:blip r:embed="rId2"/>
+          <a:stretch>
+            <a:fillRect/>
+          </a:stretch>
+        </p:blipFill>
+        <p:spPr>
+          <a:xfrm>
+            <a:off x="1981200" y="3048000"/>
+            <a:ext cx="5613401" cy="3124200"/>
+          </a:xfrm>
+          <a:prstGeom prst="rect">
+            <a:avLst/>
+          </a:prstGeom>
+        </p:spPr>
+      </p:pic>
     </p:spTree>
+    <p:extLst>
+      <p:ext uri="{BB962C8B-B14F-4D97-AF65-F5344CB8AC3E}">
+        <p14:creationId xmlns:p14="http://schemas.microsoft.com/office/powerpoint/2010/main" val="968060925"/>
+      </p:ext>
+    </p:extLst>
   </p:cSld>
   <p:clrMapOvr>
     <a:masterClrMapping/>
@@ -6538,6 +6648,1108 @@
             <p:ph type="title"/>
           </p:nvPr>
         </p:nvSpPr>
+        <p:spPr/>
+        <p:txBody>
+          <a:bodyPr/>
+          <a:lstStyle/>
+          <a:p>
+            <a:r>
+              <a:rPr lang="en-US" dirty="0" smtClean="0"/>
+              <a:t>Sharing Resources, cont.</a:t>
+            </a:r>
+            <a:endParaRPr lang="en-US" dirty="0"/>
+          </a:p>
+        </p:txBody>
+      </p:sp>
+      <p:sp>
+        <p:nvSpPr>
+          <p:cNvPr id="3" name="Content Placeholder 2"/>
+          <p:cNvSpPr>
+            <a:spLocks noGrp="1"/>
+          </p:cNvSpPr>
+          <p:nvPr>
+            <p:ph idx="1"/>
+          </p:nvPr>
+        </p:nvSpPr>
+        <p:spPr/>
+        <p:txBody>
+          <a:bodyPr/>
+          <a:lstStyle/>
+          <a:p>
+            <a:r>
+              <a:rPr lang="en-US" dirty="0" smtClean="0"/>
+              <a:t>Efficiency</a:t>
+            </a:r>
+          </a:p>
+          <a:p>
+            <a:pPr lvl="1"/>
+            <a:r>
+              <a:rPr lang="en-US" dirty="0" smtClean="0"/>
+              <a:t>Memory: Each object has a lock implemented in </a:t>
+            </a:r>
+            <a:r>
+              <a:rPr lang="en-US" b="1" dirty="0" smtClean="0"/>
+              <a:t>Object</a:t>
+            </a:r>
+          </a:p>
+          <a:p>
+            <a:pPr lvl="1"/>
+            <a:r>
+              <a:rPr lang="en-US" dirty="0" smtClean="0"/>
+              <a:t>Speed and Overhead (e.g., calling)</a:t>
+            </a:r>
+          </a:p>
+          <a:p>
+            <a:pPr lvl="2"/>
+            <a:r>
+              <a:rPr lang="en-US" dirty="0" smtClean="0"/>
+              <a:t>Older standard Java libraries used synchronized a lot, did not provide any alternatives </a:t>
+            </a:r>
+            <a:br>
+              <a:rPr lang="en-US" dirty="0" smtClean="0"/>
+            </a:br>
+            <a:endParaRPr lang="en-US" dirty="0"/>
+          </a:p>
+        </p:txBody>
+      </p:sp>
+    </p:spTree>
+  </p:cSld>
+  <p:clrMapOvr>
+    <a:masterClrMapping/>
+  </p:clrMapOvr>
+</p:sld>
+</file>
+
+<file path=ppt/slides/slide31.xml><?xml version="1.0" encoding="utf-8"?>
+<p:sld xmlns:a="http://schemas.openxmlformats.org/drawingml/2006/main" xmlns:r="http://schemas.openxmlformats.org/officeDocument/2006/relationships" xmlns:p="http://schemas.openxmlformats.org/presentationml/2006/main">
+  <p:cSld>
+    <p:spTree>
+      <p:nvGrpSpPr>
+        <p:cNvPr id="1" name=""/>
+        <p:cNvGrpSpPr/>
+        <p:nvPr/>
+      </p:nvGrpSpPr>
+      <p:grpSpPr>
+        <a:xfrm>
+          <a:off x="0" y="0"/>
+          <a:ext cx="0" cy="0"/>
+          <a:chOff x="0" y="0"/>
+          <a:chExt cx="0" cy="0"/>
+        </a:xfrm>
+      </p:grpSpPr>
+      <p:sp>
+        <p:nvSpPr>
+          <p:cNvPr id="2" name="Title 1"/>
+          <p:cNvSpPr>
+            <a:spLocks noGrp="1"/>
+          </p:cNvSpPr>
+          <p:nvPr>
+            <p:ph type="title"/>
+          </p:nvPr>
+        </p:nvSpPr>
+        <p:spPr>
+          <a:xfrm>
+            <a:off x="685800" y="228600"/>
+            <a:ext cx="7772400" cy="1143000"/>
+          </a:xfrm>
+        </p:spPr>
+        <p:txBody>
+          <a:bodyPr/>
+          <a:lstStyle/>
+          <a:p>
+            <a:r>
+              <a:rPr lang="en-US" dirty="0" smtClean="0"/>
+              <a:t>Sharing Resources, Example </a:t>
+            </a:r>
+            <a:endParaRPr lang="en-US" dirty="0"/>
+          </a:p>
+        </p:txBody>
+      </p:sp>
+      <p:pic>
+        <p:nvPicPr>
+          <p:cNvPr id="7170" name="Picture 2"/>
+          <p:cNvPicPr>
+            <a:picLocks noChangeAspect="1" noChangeArrowheads="1"/>
+          </p:cNvPicPr>
+          <p:nvPr/>
+        </p:nvPicPr>
+        <p:blipFill>
+          <a:blip r:embed="rId2" cstate="print"/>
+          <a:srcRect/>
+          <a:stretch>
+            <a:fillRect/>
+          </a:stretch>
+        </p:blipFill>
+        <p:spPr bwMode="auto">
+          <a:xfrm>
+            <a:off x="1295400" y="1371600"/>
+            <a:ext cx="6691312" cy="5114870"/>
+          </a:xfrm>
+          <a:prstGeom prst="rect">
+            <a:avLst/>
+          </a:prstGeom>
+          <a:noFill/>
+          <a:ln w="9525">
+            <a:noFill/>
+            <a:miter lim="800000"/>
+            <a:headEnd/>
+            <a:tailEnd/>
+          </a:ln>
+        </p:spPr>
+      </p:pic>
+    </p:spTree>
+  </p:cSld>
+  <p:clrMapOvr>
+    <a:masterClrMapping/>
+  </p:clrMapOvr>
+</p:sld>
+</file>
+
+<file path=ppt/slides/slide32.xml><?xml version="1.0" encoding="utf-8"?>
+<p:sld xmlns:a="http://schemas.openxmlformats.org/drawingml/2006/main" xmlns:r="http://schemas.openxmlformats.org/officeDocument/2006/relationships" xmlns:p="http://schemas.openxmlformats.org/presentationml/2006/main">
+  <p:cSld>
+    <p:spTree>
+      <p:nvGrpSpPr>
+        <p:cNvPr id="1" name=""/>
+        <p:cNvGrpSpPr/>
+        <p:nvPr/>
+      </p:nvGrpSpPr>
+      <p:grpSpPr>
+        <a:xfrm>
+          <a:off x="0" y="0"/>
+          <a:ext cx="0" cy="0"/>
+          <a:chOff x="0" y="0"/>
+          <a:chExt cx="0" cy="0"/>
+        </a:xfrm>
+      </p:grpSpPr>
+      <p:sp>
+        <p:nvSpPr>
+          <p:cNvPr id="2" name="Title 1"/>
+          <p:cNvSpPr>
+            <a:spLocks noGrp="1"/>
+          </p:cNvSpPr>
+          <p:nvPr>
+            <p:ph type="title"/>
+          </p:nvPr>
+        </p:nvSpPr>
+        <p:spPr>
+          <a:xfrm>
+            <a:off x="609600" y="-152400"/>
+            <a:ext cx="7772400" cy="1143000"/>
+          </a:xfrm>
+        </p:spPr>
+        <p:txBody>
+          <a:bodyPr/>
+          <a:lstStyle/>
+          <a:p>
+            <a:r>
+              <a:rPr lang="en-US" dirty="0" smtClean="0"/>
+              <a:t>Sharing Resources, Example</a:t>
+            </a:r>
+            <a:endParaRPr lang="en-US" dirty="0"/>
+          </a:p>
+        </p:txBody>
+      </p:sp>
+      <p:pic>
+        <p:nvPicPr>
+          <p:cNvPr id="8194" name="Picture 2"/>
+          <p:cNvPicPr>
+            <a:picLocks noChangeAspect="1" noChangeArrowheads="1"/>
+          </p:cNvPicPr>
+          <p:nvPr/>
+        </p:nvPicPr>
+        <p:blipFill>
+          <a:blip r:embed="rId2" cstate="print"/>
+          <a:srcRect/>
+          <a:stretch>
+            <a:fillRect/>
+          </a:stretch>
+        </p:blipFill>
+        <p:spPr bwMode="auto">
+          <a:xfrm>
+            <a:off x="1219200" y="869142"/>
+            <a:ext cx="7072312" cy="5988858"/>
+          </a:xfrm>
+          <a:prstGeom prst="rect">
+            <a:avLst/>
+          </a:prstGeom>
+          <a:noFill/>
+          <a:ln w="9525">
+            <a:noFill/>
+            <a:miter lim="800000"/>
+            <a:headEnd/>
+            <a:tailEnd/>
+          </a:ln>
+        </p:spPr>
+      </p:pic>
+    </p:spTree>
+  </p:cSld>
+  <p:clrMapOvr>
+    <a:masterClrMapping/>
+  </p:clrMapOvr>
+</p:sld>
+</file>
+
+<file path=ppt/slides/slide33.xml><?xml version="1.0" encoding="utf-8"?>
+<p:sld xmlns:a="http://schemas.openxmlformats.org/drawingml/2006/main" xmlns:r="http://schemas.openxmlformats.org/officeDocument/2006/relationships" xmlns:p="http://schemas.openxmlformats.org/presentationml/2006/main">
+  <p:cSld>
+    <p:spTree>
+      <p:nvGrpSpPr>
+        <p:cNvPr id="1" name=""/>
+        <p:cNvGrpSpPr/>
+        <p:nvPr/>
+      </p:nvGrpSpPr>
+      <p:grpSpPr>
+        <a:xfrm>
+          <a:off x="0" y="0"/>
+          <a:ext cx="0" cy="0"/>
+          <a:chOff x="0" y="0"/>
+          <a:chExt cx="0" cy="0"/>
+        </a:xfrm>
+      </p:grpSpPr>
+      <p:sp>
+        <p:nvSpPr>
+          <p:cNvPr id="2" name="Title 1"/>
+          <p:cNvSpPr>
+            <a:spLocks noGrp="1"/>
+          </p:cNvSpPr>
+          <p:nvPr>
+            <p:ph type="title"/>
+          </p:nvPr>
+        </p:nvSpPr>
+        <p:spPr>
+          <a:xfrm>
+            <a:off x="76200" y="0"/>
+            <a:ext cx="8991600" cy="1143000"/>
+          </a:xfrm>
+        </p:spPr>
+        <p:txBody>
+          <a:bodyPr/>
+          <a:lstStyle/>
+          <a:p>
+            <a:r>
+              <a:rPr lang="en-US" dirty="0" smtClean="0"/>
+              <a:t>Sharing Resources, Example cont. </a:t>
+            </a:r>
+            <a:endParaRPr lang="en-US" dirty="0"/>
+          </a:p>
+        </p:txBody>
+      </p:sp>
+      <p:pic>
+        <p:nvPicPr>
+          <p:cNvPr id="9218" name="Picture 2"/>
+          <p:cNvPicPr>
+            <a:picLocks noChangeAspect="1" noChangeArrowheads="1"/>
+          </p:cNvPicPr>
+          <p:nvPr/>
+        </p:nvPicPr>
+        <p:blipFill>
+          <a:blip r:embed="rId2" cstate="print"/>
+          <a:srcRect/>
+          <a:stretch>
+            <a:fillRect/>
+          </a:stretch>
+        </p:blipFill>
+        <p:spPr bwMode="auto">
+          <a:xfrm>
+            <a:off x="762000" y="1295400"/>
+            <a:ext cx="7934325" cy="5366334"/>
+          </a:xfrm>
+          <a:prstGeom prst="rect">
+            <a:avLst/>
+          </a:prstGeom>
+          <a:noFill/>
+          <a:ln w="9525">
+            <a:noFill/>
+            <a:miter lim="800000"/>
+            <a:headEnd/>
+            <a:tailEnd/>
+          </a:ln>
+        </p:spPr>
+      </p:pic>
+    </p:spTree>
+  </p:cSld>
+  <p:clrMapOvr>
+    <a:masterClrMapping/>
+  </p:clrMapOvr>
+</p:sld>
+</file>
+
+<file path=ppt/slides/slide34.xml><?xml version="1.0" encoding="utf-8"?>
+<p:sld xmlns:a="http://schemas.openxmlformats.org/drawingml/2006/main" xmlns:r="http://schemas.openxmlformats.org/officeDocument/2006/relationships" xmlns:p="http://schemas.openxmlformats.org/presentationml/2006/main">
+  <p:cSld>
+    <p:spTree>
+      <p:nvGrpSpPr>
+        <p:cNvPr id="1" name=""/>
+        <p:cNvGrpSpPr/>
+        <p:nvPr/>
+      </p:nvGrpSpPr>
+      <p:grpSpPr>
+        <a:xfrm>
+          <a:off x="0" y="0"/>
+          <a:ext cx="0" cy="0"/>
+          <a:chOff x="0" y="0"/>
+          <a:chExt cx="0" cy="0"/>
+        </a:xfrm>
+      </p:grpSpPr>
+      <p:sp>
+        <p:nvSpPr>
+          <p:cNvPr id="2" name="Title 1"/>
+          <p:cNvSpPr>
+            <a:spLocks noGrp="1"/>
+          </p:cNvSpPr>
+          <p:nvPr>
+            <p:ph type="title"/>
+          </p:nvPr>
+        </p:nvSpPr>
+        <p:spPr>
+          <a:xfrm>
+            <a:off x="152400" y="-76200"/>
+            <a:ext cx="8839200" cy="1143000"/>
+          </a:xfrm>
+        </p:spPr>
+        <p:txBody>
+          <a:bodyPr/>
+          <a:lstStyle/>
+          <a:p>
+            <a:r>
+              <a:rPr lang="en-US" dirty="0" smtClean="0"/>
+              <a:t>Sharing Resources, Example cont. </a:t>
+            </a:r>
+            <a:endParaRPr lang="en-US" dirty="0"/>
+          </a:p>
+        </p:txBody>
+      </p:sp>
+      <p:pic>
+        <p:nvPicPr>
+          <p:cNvPr id="10242" name="Picture 2"/>
+          <p:cNvPicPr>
+            <a:picLocks noChangeAspect="1" noChangeArrowheads="1"/>
+          </p:cNvPicPr>
+          <p:nvPr/>
+        </p:nvPicPr>
+        <p:blipFill>
+          <a:blip r:embed="rId2" cstate="print"/>
+          <a:srcRect/>
+          <a:stretch>
+            <a:fillRect/>
+          </a:stretch>
+        </p:blipFill>
+        <p:spPr bwMode="auto">
+          <a:xfrm>
+            <a:off x="533400" y="1143000"/>
+            <a:ext cx="8384436" cy="5638800"/>
+          </a:xfrm>
+          <a:prstGeom prst="rect">
+            <a:avLst/>
+          </a:prstGeom>
+          <a:noFill/>
+          <a:ln w="9525">
+            <a:noFill/>
+            <a:miter lim="800000"/>
+            <a:headEnd/>
+            <a:tailEnd/>
+          </a:ln>
+        </p:spPr>
+      </p:pic>
+    </p:spTree>
+  </p:cSld>
+  <p:clrMapOvr>
+    <a:masterClrMapping/>
+  </p:clrMapOvr>
+</p:sld>
+</file>
+
+<file path=ppt/slides/slide35.xml><?xml version="1.0" encoding="utf-8"?>
+<p:sld xmlns:a="http://schemas.openxmlformats.org/drawingml/2006/main" xmlns:r="http://schemas.openxmlformats.org/officeDocument/2006/relationships" xmlns:p="http://schemas.openxmlformats.org/presentationml/2006/main">
+  <p:cSld>
+    <p:spTree>
+      <p:nvGrpSpPr>
+        <p:cNvPr id="1" name=""/>
+        <p:cNvGrpSpPr/>
+        <p:nvPr/>
+      </p:nvGrpSpPr>
+      <p:grpSpPr>
+        <a:xfrm>
+          <a:off x="0" y="0"/>
+          <a:ext cx="0" cy="0"/>
+          <a:chOff x="0" y="0"/>
+          <a:chExt cx="0" cy="0"/>
+        </a:xfrm>
+      </p:grpSpPr>
+      <p:sp>
+        <p:nvSpPr>
+          <p:cNvPr id="2" name="Title 1"/>
+          <p:cNvSpPr>
+            <a:spLocks noGrp="1"/>
+          </p:cNvSpPr>
+          <p:nvPr>
+            <p:ph type="title"/>
+          </p:nvPr>
+        </p:nvSpPr>
+        <p:spPr>
+          <a:xfrm>
+            <a:off x="76200" y="76200"/>
+            <a:ext cx="8915400" cy="1143000"/>
+          </a:xfrm>
+        </p:spPr>
+        <p:txBody>
+          <a:bodyPr/>
+          <a:lstStyle/>
+          <a:p>
+            <a:r>
+              <a:rPr lang="en-US" dirty="0" smtClean="0"/>
+              <a:t>Sharing Resources, Example cont. </a:t>
+            </a:r>
+            <a:endParaRPr lang="en-US" dirty="0"/>
+          </a:p>
+        </p:txBody>
+      </p:sp>
+      <p:pic>
+        <p:nvPicPr>
+          <p:cNvPr id="11266" name="Picture 2"/>
+          <p:cNvPicPr>
+            <a:picLocks noChangeAspect="1" noChangeArrowheads="1"/>
+          </p:cNvPicPr>
+          <p:nvPr/>
+        </p:nvPicPr>
+        <p:blipFill>
+          <a:blip r:embed="rId2" cstate="print"/>
+          <a:srcRect/>
+          <a:stretch>
+            <a:fillRect/>
+          </a:stretch>
+        </p:blipFill>
+        <p:spPr bwMode="auto">
+          <a:xfrm>
+            <a:off x="685800" y="1828800"/>
+            <a:ext cx="7781925" cy="3514725"/>
+          </a:xfrm>
+          <a:prstGeom prst="rect">
+            <a:avLst/>
+          </a:prstGeom>
+          <a:noFill/>
+          <a:ln w="9525">
+            <a:noFill/>
+            <a:miter lim="800000"/>
+            <a:headEnd/>
+            <a:tailEnd/>
+          </a:ln>
+        </p:spPr>
+      </p:pic>
+    </p:spTree>
+  </p:cSld>
+  <p:clrMapOvr>
+    <a:masterClrMapping/>
+  </p:clrMapOvr>
+</p:sld>
+</file>
+
+<file path=ppt/slides/slide36.xml><?xml version="1.0" encoding="utf-8"?>
+<p:sld xmlns:a="http://schemas.openxmlformats.org/drawingml/2006/main" xmlns:r="http://schemas.openxmlformats.org/officeDocument/2006/relationships" xmlns:p="http://schemas.openxmlformats.org/presentationml/2006/main">
+  <p:cSld>
+    <p:spTree>
+      <p:nvGrpSpPr>
+        <p:cNvPr id="1" name=""/>
+        <p:cNvGrpSpPr/>
+        <p:nvPr/>
+      </p:nvGrpSpPr>
+      <p:grpSpPr>
+        <a:xfrm>
+          <a:off x="0" y="0"/>
+          <a:ext cx="0" cy="0"/>
+          <a:chOff x="0" y="0"/>
+          <a:chExt cx="0" cy="0"/>
+        </a:xfrm>
+      </p:grpSpPr>
+      <p:sp>
+        <p:nvSpPr>
+          <p:cNvPr id="2" name="Title 1"/>
+          <p:cNvSpPr>
+            <a:spLocks noGrp="1"/>
+          </p:cNvSpPr>
+          <p:nvPr>
+            <p:ph type="title"/>
+          </p:nvPr>
+        </p:nvSpPr>
+        <p:spPr/>
+        <p:txBody>
+          <a:bodyPr/>
+          <a:lstStyle/>
+          <a:p>
+            <a:r>
+              <a:rPr lang="en-US" dirty="0" smtClean="0"/>
+              <a:t>The </a:t>
+            </a:r>
+            <a:r>
+              <a:rPr lang="en-US" b="1" dirty="0" err="1" smtClean="0"/>
+              <a:t>Runnable</a:t>
+            </a:r>
+            <a:r>
+              <a:rPr lang="en-US" b="1" dirty="0" smtClean="0"/>
+              <a:t> </a:t>
+            </a:r>
+            <a:r>
+              <a:rPr lang="en-US" dirty="0" smtClean="0"/>
+              <a:t>Interface </a:t>
+            </a:r>
+            <a:endParaRPr lang="en-US" dirty="0"/>
+          </a:p>
+        </p:txBody>
+      </p:sp>
+      <p:sp>
+        <p:nvSpPr>
+          <p:cNvPr id="3" name="Content Placeholder 2"/>
+          <p:cNvSpPr>
+            <a:spLocks noGrp="1"/>
+          </p:cNvSpPr>
+          <p:nvPr>
+            <p:ph idx="1"/>
+          </p:nvPr>
+        </p:nvSpPr>
+        <p:spPr/>
+        <p:txBody>
+          <a:bodyPr/>
+          <a:lstStyle/>
+          <a:p>
+            <a:r>
+              <a:rPr lang="en-US" dirty="0" smtClean="0"/>
+              <a:t>To inherit from an existing object and make it a thread, implement the </a:t>
+            </a:r>
+            <a:r>
+              <a:rPr lang="en-US" b="1" dirty="0" err="1" smtClean="0"/>
+              <a:t>Runnable</a:t>
+            </a:r>
+            <a:r>
+              <a:rPr lang="en-US" b="1" dirty="0" smtClean="0"/>
+              <a:t> </a:t>
+            </a:r>
+            <a:r>
+              <a:rPr lang="en-US" dirty="0" smtClean="0"/>
+              <a:t>interface</a:t>
+            </a:r>
+          </a:p>
+          <a:p>
+            <a:r>
+              <a:rPr lang="en-US" dirty="0" smtClean="0"/>
+              <a:t>A more classical, function-oriented way to use threads </a:t>
+            </a:r>
+            <a:br>
+              <a:rPr lang="en-US" dirty="0" smtClean="0"/>
+            </a:br>
+            <a:endParaRPr lang="en-US" dirty="0"/>
+          </a:p>
+        </p:txBody>
+      </p:sp>
+      <p:pic>
+        <p:nvPicPr>
+          <p:cNvPr id="12290" name="Picture 2"/>
+          <p:cNvPicPr>
+            <a:picLocks noChangeAspect="1" noChangeArrowheads="1"/>
+          </p:cNvPicPr>
+          <p:nvPr/>
+        </p:nvPicPr>
+        <p:blipFill>
+          <a:blip r:embed="rId2" cstate="print"/>
+          <a:srcRect/>
+          <a:stretch>
+            <a:fillRect/>
+          </a:stretch>
+        </p:blipFill>
+        <p:spPr bwMode="auto">
+          <a:xfrm>
+            <a:off x="1905000" y="4800600"/>
+            <a:ext cx="5334000" cy="1438275"/>
+          </a:xfrm>
+          <a:prstGeom prst="rect">
+            <a:avLst/>
+          </a:prstGeom>
+          <a:noFill/>
+          <a:ln w="9525">
+            <a:noFill/>
+            <a:miter lim="800000"/>
+            <a:headEnd/>
+            <a:tailEnd/>
+          </a:ln>
+        </p:spPr>
+      </p:pic>
+    </p:spTree>
+  </p:cSld>
+  <p:clrMapOvr>
+    <a:masterClrMapping/>
+  </p:clrMapOvr>
+</p:sld>
+</file>
+
+<file path=ppt/slides/slide37.xml><?xml version="1.0" encoding="utf-8"?>
+<p:sld xmlns:a="http://schemas.openxmlformats.org/drawingml/2006/main" xmlns:r="http://schemas.openxmlformats.org/officeDocument/2006/relationships" xmlns:p="http://schemas.openxmlformats.org/presentationml/2006/main">
+  <p:cSld>
+    <p:spTree>
+      <p:nvGrpSpPr>
+        <p:cNvPr id="1" name=""/>
+        <p:cNvGrpSpPr/>
+        <p:nvPr/>
+      </p:nvGrpSpPr>
+      <p:grpSpPr>
+        <a:xfrm>
+          <a:off x="0" y="0"/>
+          <a:ext cx="0" cy="0"/>
+          <a:chOff x="0" y="0"/>
+          <a:chExt cx="0" cy="0"/>
+        </a:xfrm>
+      </p:grpSpPr>
+      <p:sp>
+        <p:nvSpPr>
+          <p:cNvPr id="2" name="Title 1"/>
+          <p:cNvSpPr>
+            <a:spLocks noGrp="1"/>
+          </p:cNvSpPr>
+          <p:nvPr>
+            <p:ph type="title"/>
+          </p:nvPr>
+        </p:nvSpPr>
+        <p:spPr>
+          <a:xfrm>
+            <a:off x="685800" y="152400"/>
+            <a:ext cx="7924800" cy="1143000"/>
+          </a:xfrm>
+        </p:spPr>
+        <p:txBody>
+          <a:bodyPr/>
+          <a:lstStyle/>
+          <a:p>
+            <a:r>
+              <a:rPr lang="en-US" dirty="0" smtClean="0"/>
+              <a:t>The </a:t>
+            </a:r>
+            <a:r>
+              <a:rPr lang="en-US" b="1" dirty="0" err="1" smtClean="0"/>
+              <a:t>Runnable</a:t>
+            </a:r>
+            <a:r>
+              <a:rPr lang="en-US" b="1" dirty="0" smtClean="0"/>
+              <a:t> </a:t>
+            </a:r>
+            <a:r>
+              <a:rPr lang="en-US" dirty="0" smtClean="0"/>
+              <a:t>Interface, cont .</a:t>
+            </a:r>
+            <a:endParaRPr lang="en-US" dirty="0"/>
+          </a:p>
+        </p:txBody>
+      </p:sp>
+      <p:pic>
+        <p:nvPicPr>
+          <p:cNvPr id="13314" name="Picture 2"/>
+          <p:cNvPicPr>
+            <a:picLocks noChangeAspect="1" noChangeArrowheads="1"/>
+          </p:cNvPicPr>
+          <p:nvPr/>
+        </p:nvPicPr>
+        <p:blipFill>
+          <a:blip r:embed="rId2" cstate="print"/>
+          <a:srcRect/>
+          <a:stretch>
+            <a:fillRect/>
+          </a:stretch>
+        </p:blipFill>
+        <p:spPr bwMode="auto">
+          <a:xfrm>
+            <a:off x="762000" y="1447800"/>
+            <a:ext cx="7467600" cy="5017872"/>
+          </a:xfrm>
+          <a:prstGeom prst="rect">
+            <a:avLst/>
+          </a:prstGeom>
+          <a:noFill/>
+          <a:ln w="9525">
+            <a:noFill/>
+            <a:miter lim="800000"/>
+            <a:headEnd/>
+            <a:tailEnd/>
+          </a:ln>
+        </p:spPr>
+      </p:pic>
+    </p:spTree>
+  </p:cSld>
+  <p:clrMapOvr>
+    <a:masterClrMapping/>
+  </p:clrMapOvr>
+</p:sld>
+</file>
+
+<file path=ppt/slides/slide38.xml><?xml version="1.0" encoding="utf-8"?>
+<p:sld xmlns:a="http://schemas.openxmlformats.org/drawingml/2006/main" xmlns:r="http://schemas.openxmlformats.org/officeDocument/2006/relationships" xmlns:p="http://schemas.openxmlformats.org/presentationml/2006/main">
+  <p:cSld>
+    <p:spTree>
+      <p:nvGrpSpPr>
+        <p:cNvPr id="1" name=""/>
+        <p:cNvGrpSpPr/>
+        <p:nvPr/>
+      </p:nvGrpSpPr>
+      <p:grpSpPr>
+        <a:xfrm>
+          <a:off x="0" y="0"/>
+          <a:ext cx="0" cy="0"/>
+          <a:chOff x="0" y="0"/>
+          <a:chExt cx="0" cy="0"/>
+        </a:xfrm>
+      </p:grpSpPr>
+      <p:sp>
+        <p:nvSpPr>
+          <p:cNvPr id="2" name="Title 1"/>
+          <p:cNvSpPr>
+            <a:spLocks noGrp="1"/>
+          </p:cNvSpPr>
+          <p:nvPr>
+            <p:ph type="title"/>
+          </p:nvPr>
+        </p:nvSpPr>
+        <p:spPr>
+          <a:xfrm>
+            <a:off x="685800" y="0"/>
+            <a:ext cx="7772400" cy="1143000"/>
+          </a:xfrm>
+        </p:spPr>
+        <p:txBody>
+          <a:bodyPr/>
+          <a:lstStyle/>
+          <a:p>
+            <a:r>
+              <a:rPr lang="en-US" dirty="0" smtClean="0"/>
+              <a:t>The </a:t>
+            </a:r>
+            <a:r>
+              <a:rPr lang="en-US" b="1" dirty="0" err="1" smtClean="0"/>
+              <a:t>Runnable</a:t>
+            </a:r>
+            <a:r>
+              <a:rPr lang="en-US" b="1" dirty="0" smtClean="0"/>
+              <a:t> </a:t>
+            </a:r>
+            <a:r>
+              <a:rPr lang="en-US" dirty="0" smtClean="0"/>
+              <a:t>Interface, cont. </a:t>
+            </a:r>
+            <a:endParaRPr lang="en-US" dirty="0"/>
+          </a:p>
+        </p:txBody>
+      </p:sp>
+      <p:pic>
+        <p:nvPicPr>
+          <p:cNvPr id="14338" name="Picture 2"/>
+          <p:cNvPicPr>
+            <a:picLocks noChangeAspect="1" noChangeArrowheads="1"/>
+          </p:cNvPicPr>
+          <p:nvPr/>
+        </p:nvPicPr>
+        <p:blipFill>
+          <a:blip r:embed="rId2" cstate="print"/>
+          <a:srcRect/>
+          <a:stretch>
+            <a:fillRect/>
+          </a:stretch>
+        </p:blipFill>
+        <p:spPr bwMode="auto">
+          <a:xfrm>
+            <a:off x="762000" y="990600"/>
+            <a:ext cx="7319962" cy="5676378"/>
+          </a:xfrm>
+          <a:prstGeom prst="rect">
+            <a:avLst/>
+          </a:prstGeom>
+          <a:noFill/>
+          <a:ln w="9525">
+            <a:noFill/>
+            <a:miter lim="800000"/>
+            <a:headEnd/>
+            <a:tailEnd/>
+          </a:ln>
+        </p:spPr>
+      </p:pic>
+    </p:spTree>
+  </p:cSld>
+  <p:clrMapOvr>
+    <a:masterClrMapping/>
+  </p:clrMapOvr>
+</p:sld>
+</file>
+
+<file path=ppt/slides/slide39.xml><?xml version="1.0" encoding="utf-8"?>
+<p:sld xmlns:a="http://schemas.openxmlformats.org/drawingml/2006/main" xmlns:r="http://schemas.openxmlformats.org/officeDocument/2006/relationships" xmlns:p="http://schemas.openxmlformats.org/presentationml/2006/main">
+  <p:cSld>
+    <p:spTree>
+      <p:nvGrpSpPr>
+        <p:cNvPr id="1" name=""/>
+        <p:cNvGrpSpPr/>
+        <p:nvPr/>
+      </p:nvGrpSpPr>
+      <p:grpSpPr>
+        <a:xfrm>
+          <a:off x="0" y="0"/>
+          <a:ext cx="0" cy="0"/>
+          <a:chOff x="0" y="0"/>
+          <a:chExt cx="0" cy="0"/>
+        </a:xfrm>
+      </p:grpSpPr>
+      <p:sp>
+        <p:nvSpPr>
+          <p:cNvPr id="2" name="Title 1"/>
+          <p:cNvSpPr>
+            <a:spLocks noGrp="1"/>
+          </p:cNvSpPr>
+          <p:nvPr>
+            <p:ph type="title"/>
+          </p:nvPr>
+        </p:nvSpPr>
+        <p:spPr>
+          <a:xfrm>
+            <a:off x="685800" y="0"/>
+            <a:ext cx="7772400" cy="1143000"/>
+          </a:xfrm>
+        </p:spPr>
+        <p:txBody>
+          <a:bodyPr/>
+          <a:lstStyle/>
+          <a:p>
+            <a:r>
+              <a:rPr lang="en-US" dirty="0" smtClean="0"/>
+              <a:t>Java Thread Management </a:t>
+            </a:r>
+            <a:endParaRPr lang="en-US" dirty="0"/>
+          </a:p>
+        </p:txBody>
+      </p:sp>
+      <p:sp>
+        <p:nvSpPr>
+          <p:cNvPr id="3" name="Content Placeholder 2"/>
+          <p:cNvSpPr>
+            <a:spLocks noGrp="1"/>
+          </p:cNvSpPr>
+          <p:nvPr>
+            <p:ph idx="1"/>
+          </p:nvPr>
+        </p:nvSpPr>
+        <p:spPr>
+          <a:xfrm>
+            <a:off x="762000" y="1143000"/>
+            <a:ext cx="7772400" cy="3276600"/>
+          </a:xfrm>
+        </p:spPr>
+        <p:txBody>
+          <a:bodyPr>
+            <a:normAutofit fontScale="85000" lnSpcReduction="20000"/>
+          </a:bodyPr>
+          <a:lstStyle/>
+          <a:p>
+            <a:r>
+              <a:rPr lang="en-US" i="1" dirty="0" smtClean="0"/>
+              <a:t>suspend() </a:t>
+            </a:r>
+            <a:r>
+              <a:rPr lang="en-US" dirty="0" smtClean="0"/>
+              <a:t>– suspends execution of the currently running thread</a:t>
+            </a:r>
+          </a:p>
+          <a:p>
+            <a:r>
+              <a:rPr lang="en-US" i="1" dirty="0" smtClean="0"/>
+              <a:t>sleep() </a:t>
+            </a:r>
+            <a:r>
+              <a:rPr lang="en-US" dirty="0" smtClean="0"/>
+              <a:t>– puts the currently running thread to sleep for a specified amount of time</a:t>
+            </a:r>
+          </a:p>
+          <a:p>
+            <a:r>
+              <a:rPr lang="en-US" i="1" dirty="0" smtClean="0"/>
+              <a:t>resume() </a:t>
+            </a:r>
+            <a:r>
+              <a:rPr lang="en-US" dirty="0" smtClean="0"/>
+              <a:t>– resumes execution of a suspended thread</a:t>
+            </a:r>
+          </a:p>
+          <a:p>
+            <a:r>
+              <a:rPr lang="en-US" i="1" dirty="0" smtClean="0"/>
+              <a:t>stop() </a:t>
+            </a:r>
+            <a:r>
+              <a:rPr lang="en-US" dirty="0" smtClean="0"/>
+              <a:t>– stops execution of a thread</a:t>
+            </a:r>
+            <a:br>
+              <a:rPr lang="en-US" dirty="0" smtClean="0"/>
+            </a:br>
+            <a:endParaRPr lang="en-US" dirty="0"/>
+          </a:p>
+        </p:txBody>
+      </p:sp>
+      <p:pic>
+        <p:nvPicPr>
+          <p:cNvPr id="15362" name="Picture 2"/>
+          <p:cNvPicPr>
+            <a:picLocks noChangeAspect="1" noChangeArrowheads="1"/>
+          </p:cNvPicPr>
+          <p:nvPr/>
+        </p:nvPicPr>
+        <p:blipFill>
+          <a:blip r:embed="rId2" cstate="print"/>
+          <a:srcRect/>
+          <a:stretch>
+            <a:fillRect/>
+          </a:stretch>
+        </p:blipFill>
+        <p:spPr bwMode="auto">
+          <a:xfrm>
+            <a:off x="457200" y="3883414"/>
+            <a:ext cx="8305800" cy="2822186"/>
+          </a:xfrm>
+          <a:prstGeom prst="rect">
+            <a:avLst/>
+          </a:prstGeom>
+          <a:noFill/>
+          <a:ln w="9525">
+            <a:noFill/>
+            <a:miter lim="800000"/>
+            <a:headEnd/>
+            <a:tailEnd/>
+          </a:ln>
+        </p:spPr>
+      </p:pic>
+    </p:spTree>
+  </p:cSld>
+  <p:clrMapOvr>
+    <a:masterClrMapping/>
+  </p:clrMapOvr>
+</p:sld>
+</file>
+
+<file path=ppt/slides/slide4.xml><?xml version="1.0" encoding="utf-8"?>
+<p:sld xmlns:a="http://schemas.openxmlformats.org/drawingml/2006/main" xmlns:r="http://schemas.openxmlformats.org/officeDocument/2006/relationships" xmlns:p="http://schemas.openxmlformats.org/presentationml/2006/main">
+  <p:cSld>
+    <p:spTree>
+      <p:nvGrpSpPr>
+        <p:cNvPr id="1" name=""/>
+        <p:cNvGrpSpPr/>
+        <p:nvPr/>
+      </p:nvGrpSpPr>
+      <p:grpSpPr>
+        <a:xfrm>
+          <a:off x="0" y="0"/>
+          <a:ext cx="0" cy="0"/>
+          <a:chOff x="0" y="0"/>
+          <a:chExt cx="0" cy="0"/>
+        </a:xfrm>
+      </p:grpSpPr>
+      <p:sp>
+        <p:nvSpPr>
+          <p:cNvPr id="2" name="Title 1"/>
+          <p:cNvSpPr>
+            <a:spLocks noGrp="1"/>
+          </p:cNvSpPr>
+          <p:nvPr>
+            <p:ph type="title"/>
+          </p:nvPr>
+        </p:nvSpPr>
+        <p:spPr/>
+        <p:txBody>
+          <a:bodyPr/>
+          <a:lstStyle/>
+          <a:p>
+            <a:r>
+              <a:rPr lang="en-GB" dirty="0" smtClean="0"/>
+              <a:t>Answer</a:t>
+            </a:r>
+            <a:endParaRPr lang="en-GB" dirty="0"/>
+          </a:p>
+        </p:txBody>
+      </p:sp>
+      <p:sp>
+        <p:nvSpPr>
+          <p:cNvPr id="3" name="Content Placeholder 2"/>
+          <p:cNvSpPr>
+            <a:spLocks noGrp="1"/>
+          </p:cNvSpPr>
+          <p:nvPr>
+            <p:ph idx="1"/>
+          </p:nvPr>
+        </p:nvSpPr>
+        <p:spPr/>
+        <p:txBody>
+          <a:bodyPr/>
+          <a:lstStyle/>
+          <a:p>
+            <a:endParaRPr lang="en-GB"/>
+          </a:p>
+        </p:txBody>
+      </p:sp>
+      <p:pic>
+        <p:nvPicPr>
+          <p:cNvPr id="4" name="Picture 3"/>
+          <p:cNvPicPr>
+            <a:picLocks noChangeAspect="1"/>
+          </p:cNvPicPr>
+          <p:nvPr/>
+        </p:nvPicPr>
+        <p:blipFill>
+          <a:blip r:embed="rId2"/>
+          <a:stretch>
+            <a:fillRect/>
+          </a:stretch>
+        </p:blipFill>
+        <p:spPr>
+          <a:xfrm>
+            <a:off x="1905000" y="3163242"/>
+            <a:ext cx="5267325" cy="847725"/>
+          </a:xfrm>
+          <a:prstGeom prst="rect">
+            <a:avLst/>
+          </a:prstGeom>
+        </p:spPr>
+      </p:pic>
+    </p:spTree>
+    <p:extLst>
+      <p:ext uri="{BB962C8B-B14F-4D97-AF65-F5344CB8AC3E}">
+        <p14:creationId xmlns:p14="http://schemas.microsoft.com/office/powerpoint/2010/main" val="3410911791"/>
+      </p:ext>
+    </p:extLst>
+  </p:cSld>
+  <p:clrMapOvr>
+    <a:masterClrMapping/>
+  </p:clrMapOvr>
+</p:sld>
+</file>
+
+<file path=ppt/slides/slide40.xml><?xml version="1.0" encoding="utf-8"?>
+<p:sld xmlns:a="http://schemas.openxmlformats.org/drawingml/2006/main" xmlns:r="http://schemas.openxmlformats.org/officeDocument/2006/relationships" xmlns:p="http://schemas.openxmlformats.org/presentationml/2006/main">
+  <p:cSld>
+    <p:spTree>
+      <p:nvGrpSpPr>
+        <p:cNvPr id="1" name=""/>
+        <p:cNvGrpSpPr/>
+        <p:nvPr/>
+      </p:nvGrpSpPr>
+      <p:grpSpPr>
+        <a:xfrm>
+          <a:off x="0" y="0"/>
+          <a:ext cx="0" cy="0"/>
+          <a:chOff x="0" y="0"/>
+          <a:chExt cx="0" cy="0"/>
+        </a:xfrm>
+      </p:grpSpPr>
+      <p:sp>
+        <p:nvSpPr>
+          <p:cNvPr id="2" name="Title 1"/>
+          <p:cNvSpPr>
+            <a:spLocks noGrp="1"/>
+          </p:cNvSpPr>
+          <p:nvPr>
+            <p:ph type="title"/>
+          </p:nvPr>
+        </p:nvSpPr>
         <p:spPr>
           <a:xfrm>
             <a:off x="152400" y="0"/>
@@ -6661,7 +7873,7 @@
 </p:sld>
 </file>
 
-<file path=ppt/slides/slide31.xml><?xml version="1.0" encoding="utf-8"?>
+<file path=ppt/slides/slide41.xml><?xml version="1.0" encoding="utf-8"?>
 <p:sld xmlns:a="http://schemas.openxmlformats.org/drawingml/2006/main" xmlns:r="http://schemas.openxmlformats.org/officeDocument/2006/relationships" xmlns:p="http://schemas.openxmlformats.org/presentationml/2006/main">
   <p:cSld>
     <p:spTree>
@@ -6847,7 +8059,7 @@
 </p:sld>
 </file>
 
-<file path=ppt/slides/slide32.xml><?xml version="1.0" encoding="utf-8"?>
+<file path=ppt/slides/slide42.xml><?xml version="1.0" encoding="utf-8"?>
 <p:sld xmlns:a="http://schemas.openxmlformats.org/drawingml/2006/main" xmlns:r="http://schemas.openxmlformats.org/officeDocument/2006/relationships" xmlns:p="http://schemas.openxmlformats.org/presentationml/2006/main">
   <p:cSld>
     <p:spTree>
@@ -6932,7 +8144,7 @@
 </p:sld>
 </file>
 
-<file path=ppt/slides/slide33.xml><?xml version="1.0" encoding="utf-8"?>
+<file path=ppt/slides/slide43.xml><?xml version="1.0" encoding="utf-8"?>
 <p:sld xmlns:a="http://schemas.openxmlformats.org/drawingml/2006/main" xmlns:r="http://schemas.openxmlformats.org/officeDocument/2006/relationships" xmlns:p="http://schemas.openxmlformats.org/presentationml/2006/main">
   <p:cSld>
     <p:spTree>
@@ -7017,7 +8229,7 @@
 </p:sld>
 </file>
 
-<file path=ppt/slides/slide34.xml><?xml version="1.0" encoding="utf-8"?>
+<file path=ppt/slides/slide44.xml><?xml version="1.0" encoding="utf-8"?>
 <p:sld xmlns:a="http://schemas.openxmlformats.org/drawingml/2006/main" xmlns:r="http://schemas.openxmlformats.org/officeDocument/2006/relationships" xmlns:p="http://schemas.openxmlformats.org/presentationml/2006/main">
   <p:cSld>
     <p:spTree>
@@ -7145,7 +8357,7 @@
 </p:sld>
 </file>
 
-<file path=ppt/slides/slide35.xml><?xml version="1.0" encoding="utf-8"?>
+<file path=ppt/slides/slide45.xml><?xml version="1.0" encoding="utf-8"?>
 <p:sld xmlns:a="http://schemas.openxmlformats.org/drawingml/2006/main" xmlns:r="http://schemas.openxmlformats.org/officeDocument/2006/relationships" xmlns:p="http://schemas.openxmlformats.org/presentationml/2006/main">
   <p:cSld>
     <p:spTree>
@@ -7226,7 +8438,7 @@
 </p:sld>
 </file>
 
-<file path=ppt/slides/slide36.xml><?xml version="1.0" encoding="utf-8"?>
+<file path=ppt/slides/slide46.xml><?xml version="1.0" encoding="utf-8"?>
 <p:sld xmlns:a="http://schemas.openxmlformats.org/drawingml/2006/main" xmlns:r="http://schemas.openxmlformats.org/officeDocument/2006/relationships" xmlns:p="http://schemas.openxmlformats.org/presentationml/2006/main">
   <p:cSld>
     <p:spTree>
@@ -7285,7 +8497,6 @@
               <a:rPr lang="en-US" dirty="0" smtClean="0"/>
               <a:t>Chapter 29</a:t>
             </a:r>
-            <a:endParaRPr lang="en-US" dirty="0" smtClean="0"/>
           </a:p>
           <a:p>
             <a:pPr>
@@ -7307,7 +8518,7 @@
 </p:sld>
 </file>
 
-<file path=ppt/slides/slide37.xml><?xml version="1.0" encoding="utf-8"?>
+<file path=ppt/slides/slide47.xml><?xml version="1.0" encoding="utf-8"?>
 <p:sld xmlns:a="http://schemas.openxmlformats.org/drawingml/2006/main" xmlns:r="http://schemas.openxmlformats.org/officeDocument/2006/relationships" xmlns:p="http://schemas.openxmlformats.org/presentationml/2006/main">
   <p:cSld>
     <p:spTree>
@@ -7379,101 +8590,6 @@
       </p:par>
     </p:tnLst>
   </p:timing>
-</p:sld>
-</file>
-
-<file path=ppt/slides/slide4.xml><?xml version="1.0" encoding="utf-8"?>
-<p:sld xmlns:a="http://schemas.openxmlformats.org/drawingml/2006/main" xmlns:r="http://schemas.openxmlformats.org/officeDocument/2006/relationships" xmlns:p="http://schemas.openxmlformats.org/presentationml/2006/main">
-  <p:cSld>
-    <p:spTree>
-      <p:nvGrpSpPr>
-        <p:cNvPr id="1" name=""/>
-        <p:cNvGrpSpPr/>
-        <p:nvPr/>
-      </p:nvGrpSpPr>
-      <p:grpSpPr>
-        <a:xfrm>
-          <a:off x="0" y="0"/>
-          <a:ext cx="0" cy="0"/>
-          <a:chOff x="0" y="0"/>
-          <a:chExt cx="0" cy="0"/>
-        </a:xfrm>
-      </p:grpSpPr>
-      <p:sp>
-        <p:nvSpPr>
-          <p:cNvPr id="2" name="Title 1"/>
-          <p:cNvSpPr>
-            <a:spLocks noGrp="1"/>
-          </p:cNvSpPr>
-          <p:nvPr>
-            <p:ph type="title"/>
-          </p:nvPr>
-        </p:nvSpPr>
-        <p:spPr/>
-        <p:txBody>
-          <a:bodyPr/>
-          <a:lstStyle/>
-          <a:p>
-            <a:endParaRPr lang="en-US"/>
-          </a:p>
-        </p:txBody>
-      </p:sp>
-      <p:sp>
-        <p:nvSpPr>
-          <p:cNvPr id="3" name="Content Placeholder 2"/>
-          <p:cNvSpPr>
-            <a:spLocks noGrp="1"/>
-          </p:cNvSpPr>
-          <p:nvPr>
-            <p:ph idx="1"/>
-          </p:nvPr>
-        </p:nvSpPr>
-        <p:spPr/>
-        <p:txBody>
-          <a:bodyPr/>
-          <a:lstStyle/>
-          <a:p>
-            <a:endParaRPr lang="en-US"/>
-          </a:p>
-        </p:txBody>
-      </p:sp>
-      <p:pic>
-        <p:nvPicPr>
-          <p:cNvPr id="48130" name="Picture 2"/>
-          <p:cNvPicPr>
-            <a:picLocks noChangeAspect="1" noChangeArrowheads="1"/>
-          </p:cNvPicPr>
-          <p:nvPr/>
-        </p:nvPicPr>
-        <p:blipFill>
-          <a:blip r:embed="rId2" cstate="print"/>
-          <a:srcRect t="3689" b="8993"/>
-          <a:stretch>
-            <a:fillRect/>
-          </a:stretch>
-        </p:blipFill>
-        <p:spPr bwMode="auto">
-          <a:xfrm>
-            <a:off x="990600" y="381000"/>
-            <a:ext cx="6888856" cy="6019800"/>
-          </a:xfrm>
-          <a:prstGeom prst="rect">
-            <a:avLst/>
-          </a:prstGeom>
-          <a:noFill/>
-          <a:ln w="9525">
-            <a:noFill/>
-            <a:miter lim="800000"/>
-            <a:headEnd/>
-            <a:tailEnd/>
-          </a:ln>
-        </p:spPr>
-      </p:pic>
-    </p:spTree>
-  </p:cSld>
-  <p:clrMapOvr>
-    <a:masterClrMapping/>
-  </p:clrMapOvr>
 </p:sld>
 </file>
 
@@ -7504,16 +8620,21 @@
             <p:ph type="title"/>
           </p:nvPr>
         </p:nvSpPr>
-        <p:spPr/>
-        <p:txBody>
-          <a:bodyPr/>
-          <a:lstStyle/>
-          <a:p>
-            <a:r>
-              <a:rPr lang="en-US" dirty="0" smtClean="0"/>
-              <a:t>Concurrency &amp; Parallelism</a:t>
-            </a:r>
-            <a:endParaRPr lang="en-US" dirty="0"/>
+        <p:spPr>
+          <a:xfrm>
+            <a:off x="685800" y="152400"/>
+            <a:ext cx="7772400" cy="1143000"/>
+          </a:xfrm>
+        </p:spPr>
+        <p:txBody>
+          <a:bodyPr/>
+          <a:lstStyle/>
+          <a:p>
+            <a:r>
+              <a:rPr lang="en-GB" dirty="0" smtClean="0"/>
+              <a:t>Question</a:t>
+            </a:r>
+            <a:endParaRPr lang="en-GB" dirty="0"/>
           </a:p>
         </p:txBody>
       </p:sp>
@@ -7527,48 +8648,54 @@
             <p:ph idx="1"/>
           </p:nvPr>
         </p:nvSpPr>
-        <p:spPr/>
-        <p:txBody>
-          <a:bodyPr/>
-          <a:lstStyle/>
-          <a:p>
-            <a:endParaRPr lang="en-US"/>
+        <p:spPr>
+          <a:xfrm>
+            <a:off x="685800" y="1524000"/>
+            <a:ext cx="7772400" cy="4114800"/>
+          </a:xfrm>
+        </p:spPr>
+        <p:txBody>
+          <a:bodyPr/>
+          <a:lstStyle/>
+          <a:p>
+            <a:r>
+              <a:rPr lang="en-GB" dirty="0" smtClean="0"/>
+              <a:t>Does the following code compile?  What would the output be?</a:t>
+            </a:r>
+            <a:endParaRPr lang="en-GB" dirty="0"/>
           </a:p>
         </p:txBody>
       </p:sp>
       <p:pic>
         <p:nvPicPr>
-          <p:cNvPr id="49154" name="Picture 2"/>
+          <p:cNvPr id="4" name="Picture 3"/>
           <p:cNvPicPr>
-            <a:picLocks noChangeAspect="1" noChangeArrowheads="1"/>
+            <a:picLocks noChangeAspect="1"/>
           </p:cNvPicPr>
           <p:nvPr/>
         </p:nvPicPr>
         <p:blipFill>
-          <a:blip r:embed="rId2" cstate="print"/>
-          <a:srcRect/>
+          <a:blip r:embed="rId2"/>
           <a:stretch>
             <a:fillRect/>
           </a:stretch>
         </p:blipFill>
-        <p:spPr bwMode="auto">
-          <a:xfrm>
-            <a:off x="685800" y="2057400"/>
-            <a:ext cx="7126941" cy="4038600"/>
+        <p:spPr>
+          <a:xfrm>
+            <a:off x="1524000" y="2819400"/>
+            <a:ext cx="6343650" cy="3782982"/>
           </a:xfrm>
           <a:prstGeom prst="rect">
             <a:avLst/>
           </a:prstGeom>
-          <a:noFill/>
-          <a:ln w="9525">
-            <a:noFill/>
-            <a:miter lim="800000"/>
-            <a:headEnd/>
-            <a:tailEnd/>
-          </a:ln>
         </p:spPr>
       </p:pic>
     </p:spTree>
+    <p:extLst>
+      <p:ext uri="{BB962C8B-B14F-4D97-AF65-F5344CB8AC3E}">
+        <p14:creationId xmlns:p14="http://schemas.microsoft.com/office/powerpoint/2010/main" val="3428073543"/>
+      </p:ext>
+    </p:extLst>
   </p:cSld>
   <p:clrMapOvr>
     <a:masterClrMapping/>
@@ -7603,19 +8730,14 @@
             <p:ph type="title"/>
           </p:nvPr>
         </p:nvSpPr>
-        <p:spPr>
-          <a:xfrm>
-            <a:off x="685800" y="152400"/>
-            <a:ext cx="7772400" cy="1143000"/>
-          </a:xfrm>
-        </p:spPr>
+        <p:spPr/>
         <p:txBody>
           <a:bodyPr/>
           <a:lstStyle/>
           <a:p>
             <a:r>
               <a:rPr lang="en-GB" dirty="0" smtClean="0"/>
-              <a:t>Threading</a:t>
+              <a:t>Answer</a:t>
             </a:r>
             <a:endParaRPr lang="en-GB" dirty="0"/>
           </a:p>
@@ -7631,96 +8753,41 @@
             <p:ph idx="1"/>
           </p:nvPr>
         </p:nvSpPr>
-        <p:spPr>
-          <a:xfrm>
-            <a:off x="685800" y="1524000"/>
-            <a:ext cx="8077200" cy="4114800"/>
-          </a:xfrm>
-        </p:spPr>
+        <p:spPr/>
         <p:txBody>
           <a:bodyPr/>
           <a:lstStyle/>
           <a:p>
             <a:r>
               <a:rPr lang="en-GB" dirty="0" smtClean="0"/>
-              <a:t>Advantages &amp; Disadvantages of Threads</a:t>
-            </a:r>
-          </a:p>
-          <a:p>
+              <a:t>78-7616</a:t>
+            </a:r>
+          </a:p>
+          <a:p>
+            <a:endParaRPr lang="en-GB" dirty="0"/>
+          </a:p>
+          <a:p>
+            <a:pPr marL="0" indent="0">
+              <a:buNone/>
+            </a:pPr>
             <a:r>
               <a:rPr lang="en-GB" dirty="0" smtClean="0"/>
-              <a:t>Java Threads</a:t>
-            </a:r>
-          </a:p>
-          <a:p>
-            <a:pPr lvl="1"/>
-            <a:r>
-              <a:rPr lang="en-GB" dirty="0" smtClean="0"/>
-              <a:t>Class:       </a:t>
-            </a:r>
-            <a:r>
-              <a:rPr lang="en-GB" dirty="0" err="1" smtClean="0"/>
-              <a:t>java.lang.Thread</a:t>
-            </a:r>
-            <a:endParaRPr lang="en-GB" dirty="0" smtClean="0"/>
-          </a:p>
-          <a:p>
-            <a:pPr lvl="1"/>
-            <a:r>
-              <a:rPr lang="en-GB" dirty="0" smtClean="0"/>
-              <a:t>Interface:  </a:t>
-            </a:r>
-            <a:r>
-              <a:rPr lang="en-GB" dirty="0" err="1" smtClean="0"/>
-              <a:t>java.lang.Runnable</a:t>
-            </a:r>
-            <a:endParaRPr lang="en-GB" dirty="0" smtClean="0"/>
-          </a:p>
-          <a:p>
-            <a:r>
-              <a:rPr lang="en-GB" dirty="0" smtClean="0"/>
-              <a:t>Multithreaded Programming</a:t>
+              <a:t>Explain why?</a:t>
             </a:r>
             <a:endParaRPr lang="en-GB" dirty="0"/>
           </a:p>
-        </p:txBody>
-      </p:sp>
-      <p:pic>
-        <p:nvPicPr>
-          <p:cNvPr id="1026" name="Picture 2"/>
-          <p:cNvPicPr>
-            <a:picLocks noChangeAspect="1" noChangeArrowheads="1"/>
-          </p:cNvPicPr>
-          <p:nvPr/>
-        </p:nvPicPr>
-        <p:blipFill>
-          <a:blip r:embed="rId2" cstate="print"/>
-          <a:srcRect/>
-          <a:stretch>
-            <a:fillRect/>
-          </a:stretch>
-        </p:blipFill>
-        <p:spPr bwMode="auto">
-          <a:xfrm>
-            <a:off x="2362200" y="4800600"/>
-            <a:ext cx="4295775" cy="1657350"/>
-          </a:xfrm>
-          <a:prstGeom prst="rect">
-            <a:avLst/>
-          </a:prstGeom>
-          <a:noFill/>
-          <a:ln w="9525">
-            <a:noFill/>
-            <a:miter lim="800000"/>
-            <a:headEnd/>
-            <a:tailEnd/>
-          </a:ln>
-        </p:spPr>
-      </p:pic>
+          <a:p>
+            <a:pPr marL="0" indent="0">
+              <a:buNone/>
+            </a:pPr>
+            <a:endParaRPr lang="en-GB" dirty="0"/>
+          </a:p>
+        </p:txBody>
+      </p:sp>
     </p:spTree>
     <p:extLst>
       <p:ext uri="{BB962C8B-B14F-4D97-AF65-F5344CB8AC3E}">
-        <p14:creationId xmlns="" xmlns:p14="http://schemas.microsoft.com/office/powerpoint/2010/main" val="2919942950"/>
+        <p14:creationId xmlns:p14="http://schemas.microsoft.com/office/powerpoint/2010/main" val="1119271116"/>
       </p:ext>
     </p:extLst>
   </p:cSld>
@@ -7763,10 +8830,10 @@
           <a:lstStyle/>
           <a:p>
             <a:r>
-              <a:rPr lang="en-US" dirty="0" smtClean="0"/>
-              <a:t>Thread Definition</a:t>
-            </a:r>
-            <a:endParaRPr lang="en-US" dirty="0"/>
+              <a:rPr lang="en-GB" dirty="0" smtClean="0"/>
+              <a:t>Question</a:t>
+            </a:r>
+            <a:endParaRPr lang="en-GB" dirty="0"/>
           </a:p>
         </p:txBody>
       </p:sp>
@@ -7780,40 +8847,49 @@
             <p:ph idx="1"/>
           </p:nvPr>
         </p:nvSpPr>
+        <p:spPr/>
+        <p:txBody>
+          <a:bodyPr/>
+          <a:lstStyle/>
+          <a:p>
+            <a:r>
+              <a:rPr lang="en-GB" dirty="0" smtClean="0"/>
+              <a:t>Does the following code compile? What would the output be?</a:t>
+            </a:r>
+            <a:endParaRPr lang="en-GB" dirty="0"/>
+          </a:p>
+        </p:txBody>
+      </p:sp>
+      <p:pic>
+        <p:nvPicPr>
+          <p:cNvPr id="4" name="Picture 3"/>
+          <p:cNvPicPr>
+            <a:picLocks noChangeAspect="1"/>
+          </p:cNvPicPr>
+          <p:nvPr/>
+        </p:nvPicPr>
+        <p:blipFill>
+          <a:blip r:embed="rId2"/>
+          <a:stretch>
+            <a:fillRect/>
+          </a:stretch>
+        </p:blipFill>
         <p:spPr>
           <a:xfrm>
-            <a:off x="533400" y="1981200"/>
-            <a:ext cx="8305800" cy="4114800"/>
-          </a:xfrm>
-        </p:spPr>
-        <p:txBody>
-          <a:bodyPr/>
-          <a:lstStyle/>
-          <a:p>
-            <a:r>
-              <a:rPr lang="en-US" i="1" dirty="0" smtClean="0"/>
-              <a:t>Definition</a:t>
-            </a:r>
-            <a:r>
-              <a:rPr lang="en-US" dirty="0" smtClean="0"/>
-              <a:t>: A thread is a single sequential flow of control within a program (also called </a:t>
-            </a:r>
-            <a:r>
-              <a:rPr lang="en-US" i="1" dirty="0" smtClean="0"/>
-              <a:t>lightweight process</a:t>
-            </a:r>
-            <a:r>
-              <a:rPr lang="en-US" dirty="0" smtClean="0"/>
-              <a:t>) </a:t>
-            </a:r>
-            <a:br>
-              <a:rPr lang="en-US" dirty="0" smtClean="0"/>
-            </a:br>
-            <a:endParaRPr lang="en-US" dirty="0"/>
-          </a:p>
-        </p:txBody>
-      </p:sp>
+            <a:off x="685800" y="3352800"/>
+            <a:ext cx="8153400" cy="3223437"/>
+          </a:xfrm>
+          <a:prstGeom prst="rect">
+            <a:avLst/>
+          </a:prstGeom>
+        </p:spPr>
+      </p:pic>
     </p:spTree>
+    <p:extLst>
+      <p:ext uri="{BB962C8B-B14F-4D97-AF65-F5344CB8AC3E}">
+        <p14:creationId xmlns:p14="http://schemas.microsoft.com/office/powerpoint/2010/main" val="871172949"/>
+      </p:ext>
+    </p:extLst>
   </p:cSld>
   <p:clrMapOvr>
     <a:masterClrMapping/>
@@ -7848,106 +8924,68 @@
             <p:ph type="title"/>
           </p:nvPr>
         </p:nvSpPr>
+        <p:spPr/>
+        <p:txBody>
+          <a:bodyPr/>
+          <a:lstStyle/>
+          <a:p>
+            <a:r>
+              <a:rPr lang="en-GB" dirty="0" smtClean="0"/>
+              <a:t>Answer</a:t>
+            </a:r>
+            <a:endParaRPr lang="en-GB" dirty="0"/>
+          </a:p>
+        </p:txBody>
+      </p:sp>
+      <p:sp>
+        <p:nvSpPr>
+          <p:cNvPr id="3" name="Content Placeholder 2"/>
+          <p:cNvSpPr>
+            <a:spLocks noGrp="1"/>
+          </p:cNvSpPr>
+          <p:nvPr>
+            <p:ph idx="1"/>
+          </p:nvPr>
+        </p:nvSpPr>
+        <p:spPr/>
+        <p:txBody>
+          <a:bodyPr/>
+          <a:lstStyle/>
+          <a:p>
+            <a:endParaRPr lang="en-GB"/>
+          </a:p>
+        </p:txBody>
+      </p:sp>
+      <p:pic>
+        <p:nvPicPr>
+          <p:cNvPr id="4" name="Picture 3"/>
+          <p:cNvPicPr>
+            <a:picLocks noChangeAspect="1"/>
+          </p:cNvPicPr>
+          <p:nvPr/>
+        </p:nvPicPr>
+        <p:blipFill>
+          <a:blip r:embed="rId2"/>
+          <a:stretch>
+            <a:fillRect/>
+          </a:stretch>
+        </p:blipFill>
         <p:spPr>
           <a:xfrm>
-            <a:off x="685800" y="76200"/>
-            <a:ext cx="7772400" cy="1143000"/>
-          </a:xfrm>
-        </p:spPr>
-        <p:txBody>
-          <a:bodyPr/>
-          <a:lstStyle/>
-          <a:p>
-            <a:r>
-              <a:rPr lang="en-US" dirty="0" smtClean="0"/>
-              <a:t>Thread</a:t>
-            </a:r>
-            <a:endParaRPr lang="en-US" dirty="0"/>
-          </a:p>
-        </p:txBody>
-      </p:sp>
-      <p:sp>
-        <p:nvSpPr>
-          <p:cNvPr id="3" name="Content Placeholder 2"/>
-          <p:cNvSpPr>
-            <a:spLocks noGrp="1"/>
-          </p:cNvSpPr>
-          <p:nvPr>
-            <p:ph idx="1"/>
-          </p:nvPr>
-        </p:nvSpPr>
-        <p:spPr>
-          <a:xfrm>
-            <a:off x="685800" y="1447800"/>
-            <a:ext cx="7772400" cy="4724400"/>
-          </a:xfrm>
-        </p:spPr>
-        <p:txBody>
-          <a:bodyPr>
-            <a:normAutofit fontScale="92500" lnSpcReduction="10000"/>
-          </a:bodyPr>
-          <a:lstStyle/>
-          <a:p>
-            <a:r>
-              <a:rPr lang="en-US" dirty="0" smtClean="0"/>
-              <a:t>Each thread acts like its own sequential program</a:t>
-            </a:r>
-          </a:p>
-          <a:p>
-            <a:pPr lvl="1"/>
-            <a:r>
-              <a:rPr lang="en-US" dirty="0" smtClean="0"/>
-              <a:t>Underlying mechanism divides up CPU between multiple threads</a:t>
-            </a:r>
-          </a:p>
-          <a:p>
-            <a:r>
-              <a:rPr lang="en-US" dirty="0" smtClean="0"/>
-              <a:t>Two types of multithreaded applications</a:t>
-            </a:r>
-          </a:p>
-          <a:p>
-            <a:pPr lvl="1"/>
-            <a:r>
-              <a:rPr lang="en-US" dirty="0" smtClean="0"/>
-              <a:t>Make many threads that do many tasks in parallel, i.e., </a:t>
-            </a:r>
-            <a:r>
-              <a:rPr lang="en-US" dirty="0" smtClean="0">
-                <a:solidFill>
-                  <a:srgbClr val="FF0000"/>
-                </a:solidFill>
-              </a:rPr>
-              <a:t>no communication </a:t>
-            </a:r>
-            <a:r>
-              <a:rPr lang="en-US" dirty="0" smtClean="0"/>
-              <a:t>between the threads (GUI)</a:t>
-            </a:r>
-          </a:p>
-          <a:p>
-            <a:pPr lvl="1"/>
-            <a:r>
-              <a:rPr lang="en-US" dirty="0" smtClean="0"/>
-              <a:t>Make many threads that do many tasks </a:t>
-            </a:r>
-            <a:r>
-              <a:rPr lang="en-US" dirty="0" smtClean="0">
-                <a:solidFill>
-                  <a:srgbClr val="FF0000"/>
-                </a:solidFill>
-              </a:rPr>
-              <a:t>concurrently</a:t>
-            </a:r>
-            <a:r>
-              <a:rPr lang="en-US" dirty="0" smtClean="0"/>
-              <a:t>, i.e., communication between the threads (data access) </a:t>
-            </a:r>
-            <a:endParaRPr lang="en-US" dirty="0"/>
-          </a:p>
-        </p:txBody>
-      </p:sp>
+            <a:off x="847725" y="3028950"/>
+            <a:ext cx="7448550" cy="800100"/>
+          </a:xfrm>
+          <a:prstGeom prst="rect">
+            <a:avLst/>
+          </a:prstGeom>
+        </p:spPr>
+      </p:pic>
     </p:spTree>
+    <p:extLst>
+      <p:ext uri="{BB962C8B-B14F-4D97-AF65-F5344CB8AC3E}">
+        <p14:creationId xmlns:p14="http://schemas.microsoft.com/office/powerpoint/2010/main" val="146736076"/>
+      </p:ext>
+    </p:extLst>
   </p:cSld>
   <p:clrMapOvr>
     <a:masterClrMapping/>
@@ -7984,7 +9022,7 @@
         </p:nvSpPr>
         <p:spPr>
           <a:xfrm>
-            <a:off x="685800" y="152400"/>
+            <a:off x="685800" y="0"/>
             <a:ext cx="7772400" cy="1143000"/>
           </a:xfrm>
         </p:spPr>
@@ -7993,10 +9031,10 @@
           <a:lstStyle/>
           <a:p>
             <a:r>
-              <a:rPr lang="en-US" dirty="0" smtClean="0"/>
-              <a:t>Advantages/Disadvantages</a:t>
-            </a:r>
-            <a:endParaRPr lang="en-US" dirty="0"/>
+              <a:rPr lang="en-GB" dirty="0" smtClean="0"/>
+              <a:t>Question</a:t>
+            </a:r>
+            <a:endParaRPr lang="en-GB" dirty="0"/>
           </a:p>
         </p:txBody>
       </p:sp>
@@ -8012,73 +9050,52 @@
         </p:nvSpPr>
         <p:spPr>
           <a:xfrm>
-            <a:off x="685800" y="1524000"/>
-            <a:ext cx="7772400" cy="4800600"/>
-          </a:xfrm>
-        </p:spPr>
-        <p:txBody>
-          <a:bodyPr>
-            <a:normAutofit lnSpcReduction="10000"/>
-          </a:bodyPr>
-          <a:lstStyle/>
-          <a:p>
-            <a:r>
-              <a:rPr lang="en-US" dirty="0" smtClean="0"/>
-              <a:t>Advantages</a:t>
-            </a:r>
-          </a:p>
-          <a:p>
-            <a:pPr lvl="1"/>
-            <a:r>
-              <a:rPr lang="en-US" dirty="0" smtClean="0"/>
-              <a:t>Responsiveness, e.g., of user interfaces</a:t>
-            </a:r>
-          </a:p>
-          <a:p>
-            <a:pPr lvl="1"/>
-            <a:r>
-              <a:rPr lang="en-US" dirty="0" smtClean="0"/>
-              <a:t>Resource sharing</a:t>
-            </a:r>
-          </a:p>
-          <a:p>
-            <a:pPr lvl="1"/>
-            <a:r>
-              <a:rPr lang="en-US" dirty="0" smtClean="0"/>
-              <a:t>Economy</a:t>
-            </a:r>
-          </a:p>
-          <a:p>
-            <a:pPr lvl="1"/>
-            <a:r>
-              <a:rPr lang="en-US" dirty="0" smtClean="0"/>
-              <a:t>Utilization of multiprocessor hardware architectures</a:t>
-            </a:r>
-          </a:p>
-          <a:p>
-            <a:r>
-              <a:rPr lang="en-US" dirty="0" smtClean="0"/>
-              <a:t>Disadvantages</a:t>
-            </a:r>
-          </a:p>
-          <a:p>
-            <a:pPr lvl="1"/>
-            <a:r>
-              <a:rPr lang="en-US" dirty="0" smtClean="0"/>
-              <a:t>More complicated code</a:t>
-            </a:r>
-          </a:p>
-          <a:p>
-            <a:pPr lvl="1"/>
-            <a:r>
-              <a:rPr lang="en-US" dirty="0" smtClean="0"/>
-              <a:t>Deadlocks (very hard to debug logical program errors) </a:t>
-            </a:r>
-            <a:endParaRPr lang="en-US" dirty="0"/>
-          </a:p>
-        </p:txBody>
-      </p:sp>
+            <a:off x="685800" y="1066800"/>
+            <a:ext cx="7772400" cy="4114800"/>
+          </a:xfrm>
+        </p:spPr>
+        <p:txBody>
+          <a:bodyPr/>
+          <a:lstStyle/>
+          <a:p>
+            <a:r>
+              <a:rPr lang="en-GB" dirty="0" smtClean="0"/>
+              <a:t>Does the following code compile?  What would the output be?</a:t>
+            </a:r>
+            <a:endParaRPr lang="en-GB" dirty="0"/>
+          </a:p>
+        </p:txBody>
+      </p:sp>
+      <p:pic>
+        <p:nvPicPr>
+          <p:cNvPr id="4" name="Picture 3"/>
+          <p:cNvPicPr>
+            <a:picLocks noChangeAspect="1"/>
+          </p:cNvPicPr>
+          <p:nvPr/>
+        </p:nvPicPr>
+        <p:blipFill>
+          <a:blip r:embed="rId2"/>
+          <a:stretch>
+            <a:fillRect/>
+          </a:stretch>
+        </p:blipFill>
+        <p:spPr>
+          <a:xfrm>
+            <a:off x="2286000" y="2362200"/>
+            <a:ext cx="5157788" cy="4044825"/>
+          </a:xfrm>
+          <a:prstGeom prst="rect">
+            <a:avLst/>
+          </a:prstGeom>
+        </p:spPr>
+      </p:pic>
     </p:spTree>
+    <p:extLst>
+      <p:ext uri="{BB962C8B-B14F-4D97-AF65-F5344CB8AC3E}">
+        <p14:creationId xmlns:p14="http://schemas.microsoft.com/office/powerpoint/2010/main" val="3508922365"/>
+      </p:ext>
+    </p:extLst>
   </p:cSld>
   <p:clrMapOvr>
     <a:masterClrMapping/>
@@ -8569,7 +9586,7 @@
   </a:extraClrSchemeLst>
   <a:extLst>
     <a:ext uri="{05A4C25C-085E-4340-85A3-A5531E510DB2}">
-      <thm15:themeFamily xmlns="" xmlns:thm15="http://schemas.microsoft.com/office/thememl/2012/main" name="Office Theme" id="{62F939B6-93AF-4DB8-9C6B-D6C7DFDC589F}" vid="{4A3C46E8-61CC-4603-A589-7422A47A8E4A}"/>
+      <thm15:themeFamily xmlns:thm15="http://schemas.microsoft.com/office/thememl/2012/main" name="Office Theme" id="{62F939B6-93AF-4DB8-9C6B-D6C7DFDC589F}" vid="{4A3C46E8-61CC-4603-A589-7422A47A8E4A}"/>
     </a:ext>
   </a:extLst>
 </a:theme>
@@ -8830,7 +9847,7 @@
   <a:extraClrSchemeLst/>
   <a:extLst>
     <a:ext uri="{05A4C25C-085E-4340-85A3-A5531E510DB2}">
-      <thm15:themeFamily xmlns="" xmlns:thm15="http://schemas.microsoft.com/office/thememl/2012/main" name="Office Theme" id="{62F939B6-93AF-4DB8-9C6B-D6C7DFDC589F}" vid="{4A3C46E8-61CC-4603-A589-7422A47A8E4A}"/>
+      <thm15:themeFamily xmlns:thm15="http://schemas.microsoft.com/office/thememl/2012/main" name="Office Theme" id="{62F939B6-93AF-4DB8-9C6B-D6C7DFDC589F}" vid="{4A3C46E8-61CC-4603-A589-7422A47A8E4A}"/>
     </a:ext>
   </a:extLst>
 </a:theme>
